--- a/D_Thursday/GSERM_Thursday_ElasticNet.pptx
+++ b/D_Thursday/GSERM_Thursday_ElasticNet.pptx
@@ -1231,18 +1231,18 @@
     </dgm:pt>
   </dgm:ptLst>
   <dgm:cxnLst>
-    <dgm:cxn modelId="{D0447430-E18B-473F-9087-B013AEE0E78A}" type="presOf" srcId="{76C31FE6-5829-4489-A402-945C32DE4741}" destId="{8EFE59FE-7F14-4698-9B8A-BE834E15010C}" srcOrd="0" destOrd="0" presId="urn:microsoft.com/office/officeart/2008/layout/RadialCluster"/>
-    <dgm:cxn modelId="{A7002C5F-88B1-4ACC-8329-9D655579EE97}" srcId="{1465EBEA-1279-4717-BD27-C7EE495077BF}" destId="{8E297FBB-70E8-484D-ADDA-349C5C5EC0DA}" srcOrd="0" destOrd="0" parTransId="{23DED236-7B76-43EA-AFA6-B4812BAB3BCB}" sibTransId="{B9E7B344-52DB-41A9-AAEF-106B6B018EB2}"/>
-    <dgm:cxn modelId="{69AC3E77-ABAE-45D3-84D5-F50844D5597C}" srcId="{8E297FBB-70E8-484D-ADDA-349C5C5EC0DA}" destId="{F0C3C22E-A72F-42E3-A5D8-EAA1324E493B}" srcOrd="0" destOrd="0" parTransId="{49654E44-832B-48D8-8A88-7432BEEA0E73}" sibTransId="{4B9BB6FB-1477-4FDE-A007-2D1D941AEBFD}"/>
-    <dgm:cxn modelId="{26E6FA02-9B15-4A58-94D1-3CB65B58C195}" srcId="{8E297FBB-70E8-484D-ADDA-349C5C5EC0DA}" destId="{F315DE48-E7DC-4B9D-AA90-BEEB45CC9F8B}" srcOrd="2" destOrd="0" parTransId="{6DE10D35-E2C0-4531-B887-4F26096BB81C}" sibTransId="{4453BA22-6599-45AB-8D06-B14386241D2E}"/>
-    <dgm:cxn modelId="{EBF33CBE-17BB-4239-85E4-990CC6B9B202}" type="presOf" srcId="{1465EBEA-1279-4717-BD27-C7EE495077BF}" destId="{A5FC397E-4FE7-4D3A-AB2C-094C077EECF4}" srcOrd="0" destOrd="0" presId="urn:microsoft.com/office/officeart/2008/layout/RadialCluster"/>
-    <dgm:cxn modelId="{C29415E2-9021-4BD8-9D56-9D9659A59193}" type="presOf" srcId="{49654E44-832B-48D8-8A88-7432BEEA0E73}" destId="{266CC23F-8EE7-4220-A778-40047914545C}" srcOrd="0" destOrd="0" presId="urn:microsoft.com/office/officeart/2008/layout/RadialCluster"/>
     <dgm:cxn modelId="{4C0C4893-76A7-413C-A1E4-D6DA7F0ACC7D}" type="presOf" srcId="{59C22A17-0850-49C4-8783-ED057382F21E}" destId="{C61EB7C8-4F12-44FC-8F53-5AADCCEF3A7B}" srcOrd="0" destOrd="0" presId="urn:microsoft.com/office/officeart/2008/layout/RadialCluster"/>
     <dgm:cxn modelId="{EAB95AC5-33EC-4191-823A-8FDF69FC2220}" type="presOf" srcId="{6DE10D35-E2C0-4531-B887-4F26096BB81C}" destId="{7365E4B8-67AF-4B74-B4DC-BE28DDEAAE6F}" srcOrd="0" destOrd="0" presId="urn:microsoft.com/office/officeart/2008/layout/RadialCluster"/>
+    <dgm:cxn modelId="{A7002C5F-88B1-4ACC-8329-9D655579EE97}" srcId="{1465EBEA-1279-4717-BD27-C7EE495077BF}" destId="{8E297FBB-70E8-484D-ADDA-349C5C5EC0DA}" srcOrd="0" destOrd="0" parTransId="{23DED236-7B76-43EA-AFA6-B4812BAB3BCB}" sibTransId="{B9E7B344-52DB-41A9-AAEF-106B6B018EB2}"/>
     <dgm:cxn modelId="{72FA942B-9893-486D-8C58-9313F146ED56}" type="presOf" srcId="{8E297FBB-70E8-484D-ADDA-349C5C5EC0DA}" destId="{999BCBA0-BD09-4951-8BEA-D7F0F8386C69}" srcOrd="0" destOrd="0" presId="urn:microsoft.com/office/officeart/2008/layout/RadialCluster"/>
+    <dgm:cxn modelId="{6DF40F96-250F-4D3C-8A46-52C9DAAF41A6}" type="presOf" srcId="{F0C3C22E-A72F-42E3-A5D8-EAA1324E493B}" destId="{27261355-E33A-4B4A-B454-3F0124F10E10}" srcOrd="0" destOrd="0" presId="urn:microsoft.com/office/officeart/2008/layout/RadialCluster"/>
     <dgm:cxn modelId="{2F432543-80D3-497D-A9EB-2FAF5BB3BCF1}" srcId="{8E297FBB-70E8-484D-ADDA-349C5C5EC0DA}" destId="{76C31FE6-5829-4489-A402-945C32DE4741}" srcOrd="1" destOrd="0" parTransId="{59C22A17-0850-49C4-8783-ED057382F21E}" sibTransId="{F2B9525B-0B5E-4B84-A400-C71062C12E54}"/>
-    <dgm:cxn modelId="{6DF40F96-250F-4D3C-8A46-52C9DAAF41A6}" type="presOf" srcId="{F0C3C22E-A72F-42E3-A5D8-EAA1324E493B}" destId="{27261355-E33A-4B4A-B454-3F0124F10E10}" srcOrd="0" destOrd="0" presId="urn:microsoft.com/office/officeart/2008/layout/RadialCluster"/>
+    <dgm:cxn modelId="{69AC3E77-ABAE-45D3-84D5-F50844D5597C}" srcId="{8E297FBB-70E8-484D-ADDA-349C5C5EC0DA}" destId="{F0C3C22E-A72F-42E3-A5D8-EAA1324E493B}" srcOrd="0" destOrd="0" parTransId="{49654E44-832B-48D8-8A88-7432BEEA0E73}" sibTransId="{4B9BB6FB-1477-4FDE-A007-2D1D941AEBFD}"/>
+    <dgm:cxn modelId="{D0447430-E18B-473F-9087-B013AEE0E78A}" type="presOf" srcId="{76C31FE6-5829-4489-A402-945C32DE4741}" destId="{8EFE59FE-7F14-4698-9B8A-BE834E15010C}" srcOrd="0" destOrd="0" presId="urn:microsoft.com/office/officeart/2008/layout/RadialCluster"/>
     <dgm:cxn modelId="{D5622825-0DB4-48EA-AEB5-BCFA2E942A6E}" type="presOf" srcId="{F315DE48-E7DC-4B9D-AA90-BEEB45CC9F8B}" destId="{795AE095-0DDB-495C-B54B-B3F2F1A07408}" srcOrd="0" destOrd="0" presId="urn:microsoft.com/office/officeart/2008/layout/RadialCluster"/>
+    <dgm:cxn modelId="{EBF33CBE-17BB-4239-85E4-990CC6B9B202}" type="presOf" srcId="{1465EBEA-1279-4717-BD27-C7EE495077BF}" destId="{A5FC397E-4FE7-4D3A-AB2C-094C077EECF4}" srcOrd="0" destOrd="0" presId="urn:microsoft.com/office/officeart/2008/layout/RadialCluster"/>
+    <dgm:cxn modelId="{26E6FA02-9B15-4A58-94D1-3CB65B58C195}" srcId="{8E297FBB-70E8-484D-ADDA-349C5C5EC0DA}" destId="{F315DE48-E7DC-4B9D-AA90-BEEB45CC9F8B}" srcOrd="2" destOrd="0" parTransId="{6DE10D35-E2C0-4531-B887-4F26096BB81C}" sibTransId="{4453BA22-6599-45AB-8D06-B14386241D2E}"/>
+    <dgm:cxn modelId="{C29415E2-9021-4BD8-9D56-9D9659A59193}" type="presOf" srcId="{49654E44-832B-48D8-8A88-7432BEEA0E73}" destId="{266CC23F-8EE7-4220-A778-40047914545C}" srcOrd="0" destOrd="0" presId="urn:microsoft.com/office/officeart/2008/layout/RadialCluster"/>
     <dgm:cxn modelId="{8E748920-5F9C-40B9-A725-24CB01F8D230}" type="presParOf" srcId="{A5FC397E-4FE7-4D3A-AB2C-094C077EECF4}" destId="{1A9081B5-F627-460B-B42D-CA1BBAC2009F}" srcOrd="0" destOrd="0" presId="urn:microsoft.com/office/officeart/2008/layout/RadialCluster"/>
     <dgm:cxn modelId="{A4881FDB-E024-4F0D-B153-A3A8CB63E71F}" type="presParOf" srcId="{1A9081B5-F627-460B-B42D-CA1BBAC2009F}" destId="{999BCBA0-BD09-4951-8BEA-D7F0F8386C69}" srcOrd="0" destOrd="0" presId="urn:microsoft.com/office/officeart/2008/layout/RadialCluster"/>
     <dgm:cxn modelId="{715DA0BF-6C85-417D-B0C1-6F21BA85770D}" type="presParOf" srcId="{1A9081B5-F627-460B-B42D-CA1BBAC2009F}" destId="{266CC23F-8EE7-4220-A778-40047914545C}" srcOrd="1" destOrd="0" presId="urn:microsoft.com/office/officeart/2008/layout/RadialCluster"/>
@@ -1270,6 +1270,480 @@
       <dsp:cNvGrpSpPr/>
     </dsp:nvGrpSpPr>
     <dsp:grpSpPr/>
+    <dsp:sp modelId="{999BCBA0-BD09-4951-8BEA-D7F0F8386C69}">
+      <dsp:nvSpPr>
+        <dsp:cNvPr id="0" name=""/>
+        <dsp:cNvSpPr/>
+      </dsp:nvSpPr>
+      <dsp:spPr>
+        <a:xfrm>
+          <a:off x="3405353" y="1382281"/>
+          <a:ext cx="1828796" cy="1226820"/>
+        </a:xfrm>
+        <a:prstGeom prst="roundRect">
+          <a:avLst/>
+        </a:prstGeom>
+        <a:solidFill>
+          <a:schemeClr val="accent1">
+            <a:hueOff val="0"/>
+            <a:satOff val="0"/>
+            <a:lumOff val="0"/>
+            <a:alphaOff val="0"/>
+          </a:schemeClr>
+        </a:solidFill>
+        <a:ln w="12700" cap="flat" cmpd="sng" algn="ctr">
+          <a:solidFill>
+            <a:schemeClr val="lt1">
+              <a:hueOff val="0"/>
+              <a:satOff val="0"/>
+              <a:lumOff val="0"/>
+              <a:alphaOff val="0"/>
+            </a:schemeClr>
+          </a:solidFill>
+          <a:prstDash val="solid"/>
+          <a:miter lim="800000"/>
+        </a:ln>
+        <a:effectLst/>
+      </dsp:spPr>
+      <dsp:style>
+        <a:lnRef idx="2">
+          <a:scrgbClr r="0" g="0" b="0"/>
+        </a:lnRef>
+        <a:fillRef idx="1">
+          <a:scrgbClr r="0" g="0" b="0"/>
+        </a:fillRef>
+        <a:effectRef idx="0">
+          <a:scrgbClr r="0" g="0" b="0"/>
+        </a:effectRef>
+        <a:fontRef idx="minor">
+          <a:schemeClr val="lt1"/>
+        </a:fontRef>
+      </dsp:style>
+      <dsp:txBody>
+        <a:bodyPr spcFirstLastPara="0" vert="horz" wrap="square" lIns="58420" tIns="58420" rIns="58420" bIns="58420" numCol="1" spcCol="1270" anchor="ctr" anchorCtr="0">
+          <a:noAutofit/>
+        </a:bodyPr>
+        <a:lstStyle/>
+        <a:p>
+          <a:pPr lvl="0" algn="ctr" defTabSz="1022350">
+            <a:lnSpc>
+              <a:spcPct val="90000"/>
+            </a:lnSpc>
+            <a:spcBef>
+              <a:spcPct val="0"/>
+            </a:spcBef>
+            <a:spcAft>
+              <a:spcPct val="35000"/>
+            </a:spcAft>
+          </a:pPr>
+          <a:r>
+            <a:rPr lang="en-US" sz="2300" kern="1200" dirty="0" smtClean="0"/>
+            <a:t>Best Possible Model</a:t>
+          </a:r>
+          <a:endParaRPr lang="en-US" sz="2300" kern="1200" dirty="0"/>
+        </a:p>
+      </dsp:txBody>
+      <dsp:txXfrm>
+        <a:off x="3465241" y="1442169"/>
+        <a:ext cx="1709020" cy="1107044"/>
+      </dsp:txXfrm>
+    </dsp:sp>
+    <dsp:sp modelId="{266CC23F-8EE7-4220-A778-40047914545C}">
+      <dsp:nvSpPr>
+        <dsp:cNvPr id="0" name=""/>
+        <dsp:cNvSpPr/>
+      </dsp:nvSpPr>
+      <dsp:spPr>
+        <a:xfrm rot="16200000">
+          <a:off x="4149594" y="1212123"/>
+          <a:ext cx="340314" cy="0"/>
+        </a:xfrm>
+        <a:custGeom>
+          <a:avLst/>
+          <a:gdLst/>
+          <a:ahLst/>
+          <a:cxnLst/>
+          <a:rect l="0" t="0" r="0" b="0"/>
+          <a:pathLst>
+            <a:path>
+              <a:moveTo>
+                <a:pt x="0" y="0"/>
+              </a:moveTo>
+              <a:lnTo>
+                <a:pt x="340314" y="0"/>
+              </a:lnTo>
+            </a:path>
+          </a:pathLst>
+        </a:custGeom>
+        <a:noFill/>
+        <a:ln w="12700" cap="flat" cmpd="sng" algn="ctr">
+          <a:solidFill>
+            <a:schemeClr val="accent1">
+              <a:shade val="60000"/>
+              <a:hueOff val="0"/>
+              <a:satOff val="0"/>
+              <a:lumOff val="0"/>
+              <a:alphaOff val="0"/>
+            </a:schemeClr>
+          </a:solidFill>
+          <a:prstDash val="solid"/>
+          <a:miter lim="800000"/>
+        </a:ln>
+        <a:effectLst/>
+      </dsp:spPr>
+      <dsp:style>
+        <a:lnRef idx="2">
+          <a:scrgbClr r="0" g="0" b="0"/>
+        </a:lnRef>
+        <a:fillRef idx="0">
+          <a:scrgbClr r="0" g="0" b="0"/>
+        </a:fillRef>
+        <a:effectRef idx="0">
+          <a:scrgbClr r="0" g="0" b="0"/>
+        </a:effectRef>
+        <a:fontRef idx="minor"/>
+      </dsp:style>
+    </dsp:sp>
+    <dsp:sp modelId="{27261355-E33A-4B4A-B454-3F0124F10E10}">
+      <dsp:nvSpPr>
+        <dsp:cNvPr id="0" name=""/>
+        <dsp:cNvSpPr/>
+      </dsp:nvSpPr>
+      <dsp:spPr>
+        <a:xfrm>
+          <a:off x="3405352" y="219996"/>
+          <a:ext cx="1828799" cy="821969"/>
+        </a:xfrm>
+        <a:prstGeom prst="roundRect">
+          <a:avLst/>
+        </a:prstGeom>
+        <a:solidFill>
+          <a:schemeClr val="accent6">
+            <a:lumMod val="60000"/>
+            <a:lumOff val="40000"/>
+          </a:schemeClr>
+        </a:solidFill>
+        <a:ln w="12700" cap="flat" cmpd="sng" algn="ctr">
+          <a:solidFill>
+            <a:schemeClr val="lt1">
+              <a:hueOff val="0"/>
+              <a:satOff val="0"/>
+              <a:lumOff val="0"/>
+              <a:alphaOff val="0"/>
+            </a:schemeClr>
+          </a:solidFill>
+          <a:prstDash val="solid"/>
+          <a:miter lim="800000"/>
+        </a:ln>
+        <a:effectLst/>
+      </dsp:spPr>
+      <dsp:style>
+        <a:lnRef idx="2">
+          <a:scrgbClr r="0" g="0" b="0"/>
+        </a:lnRef>
+        <a:fillRef idx="1">
+          <a:scrgbClr r="0" g="0" b="0"/>
+        </a:fillRef>
+        <a:effectRef idx="0">
+          <a:scrgbClr r="0" g="0" b="0"/>
+        </a:effectRef>
+        <a:fontRef idx="minor">
+          <a:schemeClr val="lt1"/>
+        </a:fontRef>
+      </dsp:style>
+      <dsp:txBody>
+        <a:bodyPr spcFirstLastPara="0" vert="horz" wrap="square" lIns="55880" tIns="55880" rIns="55880" bIns="55880" numCol="1" spcCol="1270" anchor="ctr" anchorCtr="0">
+          <a:noAutofit/>
+        </a:bodyPr>
+        <a:lstStyle/>
+        <a:p>
+          <a:pPr lvl="0" algn="ctr" defTabSz="977900">
+            <a:lnSpc>
+              <a:spcPct val="90000"/>
+            </a:lnSpc>
+            <a:spcBef>
+              <a:spcPct val="0"/>
+            </a:spcBef>
+            <a:spcAft>
+              <a:spcPct val="35000"/>
+            </a:spcAft>
+          </a:pPr>
+          <a:r>
+            <a:rPr lang="en-US" sz="2200" kern="1200" dirty="0" smtClean="0"/>
+            <a:t>Patient Factor Information</a:t>
+          </a:r>
+          <a:endParaRPr lang="en-US" sz="2200" kern="1200" dirty="0"/>
+        </a:p>
+      </dsp:txBody>
+      <dsp:txXfrm>
+        <a:off x="3445477" y="260121"/>
+        <a:ext cx="1748549" cy="741719"/>
+      </dsp:txXfrm>
+    </dsp:sp>
+    <dsp:sp modelId="{C61EB7C8-4F12-44FC-8F53-5AADCCEF3A7B}">
+      <dsp:nvSpPr>
+        <dsp:cNvPr id="0" name=""/>
+        <dsp:cNvSpPr/>
+      </dsp:nvSpPr>
+      <dsp:spPr>
+        <a:xfrm rot="2511711">
+          <a:off x="4920497" y="2828267"/>
+          <a:ext cx="656838" cy="0"/>
+        </a:xfrm>
+        <a:custGeom>
+          <a:avLst/>
+          <a:gdLst/>
+          <a:ahLst/>
+          <a:cxnLst/>
+          <a:rect l="0" t="0" r="0" b="0"/>
+          <a:pathLst>
+            <a:path>
+              <a:moveTo>
+                <a:pt x="0" y="0"/>
+              </a:moveTo>
+              <a:lnTo>
+                <a:pt x="656838" y="0"/>
+              </a:lnTo>
+            </a:path>
+          </a:pathLst>
+        </a:custGeom>
+        <a:noFill/>
+        <a:ln w="12700" cap="flat" cmpd="sng" algn="ctr">
+          <a:solidFill>
+            <a:schemeClr val="accent1">
+              <a:shade val="60000"/>
+              <a:hueOff val="0"/>
+              <a:satOff val="0"/>
+              <a:lumOff val="0"/>
+              <a:alphaOff val="0"/>
+            </a:schemeClr>
+          </a:solidFill>
+          <a:prstDash val="solid"/>
+          <a:miter lim="800000"/>
+        </a:ln>
+        <a:effectLst/>
+      </dsp:spPr>
+      <dsp:style>
+        <a:lnRef idx="2">
+          <a:scrgbClr r="0" g="0" b="0"/>
+        </a:lnRef>
+        <a:fillRef idx="0">
+          <a:scrgbClr r="0" g="0" b="0"/>
+        </a:fillRef>
+        <a:effectRef idx="0">
+          <a:scrgbClr r="0" g="0" b="0"/>
+        </a:effectRef>
+        <a:fontRef idx="minor"/>
+      </dsp:style>
+    </dsp:sp>
+    <dsp:sp modelId="{8EFE59FE-7F14-4698-9B8A-BE834E15010C}">
+      <dsp:nvSpPr>
+        <dsp:cNvPr id="0" name=""/>
+        <dsp:cNvSpPr/>
+      </dsp:nvSpPr>
+      <dsp:spPr>
+        <a:xfrm>
+          <a:off x="5037773" y="3047433"/>
+          <a:ext cx="1828799" cy="821969"/>
+        </a:xfrm>
+        <a:prstGeom prst="roundRect">
+          <a:avLst/>
+        </a:prstGeom>
+        <a:solidFill>
+          <a:schemeClr val="accent6">
+            <a:lumMod val="60000"/>
+            <a:lumOff val="40000"/>
+          </a:schemeClr>
+        </a:solidFill>
+        <a:ln w="12700" cap="flat" cmpd="sng" algn="ctr">
+          <a:solidFill>
+            <a:schemeClr val="lt1">
+              <a:hueOff val="0"/>
+              <a:satOff val="0"/>
+              <a:lumOff val="0"/>
+              <a:alphaOff val="0"/>
+            </a:schemeClr>
+          </a:solidFill>
+          <a:prstDash val="solid"/>
+          <a:miter lim="800000"/>
+        </a:ln>
+        <a:effectLst/>
+      </dsp:spPr>
+      <dsp:style>
+        <a:lnRef idx="2">
+          <a:scrgbClr r="0" g="0" b="0"/>
+        </a:lnRef>
+        <a:fillRef idx="1">
+          <a:scrgbClr r="0" g="0" b="0"/>
+        </a:fillRef>
+        <a:effectRef idx="0">
+          <a:scrgbClr r="0" g="0" b="0"/>
+        </a:effectRef>
+        <a:fontRef idx="minor">
+          <a:schemeClr val="lt1"/>
+        </a:fontRef>
+      </dsp:style>
+      <dsp:txBody>
+        <a:bodyPr spcFirstLastPara="0" vert="horz" wrap="square" lIns="55880" tIns="55880" rIns="55880" bIns="55880" numCol="1" spcCol="1270" anchor="ctr" anchorCtr="0">
+          <a:noAutofit/>
+        </a:bodyPr>
+        <a:lstStyle/>
+        <a:p>
+          <a:pPr lvl="0" algn="ctr" defTabSz="977900">
+            <a:lnSpc>
+              <a:spcPct val="90000"/>
+            </a:lnSpc>
+            <a:spcBef>
+              <a:spcPct val="0"/>
+            </a:spcBef>
+            <a:spcAft>
+              <a:spcPct val="35000"/>
+            </a:spcAft>
+          </a:pPr>
+          <a:r>
+            <a:rPr lang="en-US" sz="2200" kern="1200" dirty="0" smtClean="0"/>
+            <a:t>Numeric Information</a:t>
+          </a:r>
+          <a:endParaRPr lang="en-US" sz="2200" kern="1200" dirty="0"/>
+        </a:p>
+      </dsp:txBody>
+      <dsp:txXfrm>
+        <a:off x="5077898" y="3087558"/>
+        <a:ext cx="1748549" cy="741719"/>
+      </dsp:txXfrm>
+    </dsp:sp>
+    <dsp:sp modelId="{7365E4B8-67AF-4B74-B4DC-BE28DDEAAE6F}">
+      <dsp:nvSpPr>
+        <dsp:cNvPr id="0" name=""/>
+        <dsp:cNvSpPr/>
+      </dsp:nvSpPr>
+      <dsp:spPr>
+        <a:xfrm rot="8288289">
+          <a:off x="3062167" y="2828267"/>
+          <a:ext cx="656838" cy="0"/>
+        </a:xfrm>
+        <a:custGeom>
+          <a:avLst/>
+          <a:gdLst/>
+          <a:ahLst/>
+          <a:cxnLst/>
+          <a:rect l="0" t="0" r="0" b="0"/>
+          <a:pathLst>
+            <a:path>
+              <a:moveTo>
+                <a:pt x="0" y="0"/>
+              </a:moveTo>
+              <a:lnTo>
+                <a:pt x="656838" y="0"/>
+              </a:lnTo>
+            </a:path>
+          </a:pathLst>
+        </a:custGeom>
+        <a:noFill/>
+        <a:ln w="12700" cap="flat" cmpd="sng" algn="ctr">
+          <a:solidFill>
+            <a:schemeClr val="accent1">
+              <a:shade val="60000"/>
+              <a:hueOff val="0"/>
+              <a:satOff val="0"/>
+              <a:lumOff val="0"/>
+              <a:alphaOff val="0"/>
+            </a:schemeClr>
+          </a:solidFill>
+          <a:prstDash val="solid"/>
+          <a:miter lim="800000"/>
+        </a:ln>
+        <a:effectLst/>
+      </dsp:spPr>
+      <dsp:style>
+        <a:lnRef idx="2">
+          <a:scrgbClr r="0" g="0" b="0"/>
+        </a:lnRef>
+        <a:fillRef idx="0">
+          <a:scrgbClr r="0" g="0" b="0"/>
+        </a:fillRef>
+        <a:effectRef idx="0">
+          <a:scrgbClr r="0" g="0" b="0"/>
+        </a:effectRef>
+        <a:fontRef idx="minor"/>
+      </dsp:style>
+    </dsp:sp>
+    <dsp:sp modelId="{795AE095-0DDB-495C-B54B-B3F2F1A07408}">
+      <dsp:nvSpPr>
+        <dsp:cNvPr id="0" name=""/>
+        <dsp:cNvSpPr/>
+      </dsp:nvSpPr>
+      <dsp:spPr>
+        <a:xfrm>
+          <a:off x="1772930" y="3047433"/>
+          <a:ext cx="1828799" cy="821969"/>
+        </a:xfrm>
+        <a:prstGeom prst="roundRect">
+          <a:avLst/>
+        </a:prstGeom>
+        <a:solidFill>
+          <a:schemeClr val="accent6">
+            <a:lumMod val="60000"/>
+            <a:lumOff val="40000"/>
+          </a:schemeClr>
+        </a:solidFill>
+        <a:ln w="12700" cap="flat" cmpd="sng" algn="ctr">
+          <a:solidFill>
+            <a:schemeClr val="lt1">
+              <a:hueOff val="0"/>
+              <a:satOff val="0"/>
+              <a:lumOff val="0"/>
+              <a:alphaOff val="0"/>
+            </a:schemeClr>
+          </a:solidFill>
+          <a:prstDash val="solid"/>
+          <a:miter lim="800000"/>
+        </a:ln>
+        <a:effectLst/>
+      </dsp:spPr>
+      <dsp:style>
+        <a:lnRef idx="2">
+          <a:scrgbClr r="0" g="0" b="0"/>
+        </a:lnRef>
+        <a:fillRef idx="1">
+          <a:scrgbClr r="0" g="0" b="0"/>
+        </a:fillRef>
+        <a:effectRef idx="0">
+          <a:scrgbClr r="0" g="0" b="0"/>
+        </a:effectRef>
+        <a:fontRef idx="minor">
+          <a:schemeClr val="lt1"/>
+        </a:fontRef>
+      </dsp:style>
+      <dsp:txBody>
+        <a:bodyPr spcFirstLastPara="0" vert="horz" wrap="square" lIns="55880" tIns="55880" rIns="55880" bIns="55880" numCol="1" spcCol="1270" anchor="ctr" anchorCtr="0">
+          <a:noAutofit/>
+        </a:bodyPr>
+        <a:lstStyle/>
+        <a:p>
+          <a:pPr lvl="0" algn="ctr" defTabSz="977900">
+            <a:lnSpc>
+              <a:spcPct val="90000"/>
+            </a:lnSpc>
+            <a:spcBef>
+              <a:spcPct val="0"/>
+            </a:spcBef>
+            <a:spcAft>
+              <a:spcPct val="35000"/>
+            </a:spcAft>
+          </a:pPr>
+          <a:r>
+            <a:rPr lang="en-US" sz="2200" kern="1200" dirty="0" smtClean="0"/>
+            <a:t>Information from text</a:t>
+          </a:r>
+          <a:endParaRPr lang="en-US" sz="2200" kern="1200" dirty="0"/>
+        </a:p>
+      </dsp:txBody>
+      <dsp:txXfrm>
+        <a:off x="1813055" y="3087558"/>
+        <a:ext cx="1748549" cy="741719"/>
+      </dsp:txXfrm>
+    </dsp:sp>
   </dsp:spTree>
 </dsp:drawing>
 </file>
@@ -5468,7 +5942,7 @@
           <a:p>
             <a:fld id="{B0C0A60C-850A-4EA4-9C14-A8FE98B94505}" type="datetimeFigureOut">
               <a:rPr lang="en-US" smtClean="0"/>
-              <a:t>6/6/2019</a:t>
+              <a:t>6/19/2019</a:t>
             </a:fld>
             <a:endParaRPr lang="en-US"/>
           </a:p>
@@ -6359,7 +6833,101 @@
                 <a:spcPct val="0"/>
               </a:spcBef>
             </a:pPr>
-            <a:endParaRPr lang="en-US" altLang="en-US"/>
+            <a:r>
+              <a:rPr lang="en-US" sz="1200" b="0" i="0" kern="1200" dirty="0" smtClean="0">
+                <a:solidFill>
+                  <a:schemeClr val="tx1"/>
+                </a:solidFill>
+                <a:effectLst/>
+                <a:latin typeface="+mn-lt"/>
+                <a:ea typeface="+mn-ea"/>
+                <a:cs typeface="+mn-cs"/>
+              </a:rPr>
+              <a:t>Logit = log odds = logarithm of the odds p/(1 − p) </a:t>
+            </a:r>
+          </a:p>
+          <a:p>
+            <a:pPr eaLnBrk="1" hangingPunct="1">
+              <a:spcBef>
+                <a:spcPct val="0"/>
+              </a:spcBef>
+            </a:pPr>
+            <a:endParaRPr lang="en-US" altLang="en-US" sz="1200" b="0" i="0" kern="1200" dirty="0" smtClean="0">
+              <a:solidFill>
+                <a:schemeClr val="tx1"/>
+              </a:solidFill>
+              <a:effectLst/>
+              <a:latin typeface="+mn-lt"/>
+              <a:ea typeface="+mn-ea"/>
+              <a:cs typeface="+mn-cs"/>
+            </a:endParaRPr>
+          </a:p>
+          <a:p>
+            <a:pPr eaLnBrk="1" hangingPunct="1">
+              <a:spcBef>
+                <a:spcPct val="0"/>
+              </a:spcBef>
+            </a:pPr>
+            <a:r>
+              <a:rPr lang="en-US" altLang="en-US" sz="1200" b="0" i="0" kern="1200" dirty="0" smtClean="0">
+                <a:solidFill>
+                  <a:schemeClr val="tx1"/>
+                </a:solidFill>
+                <a:effectLst/>
+                <a:latin typeface="+mn-lt"/>
+                <a:ea typeface="+mn-ea"/>
+                <a:cs typeface="+mn-cs"/>
+              </a:rPr>
+              <a:t>Ln(p/(1-p) = b0 + b1 +</a:t>
+            </a:r>
+            <a:r>
+              <a:rPr lang="en-US" altLang="en-US" sz="1200" b="0" i="0" kern="1200" baseline="0" dirty="0" smtClean="0">
+                <a:solidFill>
+                  <a:schemeClr val="tx1"/>
+                </a:solidFill>
+                <a:effectLst/>
+                <a:latin typeface="+mn-lt"/>
+                <a:ea typeface="+mn-ea"/>
+                <a:cs typeface="+mn-cs"/>
+              </a:rPr>
+              <a:t> b2 …e</a:t>
+            </a:r>
+          </a:p>
+          <a:p>
+            <a:pPr eaLnBrk="1" hangingPunct="1">
+              <a:spcBef>
+                <a:spcPct val="0"/>
+              </a:spcBef>
+            </a:pPr>
+            <a:endParaRPr lang="en-US" altLang="en-US" sz="1200" b="0" i="0" kern="1200" baseline="0" dirty="0" smtClean="0">
+              <a:solidFill>
+                <a:schemeClr val="tx1"/>
+              </a:solidFill>
+              <a:effectLst/>
+              <a:latin typeface="+mn-lt"/>
+              <a:ea typeface="+mn-ea"/>
+              <a:cs typeface="+mn-cs"/>
+            </a:endParaRPr>
+          </a:p>
+          <a:p>
+            <a:pPr eaLnBrk="1" hangingPunct="1">
+              <a:spcBef>
+                <a:spcPct val="0"/>
+              </a:spcBef>
+            </a:pPr>
+            <a:r>
+              <a:rPr lang="en-US" sz="1200" b="0" i="0" kern="1200" dirty="0" smtClean="0">
+                <a:solidFill>
+                  <a:schemeClr val="tx1"/>
+                </a:solidFill>
+                <a:effectLst/>
+                <a:latin typeface="+mn-lt"/>
+                <a:ea typeface="+mn-ea"/>
+                <a:cs typeface="+mn-cs"/>
+              </a:rPr>
+              <a:t>P is defined as the probability that Y=1 then we take the log odds</a:t>
+            </a:r>
+            <a:endParaRPr lang="en-US" altLang="en-US" dirty="0"/>
           </a:p>
         </p:txBody>
       </p:sp>
@@ -6645,6 +7213,218 @@
           <a:bodyPr/>
           <a:lstStyle/>
           <a:p>
+            <a:r>
+              <a:rPr lang="en-US" sz="1200" b="0" i="1" kern="1200" dirty="0" smtClean="0">
+                <a:solidFill>
+                  <a:schemeClr val="tx1"/>
+                </a:solidFill>
+                <a:effectLst/>
+                <a:latin typeface="+mn-lt"/>
+                <a:ea typeface="+mn-ea"/>
+                <a:cs typeface="+mn-cs"/>
+              </a:rPr>
+              <a:t>The key difference between these two is the penalty term.</a:t>
+            </a:r>
+            <a:endParaRPr lang="en-US" dirty="0"/>
+          </a:p>
+        </p:txBody>
+      </p:sp>
+      <p:sp>
+        <p:nvSpPr>
+          <p:cNvPr id="4" name="Slide Number Placeholder 3"/>
+          <p:cNvSpPr>
+            <a:spLocks noGrp="1"/>
+          </p:cNvSpPr>
+          <p:nvPr>
+            <p:ph type="sldNum" sz="quarter" idx="10"/>
+          </p:nvPr>
+        </p:nvSpPr>
+        <p:spPr/>
+        <p:txBody>
+          <a:bodyPr/>
+          <a:lstStyle/>
+          <a:p>
+            <a:fld id="{24E9AA13-E3FC-4BB6-B68D-5F0F5803D716}" type="slidenum">
+              <a:rPr lang="en-US" smtClean="0"/>
+              <a:t>40</a:t>
+            </a:fld>
+            <a:endParaRPr lang="en-US"/>
+          </a:p>
+        </p:txBody>
+      </p:sp>
+    </p:spTree>
+    <p:extLst>
+      <p:ext uri="{BB962C8B-B14F-4D97-AF65-F5344CB8AC3E}">
+        <p14:creationId xmlns:p14="http://schemas.microsoft.com/office/powerpoint/2010/main" val="601152557"/>
+      </p:ext>
+    </p:extLst>
+  </p:cSld>
+  <p:clrMapOvr>
+    <a:masterClrMapping/>
+  </p:clrMapOvr>
+</p:notes>
+</file>
+
+<file path=ppt/notesSlides/notesSlide16.xml><?xml version="1.0" encoding="utf-8"?>
+<p:notes xmlns:a="http://schemas.openxmlformats.org/drawingml/2006/main" xmlns:r="http://schemas.openxmlformats.org/officeDocument/2006/relationships" xmlns:p="http://schemas.openxmlformats.org/presentationml/2006/main">
+  <p:cSld>
+    <p:spTree>
+      <p:nvGrpSpPr>
+        <p:cNvPr id="1" name=""/>
+        <p:cNvGrpSpPr/>
+        <p:nvPr/>
+      </p:nvGrpSpPr>
+      <p:grpSpPr>
+        <a:xfrm>
+          <a:off x="0" y="0"/>
+          <a:ext cx="0" cy="0"/>
+          <a:chOff x="0" y="0"/>
+          <a:chExt cx="0" cy="0"/>
+        </a:xfrm>
+      </p:grpSpPr>
+      <p:sp>
+        <p:nvSpPr>
+          <p:cNvPr id="2" name="Slide Image Placeholder 1"/>
+          <p:cNvSpPr>
+            <a:spLocks noGrp="1" noRot="1" noChangeAspect="1"/>
+          </p:cNvSpPr>
+          <p:nvPr>
+            <p:ph type="sldImg"/>
+          </p:nvPr>
+        </p:nvSpPr>
+        <p:spPr/>
+      </p:sp>
+      <p:sp>
+        <p:nvSpPr>
+          <p:cNvPr id="3" name="Notes Placeholder 2"/>
+          <p:cNvSpPr>
+            <a:spLocks noGrp="1"/>
+          </p:cNvSpPr>
+          <p:nvPr>
+            <p:ph type="body" idx="1"/>
+          </p:nvPr>
+        </p:nvSpPr>
+        <p:spPr/>
+        <p:txBody>
+          <a:bodyPr/>
+          <a:lstStyle/>
+          <a:p>
+            <a:pPr marL="0" marR="0" lvl="0" indent="0" algn="l" defTabSz="914400" rtl="0" eaLnBrk="1" fontAlgn="auto" latinLnBrk="0" hangingPunct="1">
+              <a:lnSpc>
+                <a:spcPct val="100000"/>
+              </a:lnSpc>
+              <a:spcBef>
+                <a:spcPts val="0"/>
+              </a:spcBef>
+              <a:spcAft>
+                <a:spcPts val="0"/>
+              </a:spcAft>
+              <a:buClrTx/>
+              <a:buSzTx/>
+              <a:buFontTx/>
+              <a:buNone/>
+              <a:tabLst/>
+              <a:defRPr/>
+            </a:pPr>
+            <a:r>
+              <a:rPr lang="en-US" sz="1200" b="0" i="1" kern="1200" dirty="0" smtClean="0">
+                <a:solidFill>
+                  <a:schemeClr val="tx1"/>
+                </a:solidFill>
+                <a:effectLst/>
+                <a:latin typeface="+mn-lt"/>
+                <a:ea typeface="+mn-ea"/>
+                <a:cs typeface="+mn-cs"/>
+              </a:rPr>
+              <a:t>The key difference between these two is the penalty term.</a:t>
+            </a:r>
+            <a:endParaRPr lang="en-US" dirty="0" smtClean="0"/>
+          </a:p>
+          <a:p>
+            <a:endParaRPr lang="en-US" dirty="0"/>
+          </a:p>
+        </p:txBody>
+      </p:sp>
+      <p:sp>
+        <p:nvSpPr>
+          <p:cNvPr id="4" name="Slide Number Placeholder 3"/>
+          <p:cNvSpPr>
+            <a:spLocks noGrp="1"/>
+          </p:cNvSpPr>
+          <p:nvPr>
+            <p:ph type="sldNum" sz="quarter" idx="10"/>
+          </p:nvPr>
+        </p:nvSpPr>
+        <p:spPr/>
+        <p:txBody>
+          <a:bodyPr/>
+          <a:lstStyle/>
+          <a:p>
+            <a:fld id="{24E9AA13-E3FC-4BB6-B68D-5F0F5803D716}" type="slidenum">
+              <a:rPr lang="en-US" smtClean="0"/>
+              <a:t>41</a:t>
+            </a:fld>
+            <a:endParaRPr lang="en-US"/>
+          </a:p>
+        </p:txBody>
+      </p:sp>
+    </p:spTree>
+    <p:extLst>
+      <p:ext uri="{BB962C8B-B14F-4D97-AF65-F5344CB8AC3E}">
+        <p14:creationId xmlns:p14="http://schemas.microsoft.com/office/powerpoint/2010/main" val="2728290047"/>
+      </p:ext>
+    </p:extLst>
+  </p:cSld>
+  <p:clrMapOvr>
+    <a:masterClrMapping/>
+  </p:clrMapOvr>
+</p:notes>
+</file>
+
+<file path=ppt/notesSlides/notesSlide17.xml><?xml version="1.0" encoding="utf-8"?>
+<p:notes xmlns:a="http://schemas.openxmlformats.org/drawingml/2006/main" xmlns:r="http://schemas.openxmlformats.org/officeDocument/2006/relationships" xmlns:p="http://schemas.openxmlformats.org/presentationml/2006/main">
+  <p:cSld>
+    <p:spTree>
+      <p:nvGrpSpPr>
+        <p:cNvPr id="1" name=""/>
+        <p:cNvGrpSpPr/>
+        <p:nvPr/>
+      </p:nvGrpSpPr>
+      <p:grpSpPr>
+        <a:xfrm>
+          <a:off x="0" y="0"/>
+          <a:ext cx="0" cy="0"/>
+          <a:chOff x="0" y="0"/>
+          <a:chExt cx="0" cy="0"/>
+        </a:xfrm>
+      </p:grpSpPr>
+      <p:sp>
+        <p:nvSpPr>
+          <p:cNvPr id="2" name="Slide Image Placeholder 1"/>
+          <p:cNvSpPr>
+            <a:spLocks noGrp="1" noRot="1" noChangeAspect="1"/>
+          </p:cNvSpPr>
+          <p:nvPr>
+            <p:ph type="sldImg"/>
+          </p:nvPr>
+        </p:nvSpPr>
+        <p:spPr/>
+      </p:sp>
+      <p:sp>
+        <p:nvSpPr>
+          <p:cNvPr id="3" name="Notes Placeholder 2"/>
+          <p:cNvSpPr>
+            <a:spLocks noGrp="1"/>
+          </p:cNvSpPr>
+          <p:nvPr>
+            <p:ph type="body" idx="1"/>
+          </p:nvPr>
+        </p:nvSpPr>
+        <p:spPr/>
+        <p:txBody>
+          <a:bodyPr/>
+          <a:lstStyle/>
+          <a:p>
             <a:endParaRPr lang="en-US" dirty="0"/>
           </a:p>
         </p:txBody>
@@ -7748,7 +8528,7 @@
           <a:p>
             <a:fld id="{5738B90E-0779-4C36-915C-6F05FCD89456}" type="datetime1">
               <a:rPr lang="en-US" smtClean="0"/>
-              <a:t>6/6/2019</a:t>
+              <a:t>6/19/2019</a:t>
             </a:fld>
             <a:endParaRPr lang="en-US"/>
           </a:p>
@@ -7945,7 +8725,7 @@
           <a:p>
             <a:fld id="{7B9EA29D-D431-42FE-B7B6-AAE4454C77D3}" type="datetime1">
               <a:rPr lang="en-US" smtClean="0"/>
-              <a:t>6/6/2019</a:t>
+              <a:t>6/19/2019</a:t>
             </a:fld>
             <a:endParaRPr lang="en-US"/>
           </a:p>
@@ -8300,7 +9080,7 @@
           <a:p>
             <a:fld id="{690D8A1E-EA8F-46C1-B891-AE0C00D9C314}" type="datetime1">
               <a:rPr lang="en-US" smtClean="0"/>
-              <a:t>6/6/2019</a:t>
+              <a:t>6/19/2019</a:t>
             </a:fld>
             <a:endParaRPr lang="en-US"/>
           </a:p>
@@ -8608,7 +9388,7 @@
           <a:p>
             <a:fld id="{D753EFC8-4232-4598-94F6-94C0EBAFC469}" type="datetime1">
               <a:rPr lang="en-US" smtClean="0"/>
-              <a:t>6/6/2019</a:t>
+              <a:t>6/19/2019</a:t>
             </a:fld>
             <a:endParaRPr lang="en-US"/>
           </a:p>
@@ -8937,7 +9717,7 @@
           <a:p>
             <a:fld id="{F3161074-1C18-4AE7-957D-F18524378C85}" type="datetime1">
               <a:rPr lang="en-US" smtClean="0"/>
-              <a:t>6/6/2019</a:t>
+              <a:t>6/19/2019</a:t>
             </a:fld>
             <a:endParaRPr lang="en-US"/>
           </a:p>
@@ -9190,7 +9970,7 @@
           <a:p>
             <a:fld id="{69BE256C-8D9A-4404-B47D-41A1AE514425}" type="datetime1">
               <a:rPr lang="en-US" smtClean="0"/>
-              <a:t>6/6/2019</a:t>
+              <a:t>6/19/2019</a:t>
             </a:fld>
             <a:endParaRPr lang="en-US"/>
           </a:p>
@@ -9638,7 +10418,7 @@
           <a:p>
             <a:fld id="{66CB2154-9035-4012-8189-BAAB61C5A5EE}" type="datetime1">
               <a:rPr lang="en-US" smtClean="0"/>
-              <a:t>6/6/2019</a:t>
+              <a:t>6/19/2019</a:t>
             </a:fld>
             <a:endParaRPr lang="en-US"/>
           </a:p>
@@ -9826,7 +10606,7 @@
           <a:p>
             <a:fld id="{6700A58B-DD98-43D0-B791-721480A02982}" type="datetime1">
               <a:rPr lang="en-US" smtClean="0"/>
-              <a:t>6/6/2019</a:t>
+              <a:t>6/19/2019</a:t>
             </a:fld>
             <a:endParaRPr lang="en-US"/>
           </a:p>
@@ -10032,7 +10812,7 @@
           <a:p>
             <a:fld id="{7DB6E382-4F61-4E24-BE1A-377EC83D0E3A}" type="datetime1">
               <a:rPr lang="en-US" smtClean="0"/>
-              <a:t>6/6/2019</a:t>
+              <a:t>6/19/2019</a:t>
             </a:fld>
             <a:endParaRPr lang="en-US"/>
           </a:p>
@@ -10438,7 +11218,7 @@
           <a:p>
             <a:fld id="{4142EED6-FC16-45B9-B8C4-2BC5DBA88325}" type="datetime1">
               <a:rPr lang="en-US" smtClean="0"/>
-              <a:t>6/6/2019</a:t>
+              <a:t>6/19/2019</a:t>
             </a:fld>
             <a:endParaRPr lang="en-US"/>
           </a:p>
@@ -10770,7 +11550,7 @@
           <a:p>
             <a:fld id="{DF59512B-4F1D-43D7-8819-2F53FEF69650}" type="datetime1">
               <a:rPr lang="en-US" smtClean="0"/>
-              <a:t>6/6/2019</a:t>
+              <a:t>6/19/2019</a:t>
             </a:fld>
             <a:endParaRPr lang="en-US"/>
           </a:p>
@@ -11060,7 +11840,7 @@
           <a:p>
             <a:fld id="{08437B94-E2BF-44DC-ADC5-B05FC9934E9D}" type="datetime1">
               <a:rPr lang="en-US" smtClean="0"/>
-              <a:t>6/6/2019</a:t>
+              <a:t>6/19/2019</a:t>
             </a:fld>
             <a:endParaRPr lang="en-US"/>
           </a:p>
@@ -11592,7 +12372,7 @@
             <a:fld id="{5738B90E-0779-4C36-915C-6F05FCD89456}" type="datetime1">
               <a:rPr lang="en-US" smtClean="0"/>
               <a:pPr/>
-              <a:t>6/6/2019</a:t>
+              <a:t>6/19/2019</a:t>
             </a:fld>
             <a:endParaRPr lang="en-US"/>
           </a:p>
@@ -11680,7 +12460,7 @@
           <p:cNvPr id="33" name="Date Placeholder 4">
             <a:extLst>
               <a:ext uri="{FF2B5EF4-FFF2-40B4-BE49-F238E27FC236}">
-                <a16:creationId xmlns="" xmlns:a16="http://schemas.microsoft.com/office/drawing/2014/main" id="{48AD8924-F799-462A-8F21-C03801A5AECE}"/>
+                <a16:creationId xmlns:a16="http://schemas.microsoft.com/office/drawing/2014/main" xmlns="" id="{48AD8924-F799-462A-8F21-C03801A5AECE}"/>
               </a:ext>
             </a:extLst>
           </p:cNvPr>
@@ -11699,7 +12479,7 @@
             <a:fld id="{9B19E99B-5349-415A-8E56-8E989211A366}" type="datetime1">
               <a:rPr lang="en-US" smtClean="0"/>
               <a:pPr/>
-              <a:t>6/6/2019</a:t>
+              <a:t>6/19/2019</a:t>
             </a:fld>
             <a:endParaRPr lang="en-US"/>
           </a:p>
@@ -11732,7 +12512,7 @@
           <p:cNvPr id="34" name="Footer Placeholder 5">
             <a:extLst>
               <a:ext uri="{FF2B5EF4-FFF2-40B4-BE49-F238E27FC236}">
-                <a16:creationId xmlns="" xmlns:a16="http://schemas.microsoft.com/office/drawing/2014/main" id="{B38A4CE5-E84E-4B34-BAB1-8021C5ADF2ED}"/>
+                <a16:creationId xmlns:a16="http://schemas.microsoft.com/office/drawing/2014/main" xmlns="" id="{B38A4CE5-E84E-4B34-BAB1-8021C5ADF2ED}"/>
               </a:ext>
             </a:extLst>
           </p:cNvPr>
@@ -11761,7 +12541,7 @@
           <p:cNvPr id="35" name="Slide Number Placeholder 6">
             <a:extLst>
               <a:ext uri="{FF2B5EF4-FFF2-40B4-BE49-F238E27FC236}">
-                <a16:creationId xmlns="" xmlns:a16="http://schemas.microsoft.com/office/drawing/2014/main" id="{6234B450-33F5-4610-8807-E214E859A0F2}"/>
+                <a16:creationId xmlns:a16="http://schemas.microsoft.com/office/drawing/2014/main" xmlns="" id="{6234B450-33F5-4610-8807-E214E859A0F2}"/>
               </a:ext>
             </a:extLst>
           </p:cNvPr>
@@ -13380,7 +14160,7 @@
           <p:cNvPr id="35" name="Date Placeholder 4">
             <a:extLst>
               <a:ext uri="{FF2B5EF4-FFF2-40B4-BE49-F238E27FC236}">
-                <a16:creationId xmlns="" xmlns:a16="http://schemas.microsoft.com/office/drawing/2014/main" id="{FD08C2AC-0E28-4A96-AA74-5306E7FF307D}"/>
+                <a16:creationId xmlns:a16="http://schemas.microsoft.com/office/drawing/2014/main" xmlns="" id="{FD08C2AC-0E28-4A96-AA74-5306E7FF307D}"/>
               </a:ext>
             </a:extLst>
           </p:cNvPr>
@@ -13399,7 +14179,7 @@
             <a:fld id="{9B19E99B-5349-415A-8E56-8E989211A366}" type="datetime1">
               <a:rPr lang="en-US" smtClean="0"/>
               <a:pPr/>
-              <a:t>6/6/2019</a:t>
+              <a:t>6/19/2019</a:t>
             </a:fld>
             <a:endParaRPr lang="en-US"/>
           </a:p>
@@ -13432,7 +14212,7 @@
           <p:cNvPr id="36" name="Footer Placeholder 5">
             <a:extLst>
               <a:ext uri="{FF2B5EF4-FFF2-40B4-BE49-F238E27FC236}">
-                <a16:creationId xmlns="" xmlns:a16="http://schemas.microsoft.com/office/drawing/2014/main" id="{7D5631CB-9987-4DB0-821A-02DFE7F692A6}"/>
+                <a16:creationId xmlns:a16="http://schemas.microsoft.com/office/drawing/2014/main" xmlns="" id="{7D5631CB-9987-4DB0-821A-02DFE7F692A6}"/>
               </a:ext>
             </a:extLst>
           </p:cNvPr>
@@ -13461,7 +14241,7 @@
           <p:cNvPr id="37" name="Slide Number Placeholder 6">
             <a:extLst>
               <a:ext uri="{FF2B5EF4-FFF2-40B4-BE49-F238E27FC236}">
-                <a16:creationId xmlns="" xmlns:a16="http://schemas.microsoft.com/office/drawing/2014/main" id="{0A87C1F3-9045-4B4B-B1F4-6F059431F060}"/>
+                <a16:creationId xmlns:a16="http://schemas.microsoft.com/office/drawing/2014/main" xmlns="" id="{0A87C1F3-9045-4B4B-B1F4-6F059431F060}"/>
               </a:ext>
             </a:extLst>
           </p:cNvPr>
@@ -14766,7 +15546,7 @@
           <p:cNvPr id="2" name="Date Placeholder 1">
             <a:extLst>
               <a:ext uri="{FF2B5EF4-FFF2-40B4-BE49-F238E27FC236}">
-                <a16:creationId xmlns="" xmlns:a16="http://schemas.microsoft.com/office/drawing/2014/main" id="{82FC8292-8044-437F-8196-3A4E6FB338A5}"/>
+                <a16:creationId xmlns:a16="http://schemas.microsoft.com/office/drawing/2014/main" xmlns="" id="{82FC8292-8044-437F-8196-3A4E6FB338A5}"/>
               </a:ext>
             </a:extLst>
           </p:cNvPr>
@@ -14784,7 +15564,7 @@
           <a:p>
             <a:fld id="{6700A58B-DD98-43D0-B791-721480A02982}" type="datetime1">
               <a:rPr lang="en-US" smtClean="0"/>
-              <a:t>6/6/2019</a:t>
+              <a:t>6/19/2019</a:t>
             </a:fld>
             <a:endParaRPr lang="en-US"/>
           </a:p>
@@ -14795,7 +15575,7 @@
           <p:cNvPr id="3" name="Title 2">
             <a:extLst>
               <a:ext uri="{FF2B5EF4-FFF2-40B4-BE49-F238E27FC236}">
-                <a16:creationId xmlns="" xmlns:a16="http://schemas.microsoft.com/office/drawing/2014/main" id="{AD9A768F-B0FE-409E-A172-AB83EB956E59}"/>
+                <a16:creationId xmlns:a16="http://schemas.microsoft.com/office/drawing/2014/main" xmlns="" id="{AD9A768F-B0FE-409E-A172-AB83EB956E59}"/>
               </a:ext>
             </a:extLst>
           </p:cNvPr>
@@ -14823,7 +15603,7 @@
           <p:cNvPr id="4" name="Footer Placeholder 3">
             <a:extLst>
               <a:ext uri="{FF2B5EF4-FFF2-40B4-BE49-F238E27FC236}">
-                <a16:creationId xmlns="" xmlns:a16="http://schemas.microsoft.com/office/drawing/2014/main" id="{3C20BC96-3351-4904-A20A-CA87B459B270}"/>
+                <a16:creationId xmlns:a16="http://schemas.microsoft.com/office/drawing/2014/main" xmlns="" id="{3C20BC96-3351-4904-A20A-CA87B459B270}"/>
               </a:ext>
             </a:extLst>
           </p:cNvPr>
@@ -14852,7 +15632,7 @@
           <p:cNvPr id="5" name="Slide Number Placeholder 4">
             <a:extLst>
               <a:ext uri="{FF2B5EF4-FFF2-40B4-BE49-F238E27FC236}">
-                <a16:creationId xmlns="" xmlns:a16="http://schemas.microsoft.com/office/drawing/2014/main" id="{95BA0072-4294-40BF-B8D4-5068C6DB85C0}"/>
+                <a16:creationId xmlns:a16="http://schemas.microsoft.com/office/drawing/2014/main" xmlns="" id="{95BA0072-4294-40BF-B8D4-5068C6DB85C0}"/>
               </a:ext>
             </a:extLst>
           </p:cNvPr>
@@ -14912,7 +15692,7 @@
           <p:cNvPr id="2" name="Date Placeholder 1">
             <a:extLst>
               <a:ext uri="{FF2B5EF4-FFF2-40B4-BE49-F238E27FC236}">
-                <a16:creationId xmlns="" xmlns:a16="http://schemas.microsoft.com/office/drawing/2014/main" id="{C31C84E3-1F3D-4C86-A58B-30722E8E0A8E}"/>
+                <a16:creationId xmlns:a16="http://schemas.microsoft.com/office/drawing/2014/main" xmlns="" id="{C31C84E3-1F3D-4C86-A58B-30722E8E0A8E}"/>
               </a:ext>
             </a:extLst>
           </p:cNvPr>
@@ -14930,7 +15710,7 @@
           <a:p>
             <a:fld id="{6700A58B-DD98-43D0-B791-721480A02982}" type="datetime1">
               <a:rPr lang="en-US" smtClean="0"/>
-              <a:t>6/6/2019</a:t>
+              <a:t>6/19/2019</a:t>
             </a:fld>
             <a:endParaRPr lang="en-US"/>
           </a:p>
@@ -14941,7 +15721,7 @@
           <p:cNvPr id="3" name="Title 2">
             <a:extLst>
               <a:ext uri="{FF2B5EF4-FFF2-40B4-BE49-F238E27FC236}">
-                <a16:creationId xmlns="" xmlns:a16="http://schemas.microsoft.com/office/drawing/2014/main" id="{E468662B-EBAE-4D88-9D66-7D29AC864D3A}"/>
+                <a16:creationId xmlns:a16="http://schemas.microsoft.com/office/drawing/2014/main" xmlns="" id="{E468662B-EBAE-4D88-9D66-7D29AC864D3A}"/>
               </a:ext>
             </a:extLst>
           </p:cNvPr>
@@ -14966,7 +15746,7 @@
           <p:cNvPr id="4" name="Footer Placeholder 3">
             <a:extLst>
               <a:ext uri="{FF2B5EF4-FFF2-40B4-BE49-F238E27FC236}">
-                <a16:creationId xmlns="" xmlns:a16="http://schemas.microsoft.com/office/drawing/2014/main" id="{5ABAC1C3-AD39-412A-BF73-8858DEF08A8A}"/>
+                <a16:creationId xmlns:a16="http://schemas.microsoft.com/office/drawing/2014/main" xmlns="" id="{5ABAC1C3-AD39-412A-BF73-8858DEF08A8A}"/>
               </a:ext>
             </a:extLst>
           </p:cNvPr>
@@ -14995,7 +15775,7 @@
           <p:cNvPr id="5" name="Slide Number Placeholder 4">
             <a:extLst>
               <a:ext uri="{FF2B5EF4-FFF2-40B4-BE49-F238E27FC236}">
-                <a16:creationId xmlns="" xmlns:a16="http://schemas.microsoft.com/office/drawing/2014/main" id="{E043C3B8-CC28-4794-849F-9420A4DC162E}"/>
+                <a16:creationId xmlns:a16="http://schemas.microsoft.com/office/drawing/2014/main" xmlns="" id="{E043C3B8-CC28-4794-849F-9420A4DC162E}"/>
               </a:ext>
             </a:extLst>
           </p:cNvPr>
@@ -15025,7 +15805,7 @@
           <p:cNvPr id="3074" name="Picture 2" descr="Image result for overfitting meme">
             <a:extLst>
               <a:ext uri="{FF2B5EF4-FFF2-40B4-BE49-F238E27FC236}">
-                <a16:creationId xmlns="" xmlns:a16="http://schemas.microsoft.com/office/drawing/2014/main" id="{03CF62D9-8329-41BA-80A4-8051394B4653}"/>
+                <a16:creationId xmlns:a16="http://schemas.microsoft.com/office/drawing/2014/main" xmlns="" id="{03CF62D9-8329-41BA-80A4-8051394B4653}"/>
               </a:ext>
             </a:extLst>
           </p:cNvPr>
@@ -15115,7 +15895,7 @@
             <a:fld id="{6700A58B-DD98-43D0-B791-721480A02982}" type="datetime1">
               <a:rPr lang="en-US" smtClean="0"/>
               <a:pPr/>
-              <a:t>6/6/2019</a:t>
+              <a:t>6/19/2019</a:t>
             </a:fld>
             <a:endParaRPr lang="en-US"/>
           </a:p>
@@ -15475,7 +16255,7 @@
             <a:fld id="{6700A58B-DD98-43D0-B791-721480A02982}" type="datetime1">
               <a:rPr lang="en-US" smtClean="0"/>
               <a:pPr/>
-              <a:t>6/6/2019</a:t>
+              <a:t>6/19/2019</a:t>
             </a:fld>
             <a:endParaRPr lang="en-US"/>
           </a:p>
@@ -15913,7 +16693,7 @@
             <a:fld id="{6700A58B-DD98-43D0-B791-721480A02982}" type="datetime1">
               <a:rPr lang="en-US" smtClean="0"/>
               <a:pPr/>
-              <a:t>6/6/2019</a:t>
+              <a:t>6/19/2019</a:t>
             </a:fld>
             <a:endParaRPr lang="en-US"/>
           </a:p>
@@ -17157,7 +17937,7 @@
           <p:cNvPr id="14" name="Date Placeholder 4">
             <a:extLst>
               <a:ext uri="{FF2B5EF4-FFF2-40B4-BE49-F238E27FC236}">
-                <a16:creationId xmlns="" xmlns:a16="http://schemas.microsoft.com/office/drawing/2014/main" id="{63BE0015-3669-4B61-838B-4CD1B6B729E3}"/>
+                <a16:creationId xmlns:a16="http://schemas.microsoft.com/office/drawing/2014/main" xmlns="" id="{63BE0015-3669-4B61-838B-4CD1B6B729E3}"/>
               </a:ext>
             </a:extLst>
           </p:cNvPr>
@@ -17176,7 +17956,7 @@
             <a:fld id="{9B19E99B-5349-415A-8E56-8E989211A366}" type="datetime1">
               <a:rPr lang="en-US" smtClean="0"/>
               <a:pPr/>
-              <a:t>6/6/2019</a:t>
+              <a:t>6/19/2019</a:t>
             </a:fld>
             <a:endParaRPr lang="en-US"/>
           </a:p>
@@ -17187,7 +17967,7 @@
           <p:cNvPr id="15" name="Footer Placeholder 5">
             <a:extLst>
               <a:ext uri="{FF2B5EF4-FFF2-40B4-BE49-F238E27FC236}">
-                <a16:creationId xmlns="" xmlns:a16="http://schemas.microsoft.com/office/drawing/2014/main" id="{25041F19-D13B-42E7-BAA8-42A5CD27169D}"/>
+                <a16:creationId xmlns:a16="http://schemas.microsoft.com/office/drawing/2014/main" xmlns="" id="{25041F19-D13B-42E7-BAA8-42A5CD27169D}"/>
               </a:ext>
             </a:extLst>
           </p:cNvPr>
@@ -17216,7 +17996,7 @@
           <p:cNvPr id="16" name="Slide Number Placeholder 6">
             <a:extLst>
               <a:ext uri="{FF2B5EF4-FFF2-40B4-BE49-F238E27FC236}">
-                <a16:creationId xmlns="" xmlns:a16="http://schemas.microsoft.com/office/drawing/2014/main" id="{57FD63EC-965B-4FC7-B0F9-A4AECBAF08D6}"/>
+                <a16:creationId xmlns:a16="http://schemas.microsoft.com/office/drawing/2014/main" xmlns="" id="{57FD63EC-965B-4FC7-B0F9-A4AECBAF08D6}"/>
               </a:ext>
             </a:extLst>
           </p:cNvPr>
@@ -17642,7 +18422,7 @@
             <a:fld id="{6700A58B-DD98-43D0-B791-721480A02982}" type="datetime1">
               <a:rPr lang="en-US" smtClean="0"/>
               <a:pPr/>
-              <a:t>6/6/2019</a:t>
+              <a:t>6/19/2019</a:t>
             </a:fld>
             <a:endParaRPr lang="en-US"/>
           </a:p>
@@ -17875,7 +18655,7 @@
             <a:fld id="{6700A58B-DD98-43D0-B791-721480A02982}" type="datetime1">
               <a:rPr lang="en-US" smtClean="0"/>
               <a:pPr/>
-              <a:t>6/6/2019</a:t>
+              <a:t>6/19/2019</a:t>
             </a:fld>
             <a:endParaRPr lang="en-US"/>
           </a:p>
@@ -18079,21 +18859,21 @@
                 <a:gridCol w="1238445">
                   <a:extLst>
                     <a:ext uri="{9D8B030D-6E8A-4147-A177-3AD203B41FA5}">
-                      <a16:colId xmlns="" xmlns:a16="http://schemas.microsoft.com/office/drawing/2014/main" val="20000"/>
+                      <a16:colId xmlns:a16="http://schemas.microsoft.com/office/drawing/2014/main" xmlns="" val="20000"/>
                     </a:ext>
                   </a:extLst>
                 </a:gridCol>
                 <a:gridCol w="858274">
                   <a:extLst>
                     <a:ext uri="{9D8B030D-6E8A-4147-A177-3AD203B41FA5}">
-                      <a16:colId xmlns="" xmlns:a16="http://schemas.microsoft.com/office/drawing/2014/main" val="20001"/>
+                      <a16:colId xmlns:a16="http://schemas.microsoft.com/office/drawing/2014/main" xmlns="" val="20001"/>
                     </a:ext>
                   </a:extLst>
                 </a:gridCol>
                 <a:gridCol w="5790787">
                   <a:extLst>
                     <a:ext uri="{9D8B030D-6E8A-4147-A177-3AD203B41FA5}">
-                      <a16:colId xmlns="" xmlns:a16="http://schemas.microsoft.com/office/drawing/2014/main" val="20002"/>
+                      <a16:colId xmlns:a16="http://schemas.microsoft.com/office/drawing/2014/main" xmlns="" val="20002"/>
                     </a:ext>
                   </a:extLst>
                 </a:gridCol>
@@ -18332,7 +19112,7 @@
                 </a:tc>
                 <a:extLst>
                   <a:ext uri="{0D108BD9-81ED-4DB2-BD59-A6C34878D82A}">
-                    <a16:rowId xmlns="" xmlns:a16="http://schemas.microsoft.com/office/drawing/2014/main" val="10000"/>
+                    <a16:rowId xmlns:a16="http://schemas.microsoft.com/office/drawing/2014/main" xmlns="" val="10000"/>
                   </a:ext>
                 </a:extLst>
               </a:tr>
@@ -18429,7 +19209,7 @@
                 </a:tc>
                 <a:extLst>
                   <a:ext uri="{0D108BD9-81ED-4DB2-BD59-A6C34878D82A}">
-                    <a16:rowId xmlns="" xmlns:a16="http://schemas.microsoft.com/office/drawing/2014/main" val="10001"/>
+                    <a16:rowId xmlns:a16="http://schemas.microsoft.com/office/drawing/2014/main" xmlns="" val="10001"/>
                   </a:ext>
                 </a:extLst>
               </a:tr>
@@ -18496,7 +19276,7 @@
                 </a:tc>
                 <a:extLst>
                   <a:ext uri="{0D108BD9-81ED-4DB2-BD59-A6C34878D82A}">
-                    <a16:rowId xmlns="" xmlns:a16="http://schemas.microsoft.com/office/drawing/2014/main" val="10002"/>
+                    <a16:rowId xmlns:a16="http://schemas.microsoft.com/office/drawing/2014/main" xmlns="" val="10002"/>
                   </a:ext>
                 </a:extLst>
               </a:tr>
@@ -18573,7 +19353,7 @@
                 </a:tc>
                 <a:extLst>
                   <a:ext uri="{0D108BD9-81ED-4DB2-BD59-A6C34878D82A}">
-                    <a16:rowId xmlns="" xmlns:a16="http://schemas.microsoft.com/office/drawing/2014/main" val="10003"/>
+                    <a16:rowId xmlns:a16="http://schemas.microsoft.com/office/drawing/2014/main" xmlns="" val="10003"/>
                   </a:ext>
                 </a:extLst>
               </a:tr>
@@ -18654,7 +19434,7 @@
                 </a:tc>
                 <a:extLst>
                   <a:ext uri="{0D108BD9-81ED-4DB2-BD59-A6C34878D82A}">
-                    <a16:rowId xmlns="" xmlns:a16="http://schemas.microsoft.com/office/drawing/2014/main" val="10004"/>
+                    <a16:rowId xmlns:a16="http://schemas.microsoft.com/office/drawing/2014/main" xmlns="" val="10004"/>
                   </a:ext>
                 </a:extLst>
               </a:tr>
@@ -18721,7 +19501,7 @@
                 </a:tc>
                 <a:extLst>
                   <a:ext uri="{0D108BD9-81ED-4DB2-BD59-A6C34878D82A}">
-                    <a16:rowId xmlns="" xmlns:a16="http://schemas.microsoft.com/office/drawing/2014/main" val="10006"/>
+                    <a16:rowId xmlns:a16="http://schemas.microsoft.com/office/drawing/2014/main" xmlns="" val="10006"/>
                   </a:ext>
                 </a:extLst>
               </a:tr>
@@ -18821,7 +19601,7 @@
                 </a:tc>
                 <a:extLst>
                   <a:ext uri="{0D108BD9-81ED-4DB2-BD59-A6C34878D82A}">
-                    <a16:rowId xmlns="" xmlns:a16="http://schemas.microsoft.com/office/drawing/2014/main" val="10007"/>
+                    <a16:rowId xmlns:a16="http://schemas.microsoft.com/office/drawing/2014/main" xmlns="" val="10007"/>
                   </a:ext>
                 </a:extLst>
               </a:tr>
@@ -18895,7 +19675,7 @@
                 </a:tc>
                 <a:extLst>
                   <a:ext uri="{0D108BD9-81ED-4DB2-BD59-A6C34878D82A}">
-                    <a16:rowId xmlns="" xmlns:a16="http://schemas.microsoft.com/office/drawing/2014/main" val="10008"/>
+                    <a16:rowId xmlns:a16="http://schemas.microsoft.com/office/drawing/2014/main" xmlns="" val="10008"/>
                   </a:ext>
                 </a:extLst>
               </a:tr>
@@ -18920,7 +19700,7 @@
           <a:p>
             <a:fld id="{9B19E99B-5349-415A-8E56-8E989211A366}" type="datetime1">
               <a:rPr lang="en-US" smtClean="0"/>
-              <a:t>6/6/2019</a:t>
+              <a:t>6/19/2019</a:t>
             </a:fld>
             <a:endParaRPr lang="en-US"/>
           </a:p>
@@ -19029,7 +19809,7 @@
           <p:cNvPr id="8" name="Date Placeholder 4">
             <a:extLst>
               <a:ext uri="{FF2B5EF4-FFF2-40B4-BE49-F238E27FC236}">
-                <a16:creationId xmlns="" xmlns:a16="http://schemas.microsoft.com/office/drawing/2014/main" id="{426A7D0B-55AC-40B0-AF34-184DF41C8C1A}"/>
+                <a16:creationId xmlns:a16="http://schemas.microsoft.com/office/drawing/2014/main" xmlns="" id="{426A7D0B-55AC-40B0-AF34-184DF41C8C1A}"/>
               </a:ext>
             </a:extLst>
           </p:cNvPr>
@@ -19048,7 +19828,7 @@
             <a:fld id="{9B19E99B-5349-415A-8E56-8E989211A366}" type="datetime1">
               <a:rPr lang="en-US" smtClean="0"/>
               <a:pPr/>
-              <a:t>6/6/2019</a:t>
+              <a:t>6/19/2019</a:t>
             </a:fld>
             <a:endParaRPr lang="en-US"/>
           </a:p>
@@ -19082,7 +19862,7 @@
           <p:cNvPr id="9" name="Footer Placeholder 5">
             <a:extLst>
               <a:ext uri="{FF2B5EF4-FFF2-40B4-BE49-F238E27FC236}">
-                <a16:creationId xmlns="" xmlns:a16="http://schemas.microsoft.com/office/drawing/2014/main" id="{7882EB1D-E4F6-43E0-AE5A-D73ABBA4AB01}"/>
+                <a16:creationId xmlns:a16="http://schemas.microsoft.com/office/drawing/2014/main" xmlns="" id="{7882EB1D-E4F6-43E0-AE5A-D73ABBA4AB01}"/>
               </a:ext>
             </a:extLst>
           </p:cNvPr>
@@ -19111,7 +19891,7 @@
           <p:cNvPr id="10" name="Slide Number Placeholder 6">
             <a:extLst>
               <a:ext uri="{FF2B5EF4-FFF2-40B4-BE49-F238E27FC236}">
-                <a16:creationId xmlns="" xmlns:a16="http://schemas.microsoft.com/office/drawing/2014/main" id="{E4654999-DD13-4EEC-8244-871A0499901E}"/>
+                <a16:creationId xmlns:a16="http://schemas.microsoft.com/office/drawing/2014/main" xmlns="" id="{E4654999-DD13-4EEC-8244-871A0499901E}"/>
               </a:ext>
             </a:extLst>
           </p:cNvPr>
@@ -19217,7 +19997,7 @@
             <a:fld id="{6700A58B-DD98-43D0-B791-721480A02982}" type="datetime1">
               <a:rPr lang="en-US" smtClean="0"/>
               <a:pPr/>
-              <a:t>6/6/2019</a:t>
+              <a:t>6/19/2019</a:t>
             </a:fld>
             <a:endParaRPr lang="en-US"/>
           </a:p>
@@ -19604,7 +20384,7 @@
             <a:fld id="{6700A58B-DD98-43D0-B791-721480A02982}" type="datetime1">
               <a:rPr lang="en-US" smtClean="0"/>
               <a:pPr/>
-              <a:t>6/6/2019</a:t>
+              <a:t>6/19/2019</a:t>
             </a:fld>
             <a:endParaRPr lang="en-US"/>
           </a:p>
@@ -20295,7 +21075,7 @@
             <a:fld id="{6700A58B-DD98-43D0-B791-721480A02982}" type="datetime1">
               <a:rPr lang="en-US" smtClean="0"/>
               <a:pPr/>
-              <a:t>6/6/2019</a:t>
+              <a:t>6/19/2019</a:t>
             </a:fld>
             <a:endParaRPr lang="en-US"/>
           </a:p>
@@ -20526,7 +21306,7 @@
           <p:cNvPr id="2" name="Date Placeholder 1">
             <a:extLst>
               <a:ext uri="{FF2B5EF4-FFF2-40B4-BE49-F238E27FC236}">
-                <a16:creationId xmlns="" xmlns:a16="http://schemas.microsoft.com/office/drawing/2014/main" id="{6AC338A7-2631-4CAB-8FD1-FA2B9EFBDFF3}"/>
+                <a16:creationId xmlns:a16="http://schemas.microsoft.com/office/drawing/2014/main" xmlns="" id="{6AC338A7-2631-4CAB-8FD1-FA2B9EFBDFF3}"/>
               </a:ext>
             </a:extLst>
           </p:cNvPr>
@@ -20544,7 +21324,7 @@
           <a:p>
             <a:fld id="{6700A58B-DD98-43D0-B791-721480A02982}" type="datetime1">
               <a:rPr lang="en-US" smtClean="0"/>
-              <a:t>6/6/2019</a:t>
+              <a:t>6/19/2019</a:t>
             </a:fld>
             <a:endParaRPr lang="en-US"/>
           </a:p>
@@ -20555,7 +21335,7 @@
           <p:cNvPr id="3" name="Title 2">
             <a:extLst>
               <a:ext uri="{FF2B5EF4-FFF2-40B4-BE49-F238E27FC236}">
-                <a16:creationId xmlns="" xmlns:a16="http://schemas.microsoft.com/office/drawing/2014/main" id="{0ED96815-0C83-42CE-AC07-527ACA7FAD64}"/>
+                <a16:creationId xmlns:a16="http://schemas.microsoft.com/office/drawing/2014/main" xmlns="" id="{0ED96815-0C83-42CE-AC07-527ACA7FAD64}"/>
               </a:ext>
             </a:extLst>
           </p:cNvPr>
@@ -20583,7 +21363,7 @@
           <p:cNvPr id="4" name="Footer Placeholder 3">
             <a:extLst>
               <a:ext uri="{FF2B5EF4-FFF2-40B4-BE49-F238E27FC236}">
-                <a16:creationId xmlns="" xmlns:a16="http://schemas.microsoft.com/office/drawing/2014/main" id="{0712987C-E3A6-42DD-AFFF-EB8A2EBC4971}"/>
+                <a16:creationId xmlns:a16="http://schemas.microsoft.com/office/drawing/2014/main" xmlns="" id="{0712987C-E3A6-42DD-AFFF-EB8A2EBC4971}"/>
               </a:ext>
             </a:extLst>
           </p:cNvPr>
@@ -20612,7 +21392,7 @@
           <p:cNvPr id="5" name="Slide Number Placeholder 4">
             <a:extLst>
               <a:ext uri="{FF2B5EF4-FFF2-40B4-BE49-F238E27FC236}">
-                <a16:creationId xmlns="" xmlns:a16="http://schemas.microsoft.com/office/drawing/2014/main" id="{5FAE7633-B0A8-4E26-B238-66B7D58C336F}"/>
+                <a16:creationId xmlns:a16="http://schemas.microsoft.com/office/drawing/2014/main" xmlns="" id="{5FAE7633-B0A8-4E26-B238-66B7D58C336F}"/>
               </a:ext>
             </a:extLst>
           </p:cNvPr>
@@ -20709,7 +21489,7 @@
             <a:fld id="{6700A58B-DD98-43D0-B791-721480A02982}" type="datetime1">
               <a:rPr lang="en-US" smtClean="0"/>
               <a:pPr/>
-              <a:t>6/6/2019</a:t>
+              <a:t>6/19/2019</a:t>
             </a:fld>
             <a:endParaRPr lang="en-US"/>
           </a:p>
@@ -20975,7 +21755,7 @@
             <a:fld id="{6700A58B-DD98-43D0-B791-721480A02982}" type="datetime1">
               <a:rPr lang="en-US" smtClean="0"/>
               <a:pPr/>
-              <a:t>6/6/2019</a:t>
+              <a:t>6/19/2019</a:t>
             </a:fld>
             <a:endParaRPr lang="en-US"/>
           </a:p>
@@ -21241,7 +22021,7 @@
             <a:fld id="{6700A58B-DD98-43D0-B791-721480A02982}" type="datetime1">
               <a:rPr lang="en-US" smtClean="0"/>
               <a:pPr/>
-              <a:t>6/6/2019</a:t>
+              <a:t>6/19/2019</a:t>
             </a:fld>
             <a:endParaRPr lang="en-US"/>
           </a:p>
@@ -21477,7 +22257,7 @@
           <p:cNvPr id="2" name="Date Placeholder 1">
             <a:extLst>
               <a:ext uri="{FF2B5EF4-FFF2-40B4-BE49-F238E27FC236}">
-                <a16:creationId xmlns="" xmlns:a16="http://schemas.microsoft.com/office/drawing/2014/main" id="{6A53CFAE-EEED-446B-A092-4331B16A9A65}"/>
+                <a16:creationId xmlns:a16="http://schemas.microsoft.com/office/drawing/2014/main" xmlns="" id="{6A53CFAE-EEED-446B-A092-4331B16A9A65}"/>
               </a:ext>
             </a:extLst>
           </p:cNvPr>
@@ -21495,7 +22275,7 @@
           <a:p>
             <a:fld id="{6700A58B-DD98-43D0-B791-721480A02982}" type="datetime1">
               <a:rPr lang="en-US" smtClean="0"/>
-              <a:t>6/6/2019</a:t>
+              <a:t>6/19/2019</a:t>
             </a:fld>
             <a:endParaRPr lang="en-US"/>
           </a:p>
@@ -21506,7 +22286,7 @@
           <p:cNvPr id="3" name="Title 2">
             <a:extLst>
               <a:ext uri="{FF2B5EF4-FFF2-40B4-BE49-F238E27FC236}">
-                <a16:creationId xmlns="" xmlns:a16="http://schemas.microsoft.com/office/drawing/2014/main" id="{42CA9E5E-FF6A-479E-BE28-0287B9A66C5B}"/>
+                <a16:creationId xmlns:a16="http://schemas.microsoft.com/office/drawing/2014/main" xmlns="" id="{42CA9E5E-FF6A-479E-BE28-0287B9A66C5B}"/>
               </a:ext>
             </a:extLst>
           </p:cNvPr>
@@ -21547,7 +22327,7 @@
           <p:cNvPr id="4" name="Footer Placeholder 3">
             <a:extLst>
               <a:ext uri="{FF2B5EF4-FFF2-40B4-BE49-F238E27FC236}">
-                <a16:creationId xmlns="" xmlns:a16="http://schemas.microsoft.com/office/drawing/2014/main" id="{C9592735-A0D6-4362-95F6-F32CB9403F38}"/>
+                <a16:creationId xmlns:a16="http://schemas.microsoft.com/office/drawing/2014/main" xmlns="" id="{C9592735-A0D6-4362-95F6-F32CB9403F38}"/>
               </a:ext>
             </a:extLst>
           </p:cNvPr>
@@ -21576,7 +22356,7 @@
           <p:cNvPr id="5" name="Slide Number Placeholder 4">
             <a:extLst>
               <a:ext uri="{FF2B5EF4-FFF2-40B4-BE49-F238E27FC236}">
-                <a16:creationId xmlns="" xmlns:a16="http://schemas.microsoft.com/office/drawing/2014/main" id="{0C1E0AE7-CAC9-47B9-A274-B44A13B541F4}"/>
+                <a16:creationId xmlns:a16="http://schemas.microsoft.com/office/drawing/2014/main" xmlns="" id="{0C1E0AE7-CAC9-47B9-A274-B44A13B541F4}"/>
               </a:ext>
             </a:extLst>
           </p:cNvPr>
@@ -21606,7 +22386,7 @@
           <p:cNvPr id="2050" name="Picture 2" descr="Image result for regression meme">
             <a:extLst>
               <a:ext uri="{FF2B5EF4-FFF2-40B4-BE49-F238E27FC236}">
-                <a16:creationId xmlns="" xmlns:a16="http://schemas.microsoft.com/office/drawing/2014/main" id="{2F1D0213-E5E0-4BFE-84DE-1A11D925540E}"/>
+                <a16:creationId xmlns:a16="http://schemas.microsoft.com/office/drawing/2014/main" xmlns="" id="{2F1D0213-E5E0-4BFE-84DE-1A11D925540E}"/>
               </a:ext>
             </a:extLst>
           </p:cNvPr>
@@ -21705,7 +22485,7 @@
           <p:cNvPr id="27" name="Date Placeholder 4">
             <a:extLst>
               <a:ext uri="{FF2B5EF4-FFF2-40B4-BE49-F238E27FC236}">
-                <a16:creationId xmlns="" xmlns:a16="http://schemas.microsoft.com/office/drawing/2014/main" id="{BF6F864E-EC48-4E08-B7F3-6E907D5C4353}"/>
+                <a16:creationId xmlns:a16="http://schemas.microsoft.com/office/drawing/2014/main" xmlns="" id="{BF6F864E-EC48-4E08-B7F3-6E907D5C4353}"/>
               </a:ext>
             </a:extLst>
           </p:cNvPr>
@@ -21724,7 +22504,7 @@
             <a:fld id="{9B19E99B-5349-415A-8E56-8E989211A366}" type="datetime1">
               <a:rPr lang="en-US" smtClean="0"/>
               <a:pPr/>
-              <a:t>6/6/2019</a:t>
+              <a:t>6/19/2019</a:t>
             </a:fld>
             <a:endParaRPr lang="en-US"/>
           </a:p>
@@ -21735,7 +22515,7 @@
           <p:cNvPr id="28" name="Footer Placeholder 5">
             <a:extLst>
               <a:ext uri="{FF2B5EF4-FFF2-40B4-BE49-F238E27FC236}">
-                <a16:creationId xmlns="" xmlns:a16="http://schemas.microsoft.com/office/drawing/2014/main" id="{A23A7B91-306A-41EF-AC4A-BFA66F36C7D9}"/>
+                <a16:creationId xmlns:a16="http://schemas.microsoft.com/office/drawing/2014/main" xmlns="" id="{A23A7B91-306A-41EF-AC4A-BFA66F36C7D9}"/>
               </a:ext>
             </a:extLst>
           </p:cNvPr>
@@ -21764,7 +22544,7 @@
           <p:cNvPr id="29" name="Slide Number Placeholder 6">
             <a:extLst>
               <a:ext uri="{FF2B5EF4-FFF2-40B4-BE49-F238E27FC236}">
-                <a16:creationId xmlns="" xmlns:a16="http://schemas.microsoft.com/office/drawing/2014/main" id="{7E8E2364-DAEF-4A72-9EA2-853378ECF81A}"/>
+                <a16:creationId xmlns:a16="http://schemas.microsoft.com/office/drawing/2014/main" xmlns="" id="{7E8E2364-DAEF-4A72-9EA2-853378ECF81A}"/>
               </a:ext>
             </a:extLst>
           </p:cNvPr>
@@ -22671,7 +23451,7 @@
             <a:fld id="{6700A58B-DD98-43D0-B791-721480A02982}" type="datetime1">
               <a:rPr lang="en-US" smtClean="0"/>
               <a:pPr/>
-              <a:t>6/6/2019</a:t>
+              <a:t>6/19/2019</a:t>
             </a:fld>
             <a:endParaRPr lang="en-US"/>
           </a:p>
@@ -23882,7 +24662,7 @@
           <p:cNvPr id="8" name="Date Placeholder 4">
             <a:extLst>
               <a:ext uri="{FF2B5EF4-FFF2-40B4-BE49-F238E27FC236}">
-                <a16:creationId xmlns="" xmlns:a16="http://schemas.microsoft.com/office/drawing/2014/main" id="{2A65B911-9982-4A89-9B53-F535584EE6ED}"/>
+                <a16:creationId xmlns:a16="http://schemas.microsoft.com/office/drawing/2014/main" xmlns="" id="{2A65B911-9982-4A89-9B53-F535584EE6ED}"/>
               </a:ext>
             </a:extLst>
           </p:cNvPr>
@@ -23901,7 +24681,7 @@
             <a:fld id="{9B19E99B-5349-415A-8E56-8E989211A366}" type="datetime1">
               <a:rPr lang="en-US" smtClean="0"/>
               <a:pPr/>
-              <a:t>6/6/2019</a:t>
+              <a:t>6/19/2019</a:t>
             </a:fld>
             <a:endParaRPr lang="en-US"/>
           </a:p>
@@ -23935,7 +24715,7 @@
           <p:cNvPr id="9" name="Footer Placeholder 5">
             <a:extLst>
               <a:ext uri="{FF2B5EF4-FFF2-40B4-BE49-F238E27FC236}">
-                <a16:creationId xmlns="" xmlns:a16="http://schemas.microsoft.com/office/drawing/2014/main" id="{A380AF3B-4CCA-4756-901C-4F89996B352B}"/>
+                <a16:creationId xmlns:a16="http://schemas.microsoft.com/office/drawing/2014/main" xmlns="" id="{A380AF3B-4CCA-4756-901C-4F89996B352B}"/>
               </a:ext>
             </a:extLst>
           </p:cNvPr>
@@ -23964,7 +24744,7 @@
           <p:cNvPr id="10" name="Slide Number Placeholder 6">
             <a:extLst>
               <a:ext uri="{FF2B5EF4-FFF2-40B4-BE49-F238E27FC236}">
-                <a16:creationId xmlns="" xmlns:a16="http://schemas.microsoft.com/office/drawing/2014/main" id="{3CA6B3B4-818A-47FC-85CE-C6388340FAE1}"/>
+                <a16:creationId xmlns:a16="http://schemas.microsoft.com/office/drawing/2014/main" xmlns="" id="{3CA6B3B4-818A-47FC-85CE-C6388340FAE1}"/>
               </a:ext>
             </a:extLst>
           </p:cNvPr>
@@ -24306,7 +25086,7 @@
           <p:cNvPr id="11" name="Date Placeholder 4">
             <a:extLst>
               <a:ext uri="{FF2B5EF4-FFF2-40B4-BE49-F238E27FC236}">
-                <a16:creationId xmlns="" xmlns:a16="http://schemas.microsoft.com/office/drawing/2014/main" id="{D4843871-DD57-49EE-8EA2-9C7012BEDA14}"/>
+                <a16:creationId xmlns:a16="http://schemas.microsoft.com/office/drawing/2014/main" xmlns="" id="{D4843871-DD57-49EE-8EA2-9C7012BEDA14}"/>
               </a:ext>
             </a:extLst>
           </p:cNvPr>
@@ -24325,7 +25105,7 @@
             <a:fld id="{9B19E99B-5349-415A-8E56-8E989211A366}" type="datetime1">
               <a:rPr lang="en-US" smtClean="0"/>
               <a:pPr/>
-              <a:t>6/6/2019</a:t>
+              <a:t>6/19/2019</a:t>
             </a:fld>
             <a:endParaRPr lang="en-US"/>
           </a:p>
@@ -24359,7 +25139,7 @@
           <p:cNvPr id="12" name="Footer Placeholder 5">
             <a:extLst>
               <a:ext uri="{FF2B5EF4-FFF2-40B4-BE49-F238E27FC236}">
-                <a16:creationId xmlns="" xmlns:a16="http://schemas.microsoft.com/office/drawing/2014/main" id="{4DBA96E0-A9ED-461D-BA8F-0898E3B96987}"/>
+                <a16:creationId xmlns:a16="http://schemas.microsoft.com/office/drawing/2014/main" xmlns="" id="{4DBA96E0-A9ED-461D-BA8F-0898E3B96987}"/>
               </a:ext>
             </a:extLst>
           </p:cNvPr>
@@ -24388,7 +25168,7 @@
           <p:cNvPr id="13" name="Slide Number Placeholder 6">
             <a:extLst>
               <a:ext uri="{FF2B5EF4-FFF2-40B4-BE49-F238E27FC236}">
-                <a16:creationId xmlns="" xmlns:a16="http://schemas.microsoft.com/office/drawing/2014/main" id="{79FF8EFC-2D5B-483F-B22E-995CB252AFE4}"/>
+                <a16:creationId xmlns:a16="http://schemas.microsoft.com/office/drawing/2014/main" xmlns="" id="{79FF8EFC-2D5B-483F-B22E-995CB252AFE4}"/>
               </a:ext>
             </a:extLst>
           </p:cNvPr>
@@ -24524,7 +25304,7 @@
           <p:cNvPr id="12" name="Date Placeholder 4">
             <a:extLst>
               <a:ext uri="{FF2B5EF4-FFF2-40B4-BE49-F238E27FC236}">
-                <a16:creationId xmlns="" xmlns:a16="http://schemas.microsoft.com/office/drawing/2014/main" id="{62125963-ACAB-4657-A16F-BEB01B8C7CB4}"/>
+                <a16:creationId xmlns:a16="http://schemas.microsoft.com/office/drawing/2014/main" xmlns="" id="{62125963-ACAB-4657-A16F-BEB01B8C7CB4}"/>
               </a:ext>
             </a:extLst>
           </p:cNvPr>
@@ -24543,7 +25323,7 @@
             <a:fld id="{9B19E99B-5349-415A-8E56-8E989211A366}" type="datetime1">
               <a:rPr lang="en-US" smtClean="0"/>
               <a:pPr/>
-              <a:t>6/6/2019</a:t>
+              <a:t>6/19/2019</a:t>
             </a:fld>
             <a:endParaRPr lang="en-US"/>
           </a:p>
@@ -24577,7 +25357,7 @@
           <p:cNvPr id="13" name="Footer Placeholder 5">
             <a:extLst>
               <a:ext uri="{FF2B5EF4-FFF2-40B4-BE49-F238E27FC236}">
-                <a16:creationId xmlns="" xmlns:a16="http://schemas.microsoft.com/office/drawing/2014/main" id="{E1DE0E99-225C-41F0-8428-177D6B604D9B}"/>
+                <a16:creationId xmlns:a16="http://schemas.microsoft.com/office/drawing/2014/main" xmlns="" id="{E1DE0E99-225C-41F0-8428-177D6B604D9B}"/>
               </a:ext>
             </a:extLst>
           </p:cNvPr>
@@ -24606,7 +25386,7 @@
           <p:cNvPr id="14" name="Slide Number Placeholder 6">
             <a:extLst>
               <a:ext uri="{FF2B5EF4-FFF2-40B4-BE49-F238E27FC236}">
-                <a16:creationId xmlns="" xmlns:a16="http://schemas.microsoft.com/office/drawing/2014/main" id="{55B7368E-28D8-4125-9A7F-3CBA8ABD943A}"/>
+                <a16:creationId xmlns:a16="http://schemas.microsoft.com/office/drawing/2014/main" xmlns="" id="{55B7368E-28D8-4125-9A7F-3CBA8ABD943A}"/>
               </a:ext>
             </a:extLst>
           </p:cNvPr>
@@ -24850,7 +25630,7 @@
           <p:cNvPr id="14" name="Date Placeholder 4">
             <a:extLst>
               <a:ext uri="{FF2B5EF4-FFF2-40B4-BE49-F238E27FC236}">
-                <a16:creationId xmlns="" xmlns:a16="http://schemas.microsoft.com/office/drawing/2014/main" id="{6C57D140-CB2D-43E9-B930-4847B406A7F2}"/>
+                <a16:creationId xmlns:a16="http://schemas.microsoft.com/office/drawing/2014/main" xmlns="" id="{6C57D140-CB2D-43E9-B930-4847B406A7F2}"/>
               </a:ext>
             </a:extLst>
           </p:cNvPr>
@@ -24869,7 +25649,7 @@
             <a:fld id="{9B19E99B-5349-415A-8E56-8E989211A366}" type="datetime1">
               <a:rPr lang="en-US" smtClean="0"/>
               <a:pPr/>
-              <a:t>6/6/2019</a:t>
+              <a:t>6/19/2019</a:t>
             </a:fld>
             <a:endParaRPr lang="en-US"/>
           </a:p>
@@ -24880,7 +25660,7 @@
           <p:cNvPr id="18" name="Title 17">
             <a:extLst>
               <a:ext uri="{FF2B5EF4-FFF2-40B4-BE49-F238E27FC236}">
-                <a16:creationId xmlns="" xmlns:a16="http://schemas.microsoft.com/office/drawing/2014/main" id="{5D31558E-2632-44A4-A6D7-C3BB76AF7EF7}"/>
+                <a16:creationId xmlns:a16="http://schemas.microsoft.com/office/drawing/2014/main" xmlns="" id="{5D31558E-2632-44A4-A6D7-C3BB76AF7EF7}"/>
               </a:ext>
             </a:extLst>
           </p:cNvPr>
@@ -24905,7 +25685,7 @@
           <p:cNvPr id="15" name="Footer Placeholder 5">
             <a:extLst>
               <a:ext uri="{FF2B5EF4-FFF2-40B4-BE49-F238E27FC236}">
-                <a16:creationId xmlns="" xmlns:a16="http://schemas.microsoft.com/office/drawing/2014/main" id="{CC962340-904A-4174-837D-ADE8E072F4BD}"/>
+                <a16:creationId xmlns:a16="http://schemas.microsoft.com/office/drawing/2014/main" xmlns="" id="{CC962340-904A-4174-837D-ADE8E072F4BD}"/>
               </a:ext>
             </a:extLst>
           </p:cNvPr>
@@ -24934,7 +25714,7 @@
           <p:cNvPr id="16" name="Slide Number Placeholder 6">
             <a:extLst>
               <a:ext uri="{FF2B5EF4-FFF2-40B4-BE49-F238E27FC236}">
-                <a16:creationId xmlns="" xmlns:a16="http://schemas.microsoft.com/office/drawing/2014/main" id="{A9AC2CB2-130D-485E-9A4E-D6F286DCAA7C}"/>
+                <a16:creationId xmlns:a16="http://schemas.microsoft.com/office/drawing/2014/main" xmlns="" id="{A9AC2CB2-130D-485E-9A4E-D6F286DCAA7C}"/>
               </a:ext>
             </a:extLst>
           </p:cNvPr>
@@ -25227,7 +26007,7 @@
             <a:fld id="{6700A58B-DD98-43D0-B791-721480A02982}" type="datetime1">
               <a:rPr lang="en-US" smtClean="0"/>
               <a:pPr/>
-              <a:t>6/6/2019</a:t>
+              <a:t>6/19/2019</a:t>
             </a:fld>
             <a:endParaRPr lang="en-US"/>
           </a:p>
@@ -25704,6 +26484,13 @@
   <p:clrMapOvr>
     <a:masterClrMapping/>
   </p:clrMapOvr>
+  <p:timing>
+    <p:tnLst>
+      <p:par>
+        <p:cTn id="1" dur="indefinite" restart="never" nodeType="tmRoot"/>
+      </p:par>
+    </p:tnLst>
+  </p:timing>
 </p:sld>
 </file>
 
@@ -25742,7 +26529,7 @@
             <a:fld id="{6700A58B-DD98-43D0-B791-721480A02982}" type="datetime1">
               <a:rPr lang="en-US" smtClean="0"/>
               <a:pPr/>
-              <a:t>6/6/2019</a:t>
+              <a:t>6/19/2019</a:t>
             </a:fld>
             <a:endParaRPr lang="en-US"/>
           </a:p>
@@ -25884,6 +26671,13 @@
   <p:clrMapOvr>
     <a:masterClrMapping/>
   </p:clrMapOvr>
+  <p:timing>
+    <p:tnLst>
+      <p:par>
+        <p:cTn id="1" dur="indefinite" restart="never" nodeType="tmRoot"/>
+      </p:par>
+    </p:tnLst>
+  </p:timing>
 </p:sld>
 </file>
 
@@ -25909,7 +26703,7 @@
           <p:cNvPr id="2" name="Date Placeholder 1">
             <a:extLst>
               <a:ext uri="{FF2B5EF4-FFF2-40B4-BE49-F238E27FC236}">
-                <a16:creationId xmlns="" xmlns:a16="http://schemas.microsoft.com/office/drawing/2014/main" id="{584AB8AA-287A-4F43-B280-22ADBC0BC683}"/>
+                <a16:creationId xmlns:a16="http://schemas.microsoft.com/office/drawing/2014/main" xmlns="" id="{584AB8AA-287A-4F43-B280-22ADBC0BC683}"/>
               </a:ext>
             </a:extLst>
           </p:cNvPr>
@@ -25927,7 +26721,7 @@
           <a:p>
             <a:fld id="{6700A58B-DD98-43D0-B791-721480A02982}" type="datetime1">
               <a:rPr lang="en-US" smtClean="0"/>
-              <a:t>6/6/2019</a:t>
+              <a:t>6/19/2019</a:t>
             </a:fld>
             <a:endParaRPr lang="en-US"/>
           </a:p>
@@ -25938,7 +26732,7 @@
           <p:cNvPr id="3" name="Title 2">
             <a:extLst>
               <a:ext uri="{FF2B5EF4-FFF2-40B4-BE49-F238E27FC236}">
-                <a16:creationId xmlns="" xmlns:a16="http://schemas.microsoft.com/office/drawing/2014/main" id="{5A91EA20-A3BE-4327-B75E-B8492FAC52AF}"/>
+                <a16:creationId xmlns:a16="http://schemas.microsoft.com/office/drawing/2014/main" xmlns="" id="{5A91EA20-A3BE-4327-B75E-B8492FAC52AF}"/>
               </a:ext>
             </a:extLst>
           </p:cNvPr>
@@ -25967,7 +26761,7 @@
           <p:cNvPr id="4" name="Footer Placeholder 3">
             <a:extLst>
               <a:ext uri="{FF2B5EF4-FFF2-40B4-BE49-F238E27FC236}">
-                <a16:creationId xmlns="" xmlns:a16="http://schemas.microsoft.com/office/drawing/2014/main" id="{FD119BF5-385F-4EE6-8C99-0D051D044909}"/>
+                <a16:creationId xmlns:a16="http://schemas.microsoft.com/office/drawing/2014/main" xmlns="" id="{FD119BF5-385F-4EE6-8C99-0D051D044909}"/>
               </a:ext>
             </a:extLst>
           </p:cNvPr>
@@ -25996,7 +26790,7 @@
           <p:cNvPr id="5" name="Slide Number Placeholder 4">
             <a:extLst>
               <a:ext uri="{FF2B5EF4-FFF2-40B4-BE49-F238E27FC236}">
-                <a16:creationId xmlns="" xmlns:a16="http://schemas.microsoft.com/office/drawing/2014/main" id="{D3901687-B018-483D-AFD3-D8B5D669ECB7}"/>
+                <a16:creationId xmlns:a16="http://schemas.microsoft.com/office/drawing/2014/main" xmlns="" id="{D3901687-B018-483D-AFD3-D8B5D669ECB7}"/>
               </a:ext>
             </a:extLst>
           </p:cNvPr>
@@ -26026,7 +26820,7 @@
           <p:cNvPr id="4100" name="Picture 4" descr="Image result for logistic regression meme">
             <a:extLst>
               <a:ext uri="{FF2B5EF4-FFF2-40B4-BE49-F238E27FC236}">
-                <a16:creationId xmlns="" xmlns:a16="http://schemas.microsoft.com/office/drawing/2014/main" id="{C6366623-2697-4C05-99E4-C1A7E38B23AC}"/>
+                <a16:creationId xmlns:a16="http://schemas.microsoft.com/office/drawing/2014/main" xmlns="" id="{C6366623-2697-4C05-99E4-C1A7E38B23AC}"/>
               </a:ext>
             </a:extLst>
           </p:cNvPr>
@@ -26078,6 +26872,13 @@
   <p:clrMapOvr>
     <a:masterClrMapping/>
   </p:clrMapOvr>
+  <p:timing>
+    <p:tnLst>
+      <p:par>
+        <p:cTn id="1" dur="indefinite" restart="never" nodeType="tmRoot"/>
+      </p:par>
+    </p:tnLst>
+  </p:timing>
 </p:sld>
 </file>
 
@@ -26150,21 +26951,21 @@
                 <a:gridCol w="1238445">
                   <a:extLst>
                     <a:ext uri="{9D8B030D-6E8A-4147-A177-3AD203B41FA5}">
-                      <a16:colId xmlns="" xmlns:a16="http://schemas.microsoft.com/office/drawing/2014/main" val="20000"/>
+                      <a16:colId xmlns:a16="http://schemas.microsoft.com/office/drawing/2014/main" xmlns="" val="20000"/>
                     </a:ext>
                   </a:extLst>
                 </a:gridCol>
                 <a:gridCol w="858274">
                   <a:extLst>
                     <a:ext uri="{9D8B030D-6E8A-4147-A177-3AD203B41FA5}">
-                      <a16:colId xmlns="" xmlns:a16="http://schemas.microsoft.com/office/drawing/2014/main" val="20001"/>
+                      <a16:colId xmlns:a16="http://schemas.microsoft.com/office/drawing/2014/main" xmlns="" val="20001"/>
                     </a:ext>
                   </a:extLst>
                 </a:gridCol>
                 <a:gridCol w="5790787">
                   <a:extLst>
                     <a:ext uri="{9D8B030D-6E8A-4147-A177-3AD203B41FA5}">
-                      <a16:colId xmlns="" xmlns:a16="http://schemas.microsoft.com/office/drawing/2014/main" val="20002"/>
+                      <a16:colId xmlns:a16="http://schemas.microsoft.com/office/drawing/2014/main" xmlns="" val="20002"/>
                     </a:ext>
                   </a:extLst>
                 </a:gridCol>
@@ -26403,7 +27204,7 @@
                 </a:tc>
                 <a:extLst>
                   <a:ext uri="{0D108BD9-81ED-4DB2-BD59-A6C34878D82A}">
-                    <a16:rowId xmlns="" xmlns:a16="http://schemas.microsoft.com/office/drawing/2014/main" val="10000"/>
+                    <a16:rowId xmlns:a16="http://schemas.microsoft.com/office/drawing/2014/main" xmlns="" val="10000"/>
                   </a:ext>
                 </a:extLst>
               </a:tr>
@@ -26500,7 +27301,7 @@
                 </a:tc>
                 <a:extLst>
                   <a:ext uri="{0D108BD9-81ED-4DB2-BD59-A6C34878D82A}">
-                    <a16:rowId xmlns="" xmlns:a16="http://schemas.microsoft.com/office/drawing/2014/main" val="10001"/>
+                    <a16:rowId xmlns:a16="http://schemas.microsoft.com/office/drawing/2014/main" xmlns="" val="10001"/>
                   </a:ext>
                 </a:extLst>
               </a:tr>
@@ -26567,7 +27368,7 @@
                 </a:tc>
                 <a:extLst>
                   <a:ext uri="{0D108BD9-81ED-4DB2-BD59-A6C34878D82A}">
-                    <a16:rowId xmlns="" xmlns:a16="http://schemas.microsoft.com/office/drawing/2014/main" val="10002"/>
+                    <a16:rowId xmlns:a16="http://schemas.microsoft.com/office/drawing/2014/main" xmlns="" val="10002"/>
                   </a:ext>
                 </a:extLst>
               </a:tr>
@@ -26644,7 +27445,7 @@
                 </a:tc>
                 <a:extLst>
                   <a:ext uri="{0D108BD9-81ED-4DB2-BD59-A6C34878D82A}">
-                    <a16:rowId xmlns="" xmlns:a16="http://schemas.microsoft.com/office/drawing/2014/main" val="10003"/>
+                    <a16:rowId xmlns:a16="http://schemas.microsoft.com/office/drawing/2014/main" xmlns="" val="10003"/>
                   </a:ext>
                 </a:extLst>
               </a:tr>
@@ -26725,7 +27526,7 @@
                 </a:tc>
                 <a:extLst>
                   <a:ext uri="{0D108BD9-81ED-4DB2-BD59-A6C34878D82A}">
-                    <a16:rowId xmlns="" xmlns:a16="http://schemas.microsoft.com/office/drawing/2014/main" val="10004"/>
+                    <a16:rowId xmlns:a16="http://schemas.microsoft.com/office/drawing/2014/main" xmlns="" val="10004"/>
                   </a:ext>
                 </a:extLst>
               </a:tr>
@@ -26792,7 +27593,7 @@
                 </a:tc>
                 <a:extLst>
                   <a:ext uri="{0D108BD9-81ED-4DB2-BD59-A6C34878D82A}">
-                    <a16:rowId xmlns="" xmlns:a16="http://schemas.microsoft.com/office/drawing/2014/main" val="10006"/>
+                    <a16:rowId xmlns:a16="http://schemas.microsoft.com/office/drawing/2014/main" xmlns="" val="10006"/>
                   </a:ext>
                 </a:extLst>
               </a:tr>
@@ -26892,7 +27693,7 @@
                 </a:tc>
                 <a:extLst>
                   <a:ext uri="{0D108BD9-81ED-4DB2-BD59-A6C34878D82A}">
-                    <a16:rowId xmlns="" xmlns:a16="http://schemas.microsoft.com/office/drawing/2014/main" val="10007"/>
+                    <a16:rowId xmlns:a16="http://schemas.microsoft.com/office/drawing/2014/main" xmlns="" val="10007"/>
                   </a:ext>
                 </a:extLst>
               </a:tr>
@@ -26966,7 +27767,7 @@
                 </a:tc>
                 <a:extLst>
                   <a:ext uri="{0D108BD9-81ED-4DB2-BD59-A6C34878D82A}">
-                    <a16:rowId xmlns="" xmlns:a16="http://schemas.microsoft.com/office/drawing/2014/main" val="10008"/>
+                    <a16:rowId xmlns:a16="http://schemas.microsoft.com/office/drawing/2014/main" xmlns="" val="10008"/>
                   </a:ext>
                 </a:extLst>
               </a:tr>
@@ -26991,7 +27792,7 @@
           <a:p>
             <a:fld id="{9B19E99B-5349-415A-8E56-8E989211A366}" type="datetime1">
               <a:rPr lang="en-US" smtClean="0"/>
-              <a:t>6/6/2019</a:t>
+              <a:t>6/19/2019</a:t>
             </a:fld>
             <a:endParaRPr lang="en-US"/>
           </a:p>
@@ -27077,7 +27878,7 @@
           <p:cNvPr id="2" name="Date Placeholder 1">
             <a:extLst>
               <a:ext uri="{FF2B5EF4-FFF2-40B4-BE49-F238E27FC236}">
-                <a16:creationId xmlns="" xmlns:a16="http://schemas.microsoft.com/office/drawing/2014/main" id="{F72DAF68-B4C5-4D69-ACE4-452A6ACBD808}"/>
+                <a16:creationId xmlns:a16="http://schemas.microsoft.com/office/drawing/2014/main" xmlns="" id="{F72DAF68-B4C5-4D69-ACE4-452A6ACBD808}"/>
               </a:ext>
             </a:extLst>
           </p:cNvPr>
@@ -27095,7 +27896,7 @@
           <a:p>
             <a:fld id="{6700A58B-DD98-43D0-B791-721480A02982}" type="datetime1">
               <a:rPr lang="en-US" smtClean="0"/>
-              <a:t>6/6/2019</a:t>
+              <a:t>6/19/2019</a:t>
             </a:fld>
             <a:endParaRPr lang="en-US"/>
           </a:p>
@@ -27106,7 +27907,7 @@
           <p:cNvPr id="3" name="Title 2">
             <a:extLst>
               <a:ext uri="{FF2B5EF4-FFF2-40B4-BE49-F238E27FC236}">
-                <a16:creationId xmlns="" xmlns:a16="http://schemas.microsoft.com/office/drawing/2014/main" id="{32D1F69B-21CE-4D6E-89A5-02C6ED01FC53}"/>
+                <a16:creationId xmlns:a16="http://schemas.microsoft.com/office/drawing/2014/main" xmlns="" id="{32D1F69B-21CE-4D6E-89A5-02C6ED01FC53}"/>
               </a:ext>
             </a:extLst>
           </p:cNvPr>
@@ -27134,7 +27935,7 @@
           <p:cNvPr id="4" name="Footer Placeholder 3">
             <a:extLst>
               <a:ext uri="{FF2B5EF4-FFF2-40B4-BE49-F238E27FC236}">
-                <a16:creationId xmlns="" xmlns:a16="http://schemas.microsoft.com/office/drawing/2014/main" id="{06AF423E-4F2F-4588-9135-C2A5917EC606}"/>
+                <a16:creationId xmlns:a16="http://schemas.microsoft.com/office/drawing/2014/main" xmlns="" id="{06AF423E-4F2F-4588-9135-C2A5917EC606}"/>
               </a:ext>
             </a:extLst>
           </p:cNvPr>
@@ -27163,7 +27964,7 @@
           <p:cNvPr id="5" name="Slide Number Placeholder 4">
             <a:extLst>
               <a:ext uri="{FF2B5EF4-FFF2-40B4-BE49-F238E27FC236}">
-                <a16:creationId xmlns="" xmlns:a16="http://schemas.microsoft.com/office/drawing/2014/main" id="{4C4BCF21-A0BB-4E8F-8938-9E3E7D0E0550}"/>
+                <a16:creationId xmlns:a16="http://schemas.microsoft.com/office/drawing/2014/main" xmlns="" id="{4C4BCF21-A0BB-4E8F-8938-9E3E7D0E0550}"/>
               </a:ext>
             </a:extLst>
           </p:cNvPr>
@@ -27193,7 +27994,7 @@
           <p:cNvPr id="6" name="TextBox 5">
             <a:extLst>
               <a:ext uri="{FF2B5EF4-FFF2-40B4-BE49-F238E27FC236}">
-                <a16:creationId xmlns="" xmlns:a16="http://schemas.microsoft.com/office/drawing/2014/main" id="{68FF8A2F-2916-4367-A5DA-51726A6A39C1}"/>
+                <a16:creationId xmlns:a16="http://schemas.microsoft.com/office/drawing/2014/main" xmlns="" id="{68FF8A2F-2916-4367-A5DA-51726A6A39C1}"/>
               </a:ext>
             </a:extLst>
           </p:cNvPr>
@@ -27306,7 +28107,7 @@
           <p:cNvPr id="2" name="Date Placeholder 1">
             <a:extLst>
               <a:ext uri="{FF2B5EF4-FFF2-40B4-BE49-F238E27FC236}">
-                <a16:creationId xmlns="" xmlns:a16="http://schemas.microsoft.com/office/drawing/2014/main" id="{22B22776-A38F-49A5-BB26-5D9674C103AC}"/>
+                <a16:creationId xmlns:a16="http://schemas.microsoft.com/office/drawing/2014/main" xmlns="" id="{22B22776-A38F-49A5-BB26-5D9674C103AC}"/>
               </a:ext>
             </a:extLst>
           </p:cNvPr>
@@ -27324,7 +28125,7 @@
           <a:p>
             <a:fld id="{6700A58B-DD98-43D0-B791-721480A02982}" type="datetime1">
               <a:rPr lang="en-US" smtClean="0"/>
-              <a:t>6/6/2019</a:t>
+              <a:t>6/19/2019</a:t>
             </a:fld>
             <a:endParaRPr lang="en-US"/>
           </a:p>
@@ -27335,7 +28136,7 @@
           <p:cNvPr id="3" name="Title 2">
             <a:extLst>
               <a:ext uri="{FF2B5EF4-FFF2-40B4-BE49-F238E27FC236}">
-                <a16:creationId xmlns="" xmlns:a16="http://schemas.microsoft.com/office/drawing/2014/main" id="{39988D48-8216-465C-83C2-8A7495E78ECF}"/>
+                <a16:creationId xmlns:a16="http://schemas.microsoft.com/office/drawing/2014/main" xmlns="" id="{39988D48-8216-465C-83C2-8A7495E78ECF}"/>
               </a:ext>
             </a:extLst>
           </p:cNvPr>
@@ -27364,7 +28165,7 @@
           <p:cNvPr id="4" name="Footer Placeholder 3">
             <a:extLst>
               <a:ext uri="{FF2B5EF4-FFF2-40B4-BE49-F238E27FC236}">
-                <a16:creationId xmlns="" xmlns:a16="http://schemas.microsoft.com/office/drawing/2014/main" id="{BCD156DB-1790-45BC-B356-942101765088}"/>
+                <a16:creationId xmlns:a16="http://schemas.microsoft.com/office/drawing/2014/main" xmlns="" id="{BCD156DB-1790-45BC-B356-942101765088}"/>
               </a:ext>
             </a:extLst>
           </p:cNvPr>
@@ -27393,7 +28194,7 @@
           <p:cNvPr id="5" name="Slide Number Placeholder 4">
             <a:extLst>
               <a:ext uri="{FF2B5EF4-FFF2-40B4-BE49-F238E27FC236}">
-                <a16:creationId xmlns="" xmlns:a16="http://schemas.microsoft.com/office/drawing/2014/main" id="{213E6CFE-F5DD-4A8C-A9F2-13B5C90794AD}"/>
+                <a16:creationId xmlns:a16="http://schemas.microsoft.com/office/drawing/2014/main" xmlns="" id="{213E6CFE-F5DD-4A8C-A9F2-13B5C90794AD}"/>
               </a:ext>
             </a:extLst>
           </p:cNvPr>
@@ -27496,6 +28297,13 @@
   <p:clrMapOvr>
     <a:masterClrMapping/>
   </p:clrMapOvr>
+  <p:timing>
+    <p:tnLst>
+      <p:par>
+        <p:cTn id="1" dur="indefinite" restart="never" nodeType="tmRoot"/>
+      </p:par>
+    </p:tnLst>
+  </p:timing>
 </p:sld>
 </file>
 
@@ -27544,7 +28352,7 @@
           <p:cNvPr id="5" name="Date Placeholder 3">
             <a:extLst>
               <a:ext uri="{FF2B5EF4-FFF2-40B4-BE49-F238E27FC236}">
-                <a16:creationId xmlns="" xmlns:a16="http://schemas.microsoft.com/office/drawing/2014/main" id="{8FCA8A2A-BA2A-4F59-BDF1-B1C7549B9048}"/>
+                <a16:creationId xmlns:a16="http://schemas.microsoft.com/office/drawing/2014/main" xmlns="" id="{8FCA8A2A-BA2A-4F59-BDF1-B1C7549B9048}"/>
               </a:ext>
             </a:extLst>
           </p:cNvPr>
@@ -27563,7 +28371,7 @@
             <a:fld id="{D753EFC8-4232-4598-94F6-94C0EBAFC469}" type="datetime1">
               <a:rPr lang="en-US" smtClean="0"/>
               <a:pPr/>
-              <a:t>6/6/2019</a:t>
+              <a:t>6/19/2019</a:t>
             </a:fld>
             <a:endParaRPr lang="en-US"/>
           </a:p>
@@ -27574,7 +28382,7 @@
           <p:cNvPr id="7" name="Footer Placeholder 5">
             <a:extLst>
               <a:ext uri="{FF2B5EF4-FFF2-40B4-BE49-F238E27FC236}">
-                <a16:creationId xmlns="" xmlns:a16="http://schemas.microsoft.com/office/drawing/2014/main" id="{CC81D18C-4058-4039-896D-D0DA6CD70C88}"/>
+                <a16:creationId xmlns:a16="http://schemas.microsoft.com/office/drawing/2014/main" xmlns="" id="{CC81D18C-4058-4039-896D-D0DA6CD70C88}"/>
               </a:ext>
             </a:extLst>
           </p:cNvPr>
@@ -27603,7 +28411,7 @@
           <p:cNvPr id="6" name="Slide Number Placeholder 4">
             <a:extLst>
               <a:ext uri="{FF2B5EF4-FFF2-40B4-BE49-F238E27FC236}">
-                <a16:creationId xmlns="" xmlns:a16="http://schemas.microsoft.com/office/drawing/2014/main" id="{67524C8B-E040-46C3-90CB-4F7DAB9FD551}"/>
+                <a16:creationId xmlns:a16="http://schemas.microsoft.com/office/drawing/2014/main" xmlns="" id="{67524C8B-E040-46C3-90CB-4F7DAB9FD551}"/>
               </a:ext>
             </a:extLst>
           </p:cNvPr>
@@ -28191,7 +28999,7 @@
           <p:cNvPr id="29" name="Content Placeholder 2">
             <a:extLst>
               <a:ext uri="{FF2B5EF4-FFF2-40B4-BE49-F238E27FC236}">
-                <a16:creationId xmlns="" xmlns:a16="http://schemas.microsoft.com/office/drawing/2014/main" id="{BF20F4D9-27DA-46A0-A9CB-0BBE713D0B9C}"/>
+                <a16:creationId xmlns:a16="http://schemas.microsoft.com/office/drawing/2014/main" xmlns="" id="{BF20F4D9-27DA-46A0-A9CB-0BBE713D0B9C}"/>
               </a:ext>
             </a:extLst>
           </p:cNvPr>
@@ -28432,7 +29240,7 @@
           <p:cNvPr id="2" name="Date Placeholder 1">
             <a:extLst>
               <a:ext uri="{FF2B5EF4-FFF2-40B4-BE49-F238E27FC236}">
-                <a16:creationId xmlns="" xmlns:a16="http://schemas.microsoft.com/office/drawing/2014/main" id="{76EB1F80-EF41-45DF-94B5-1A90D613467C}"/>
+                <a16:creationId xmlns:a16="http://schemas.microsoft.com/office/drawing/2014/main" xmlns="" id="{76EB1F80-EF41-45DF-94B5-1A90D613467C}"/>
               </a:ext>
             </a:extLst>
           </p:cNvPr>
@@ -28450,7 +29258,7 @@
           <a:p>
             <a:fld id="{6700A58B-DD98-43D0-B791-721480A02982}" type="datetime1">
               <a:rPr lang="en-US" smtClean="0"/>
-              <a:t>6/6/2019</a:t>
+              <a:t>6/19/2019</a:t>
             </a:fld>
             <a:endParaRPr lang="en-US"/>
           </a:p>
@@ -28461,7 +29269,7 @@
           <p:cNvPr id="3" name="Title 2">
             <a:extLst>
               <a:ext uri="{FF2B5EF4-FFF2-40B4-BE49-F238E27FC236}">
-                <a16:creationId xmlns="" xmlns:a16="http://schemas.microsoft.com/office/drawing/2014/main" id="{1D13627B-A987-4678-9B2D-D1DBC63C001E}"/>
+                <a16:creationId xmlns:a16="http://schemas.microsoft.com/office/drawing/2014/main" xmlns="" id="{1D13627B-A987-4678-9B2D-D1DBC63C001E}"/>
               </a:ext>
             </a:extLst>
           </p:cNvPr>
@@ -28499,7 +29307,7 @@
           <p:cNvPr id="4" name="Footer Placeholder 3">
             <a:extLst>
               <a:ext uri="{FF2B5EF4-FFF2-40B4-BE49-F238E27FC236}">
-                <a16:creationId xmlns="" xmlns:a16="http://schemas.microsoft.com/office/drawing/2014/main" id="{435B1935-7795-420A-BE49-6F7ADB60F035}"/>
+                <a16:creationId xmlns:a16="http://schemas.microsoft.com/office/drawing/2014/main" xmlns="" id="{435B1935-7795-420A-BE49-6F7ADB60F035}"/>
               </a:ext>
             </a:extLst>
           </p:cNvPr>
@@ -28528,7 +29336,7 @@
           <p:cNvPr id="5" name="Slide Number Placeholder 4">
             <a:extLst>
               <a:ext uri="{FF2B5EF4-FFF2-40B4-BE49-F238E27FC236}">
-                <a16:creationId xmlns="" xmlns:a16="http://schemas.microsoft.com/office/drawing/2014/main" id="{626A5F67-E6FE-4028-BE8E-4AF0FCCAD1E3}"/>
+                <a16:creationId xmlns:a16="http://schemas.microsoft.com/office/drawing/2014/main" xmlns="" id="{626A5F67-E6FE-4028-BE8E-4AF0FCCAD1E3}"/>
               </a:ext>
             </a:extLst>
           </p:cNvPr>
@@ -28929,7 +29737,15 @@
             <a:pPr algn="ctr"/>
             <a:r>
               <a:rPr lang="en-US" u="sng" dirty="0" smtClean="0"/>
-              <a:t>Biased Fit generalized to new data points better therefore less variance</a:t>
+              <a:t>Biased Fit </a:t>
+            </a:r>
+            <a:r>
+              <a:rPr lang="en-US" u="sng" dirty="0" smtClean="0"/>
+              <a:t>generalizes </a:t>
+            </a:r>
+            <a:r>
+              <a:rPr lang="en-US" u="sng" dirty="0" smtClean="0"/>
+              <a:t>to new data points better therefore less variance</a:t>
             </a:r>
             <a:endParaRPr lang="en-US" u="sng" dirty="0"/>
           </a:p>
@@ -29333,6 +30149,13 @@
   <p:clrMapOvr>
     <a:masterClrMapping/>
   </p:clrMapOvr>
+  <p:timing>
+    <p:tnLst>
+      <p:par>
+        <p:cTn id="1" dur="indefinite" restart="never" nodeType="tmRoot"/>
+      </p:par>
+    </p:tnLst>
+  </p:timing>
 </p:sld>
 </file>
 
@@ -29358,7 +30181,7 @@
           <p:cNvPr id="2" name="Date Placeholder 1">
             <a:extLst>
               <a:ext uri="{FF2B5EF4-FFF2-40B4-BE49-F238E27FC236}">
-                <a16:creationId xmlns="" xmlns:a16="http://schemas.microsoft.com/office/drawing/2014/main" id="{76EB1F80-EF41-45DF-94B5-1A90D613467C}"/>
+                <a16:creationId xmlns:a16="http://schemas.microsoft.com/office/drawing/2014/main" xmlns="" id="{76EB1F80-EF41-45DF-94B5-1A90D613467C}"/>
               </a:ext>
             </a:extLst>
           </p:cNvPr>
@@ -29376,7 +30199,7 @@
           <a:p>
             <a:fld id="{6700A58B-DD98-43D0-B791-721480A02982}" type="datetime1">
               <a:rPr lang="en-US" smtClean="0"/>
-              <a:t>6/6/2019</a:t>
+              <a:t>6/19/2019</a:t>
             </a:fld>
             <a:endParaRPr lang="en-US"/>
           </a:p>
@@ -29387,7 +30210,7 @@
           <p:cNvPr id="3" name="Title 2">
             <a:extLst>
               <a:ext uri="{FF2B5EF4-FFF2-40B4-BE49-F238E27FC236}">
-                <a16:creationId xmlns="" xmlns:a16="http://schemas.microsoft.com/office/drawing/2014/main" id="{1D13627B-A987-4678-9B2D-D1DBC63C001E}"/>
+                <a16:creationId xmlns:a16="http://schemas.microsoft.com/office/drawing/2014/main" xmlns="" id="{1D13627B-A987-4678-9B2D-D1DBC63C001E}"/>
               </a:ext>
             </a:extLst>
           </p:cNvPr>
@@ -29420,7 +30243,7 @@
           <p:cNvPr id="4" name="Footer Placeholder 3">
             <a:extLst>
               <a:ext uri="{FF2B5EF4-FFF2-40B4-BE49-F238E27FC236}">
-                <a16:creationId xmlns="" xmlns:a16="http://schemas.microsoft.com/office/drawing/2014/main" id="{435B1935-7795-420A-BE49-6F7ADB60F035}"/>
+                <a16:creationId xmlns:a16="http://schemas.microsoft.com/office/drawing/2014/main" xmlns="" id="{435B1935-7795-420A-BE49-6F7ADB60F035}"/>
               </a:ext>
             </a:extLst>
           </p:cNvPr>
@@ -29449,7 +30272,7 @@
           <p:cNvPr id="5" name="Slide Number Placeholder 4">
             <a:extLst>
               <a:ext uri="{FF2B5EF4-FFF2-40B4-BE49-F238E27FC236}">
-                <a16:creationId xmlns="" xmlns:a16="http://schemas.microsoft.com/office/drawing/2014/main" id="{626A5F67-E6FE-4028-BE8E-4AF0FCCAD1E3}"/>
+                <a16:creationId xmlns:a16="http://schemas.microsoft.com/office/drawing/2014/main" xmlns="" id="{626A5F67-E6FE-4028-BE8E-4AF0FCCAD1E3}"/>
               </a:ext>
             </a:extLst>
           </p:cNvPr>
@@ -29482,7 +30305,7 @@
         </p:nvSpPr>
         <p:spPr>
           <a:xfrm>
-            <a:off x="268013" y="1418897"/>
+            <a:off x="268013" y="979985"/>
             <a:ext cx="7996741" cy="2031325"/>
           </a:xfrm>
           <a:prstGeom prst="rect">
@@ -29575,8 +30398,21 @@
             </a:pPr>
             <a:r>
               <a:rPr lang="en-US" dirty="0"/>
-              <a:t>“L2” penalty: alpha = 0</a:t>
-            </a:r>
+              <a:t>“</a:t>
+            </a:r>
+            <a:r>
+              <a:rPr lang="en-US" dirty="0" smtClean="0"/>
+              <a:t>L1” </a:t>
+            </a:r>
+            <a:r>
+              <a:rPr lang="en-US" dirty="0"/>
+              <a:t>penalty: alpha = </a:t>
+            </a:r>
+            <a:r>
+              <a:rPr lang="en-US" dirty="0" smtClean="0"/>
+              <a:t>1</a:t>
+            </a:r>
+            <a:endParaRPr lang="en-US" dirty="0"/>
           </a:p>
         </p:txBody>
       </p:sp>
@@ -29588,7 +30424,7 @@
         </p:nvSpPr>
         <p:spPr>
           <a:xfrm>
-            <a:off x="5719567" y="4169979"/>
+            <a:off x="5719567" y="2981259"/>
             <a:ext cx="2198038" cy="369332"/>
           </a:xfrm>
           <a:prstGeom prst="rect">
@@ -29622,7 +30458,7 @@
         </p:nvSpPr>
         <p:spPr>
           <a:xfrm>
-            <a:off x="938031" y="4169979"/>
+            <a:off x="938031" y="2981259"/>
             <a:ext cx="2212465" cy="369332"/>
           </a:xfrm>
           <a:prstGeom prst="rect">
@@ -29660,7 +30496,7 @@
         </p:nvSpPr>
         <p:spPr>
           <a:xfrm>
-            <a:off x="4855779" y="4692868"/>
+            <a:off x="4855779" y="3504148"/>
             <a:ext cx="3925615" cy="369332"/>
           </a:xfrm>
           <a:prstGeom prst="rect">
@@ -29693,7 +30529,7 @@
         </p:nvSpPr>
         <p:spPr>
           <a:xfrm>
-            <a:off x="215463" y="4692868"/>
+            <a:off x="215463" y="3504148"/>
             <a:ext cx="3657600" cy="646331"/>
           </a:xfrm>
           <a:prstGeom prst="rect">
@@ -29718,6 +30554,463 @@
           </a:p>
         </p:txBody>
       </p:sp>
+      <p:cxnSp>
+        <p:nvCxnSpPr>
+          <p:cNvPr id="12" name="Straight Connector 11"/>
+          <p:cNvCxnSpPr/>
+          <p:nvPr/>
+        </p:nvCxnSpPr>
+        <p:spPr>
+          <a:xfrm>
+            <a:off x="607709" y="4385756"/>
+            <a:ext cx="0" cy="1639614"/>
+          </a:xfrm>
+          <a:prstGeom prst="line">
+            <a:avLst/>
+          </a:prstGeom>
+          <a:ln>
+            <a:solidFill>
+              <a:srgbClr val="FFC000"/>
+            </a:solidFill>
+          </a:ln>
+        </p:spPr>
+        <p:style>
+          <a:lnRef idx="1">
+            <a:schemeClr val="accent1"/>
+          </a:lnRef>
+          <a:fillRef idx="0">
+            <a:schemeClr val="accent1"/>
+          </a:fillRef>
+          <a:effectRef idx="0">
+            <a:schemeClr val="accent1"/>
+          </a:effectRef>
+          <a:fontRef idx="minor">
+            <a:schemeClr val="tx1"/>
+          </a:fontRef>
+        </p:style>
+      </p:cxnSp>
+      <p:cxnSp>
+        <p:nvCxnSpPr>
+          <p:cNvPr id="13" name="Straight Connector 12"/>
+          <p:cNvCxnSpPr/>
+          <p:nvPr/>
+        </p:nvCxnSpPr>
+        <p:spPr>
+          <a:xfrm>
+            <a:off x="623474" y="6056901"/>
+            <a:ext cx="2601310" cy="0"/>
+          </a:xfrm>
+          <a:prstGeom prst="line">
+            <a:avLst/>
+          </a:prstGeom>
+          <a:ln>
+            <a:solidFill>
+              <a:srgbClr val="FFC000"/>
+            </a:solidFill>
+          </a:ln>
+        </p:spPr>
+        <p:style>
+          <a:lnRef idx="1">
+            <a:schemeClr val="accent1"/>
+          </a:lnRef>
+          <a:fillRef idx="0">
+            <a:schemeClr val="accent1"/>
+          </a:fillRef>
+          <a:effectRef idx="0">
+            <a:schemeClr val="accent1"/>
+          </a:effectRef>
+          <a:fontRef idx="minor">
+            <a:schemeClr val="tx1"/>
+          </a:fontRef>
+        </p:style>
+      </p:cxnSp>
+      <p:sp>
+        <p:nvSpPr>
+          <p:cNvPr id="14" name="Oval 13"/>
+          <p:cNvSpPr/>
+          <p:nvPr/>
+        </p:nvSpPr>
+        <p:spPr>
+          <a:xfrm>
+            <a:off x="970315" y="4669536"/>
+            <a:ext cx="268014" cy="268014"/>
+          </a:xfrm>
+          <a:prstGeom prst="ellipse">
+            <a:avLst/>
+          </a:prstGeom>
+          <a:solidFill>
+            <a:schemeClr val="accent2"/>
+          </a:solidFill>
+          <a:ln>
+            <a:noFill/>
+          </a:ln>
+        </p:spPr>
+        <p:style>
+          <a:lnRef idx="2">
+            <a:schemeClr val="accent1">
+              <a:shade val="50000"/>
+            </a:schemeClr>
+          </a:lnRef>
+          <a:fillRef idx="1">
+            <a:schemeClr val="accent1"/>
+          </a:fillRef>
+          <a:effectRef idx="0">
+            <a:schemeClr val="accent1"/>
+          </a:effectRef>
+          <a:fontRef idx="minor">
+            <a:schemeClr val="lt1"/>
+          </a:fontRef>
+        </p:style>
+        <p:txBody>
+          <a:bodyPr rtlCol="0" anchor="ctr"/>
+          <a:lstStyle/>
+          <a:p>
+            <a:pPr algn="ctr"/>
+            <a:endParaRPr lang="en-US"/>
+          </a:p>
+        </p:txBody>
+      </p:sp>
+      <p:sp>
+        <p:nvSpPr>
+          <p:cNvPr id="15" name="Oval 14"/>
+          <p:cNvSpPr/>
+          <p:nvPr/>
+        </p:nvSpPr>
+        <p:spPr>
+          <a:xfrm>
+            <a:off x="2305129" y="5200308"/>
+            <a:ext cx="268014" cy="268014"/>
+          </a:xfrm>
+          <a:prstGeom prst="ellipse">
+            <a:avLst/>
+          </a:prstGeom>
+          <a:solidFill>
+            <a:schemeClr val="accent2"/>
+          </a:solidFill>
+          <a:ln>
+            <a:noFill/>
+          </a:ln>
+        </p:spPr>
+        <p:style>
+          <a:lnRef idx="2">
+            <a:schemeClr val="accent1">
+              <a:shade val="50000"/>
+            </a:schemeClr>
+          </a:lnRef>
+          <a:fillRef idx="1">
+            <a:schemeClr val="accent1"/>
+          </a:fillRef>
+          <a:effectRef idx="0">
+            <a:schemeClr val="accent1"/>
+          </a:effectRef>
+          <a:fontRef idx="minor">
+            <a:schemeClr val="lt1"/>
+          </a:fontRef>
+        </p:style>
+        <p:txBody>
+          <a:bodyPr rtlCol="0" anchor="ctr"/>
+          <a:lstStyle/>
+          <a:p>
+            <a:pPr algn="ctr"/>
+            <a:endParaRPr lang="en-US"/>
+          </a:p>
+        </p:txBody>
+      </p:sp>
+      <p:cxnSp>
+        <p:nvCxnSpPr>
+          <p:cNvPr id="16" name="Straight Connector 15"/>
+          <p:cNvCxnSpPr/>
+          <p:nvPr/>
+        </p:nvCxnSpPr>
+        <p:spPr>
+          <a:xfrm>
+            <a:off x="655005" y="4590708"/>
+            <a:ext cx="2984938" cy="1282262"/>
+          </a:xfrm>
+          <a:prstGeom prst="line">
+            <a:avLst/>
+          </a:prstGeom>
+          <a:ln>
+            <a:solidFill>
+              <a:schemeClr val="bg1">
+                <a:lumMod val="65000"/>
+              </a:schemeClr>
+            </a:solidFill>
+            <a:prstDash val="dash"/>
+          </a:ln>
+        </p:spPr>
+        <p:style>
+          <a:lnRef idx="1">
+            <a:schemeClr val="accent1"/>
+          </a:lnRef>
+          <a:fillRef idx="0">
+            <a:schemeClr val="accent1"/>
+          </a:fillRef>
+          <a:effectRef idx="0">
+            <a:schemeClr val="accent1"/>
+          </a:effectRef>
+          <a:fontRef idx="minor">
+            <a:schemeClr val="tx1"/>
+          </a:fontRef>
+        </p:style>
+      </p:cxnSp>
+      <p:sp>
+        <p:nvSpPr>
+          <p:cNvPr id="17" name="Oval 16"/>
+          <p:cNvSpPr/>
+          <p:nvPr/>
+        </p:nvSpPr>
+        <p:spPr>
+          <a:xfrm>
+            <a:off x="3056618" y="5021632"/>
+            <a:ext cx="268014" cy="268014"/>
+          </a:xfrm>
+          <a:prstGeom prst="ellipse">
+            <a:avLst/>
+          </a:prstGeom>
+          <a:solidFill>
+            <a:srgbClr val="92D050"/>
+          </a:solidFill>
+          <a:ln>
+            <a:noFill/>
+          </a:ln>
+        </p:spPr>
+        <p:style>
+          <a:lnRef idx="2">
+            <a:schemeClr val="accent1">
+              <a:shade val="50000"/>
+            </a:schemeClr>
+          </a:lnRef>
+          <a:fillRef idx="1">
+            <a:schemeClr val="accent1"/>
+          </a:fillRef>
+          <a:effectRef idx="0">
+            <a:schemeClr val="accent1"/>
+          </a:effectRef>
+          <a:fontRef idx="minor">
+            <a:schemeClr val="lt1"/>
+          </a:fontRef>
+        </p:style>
+        <p:txBody>
+          <a:bodyPr rtlCol="0" anchor="ctr"/>
+          <a:lstStyle/>
+          <a:p>
+            <a:pPr algn="ctr"/>
+            <a:endParaRPr lang="en-US"/>
+          </a:p>
+        </p:txBody>
+      </p:sp>
+      <p:sp>
+        <p:nvSpPr>
+          <p:cNvPr id="18" name="TextBox 17"/>
+          <p:cNvSpPr txBox="1"/>
+          <p:nvPr/>
+        </p:nvSpPr>
+        <p:spPr>
+          <a:xfrm>
+            <a:off x="2767584" y="5016377"/>
+            <a:ext cx="846707" cy="253916"/>
+          </a:xfrm>
+          <a:prstGeom prst="rect">
+            <a:avLst/>
+          </a:prstGeom>
+          <a:noFill/>
+        </p:spPr>
+        <p:txBody>
+          <a:bodyPr wrap="none" rtlCol="0">
+            <a:spAutoFit/>
+          </a:bodyPr>
+          <a:lstStyle/>
+          <a:p>
+            <a:r>
+              <a:rPr lang="en-US" sz="1050" dirty="0" smtClean="0"/>
+              <a:t>Test Data Pt</a:t>
+            </a:r>
+            <a:endParaRPr lang="en-US" sz="1050" dirty="0"/>
+          </a:p>
+        </p:txBody>
+      </p:sp>
+      <p:cxnSp>
+        <p:nvCxnSpPr>
+          <p:cNvPr id="19" name="Straight Connector 18"/>
+          <p:cNvCxnSpPr/>
+          <p:nvPr/>
+        </p:nvCxnSpPr>
+        <p:spPr>
+          <a:xfrm>
+            <a:off x="691791" y="4863977"/>
+            <a:ext cx="2932386" cy="536028"/>
+          </a:xfrm>
+          <a:prstGeom prst="line">
+            <a:avLst/>
+          </a:prstGeom>
+          <a:ln>
+            <a:solidFill>
+              <a:schemeClr val="accent6">
+                <a:lumMod val="75000"/>
+              </a:schemeClr>
+            </a:solidFill>
+            <a:prstDash val="dash"/>
+          </a:ln>
+        </p:spPr>
+        <p:style>
+          <a:lnRef idx="1">
+            <a:schemeClr val="accent1"/>
+          </a:lnRef>
+          <a:fillRef idx="0">
+            <a:schemeClr val="accent1"/>
+          </a:fillRef>
+          <a:effectRef idx="0">
+            <a:schemeClr val="accent1"/>
+          </a:effectRef>
+          <a:fontRef idx="minor">
+            <a:schemeClr val="tx1"/>
+          </a:fontRef>
+        </p:style>
+      </p:cxnSp>
+      <p:cxnSp>
+        <p:nvCxnSpPr>
+          <p:cNvPr id="20" name="Straight Connector 19"/>
+          <p:cNvCxnSpPr/>
+          <p:nvPr/>
+        </p:nvCxnSpPr>
+        <p:spPr>
+          <a:xfrm>
+            <a:off x="697887" y="4979801"/>
+            <a:ext cx="3051153" cy="49399"/>
+          </a:xfrm>
+          <a:prstGeom prst="line">
+            <a:avLst/>
+          </a:prstGeom>
+          <a:ln>
+            <a:solidFill>
+              <a:schemeClr val="accent1"/>
+            </a:solidFill>
+            <a:prstDash val="dash"/>
+          </a:ln>
+        </p:spPr>
+        <p:style>
+          <a:lnRef idx="1">
+            <a:schemeClr val="accent1"/>
+          </a:lnRef>
+          <a:fillRef idx="0">
+            <a:schemeClr val="accent1"/>
+          </a:fillRef>
+          <a:effectRef idx="0">
+            <a:schemeClr val="accent1"/>
+          </a:effectRef>
+          <a:fontRef idx="minor">
+            <a:schemeClr val="tx1"/>
+          </a:fontRef>
+        </p:style>
+      </p:cxnSp>
+      <p:sp>
+        <p:nvSpPr>
+          <p:cNvPr id="23" name="TextBox 22"/>
+          <p:cNvSpPr txBox="1"/>
+          <p:nvPr/>
+        </p:nvSpPr>
+        <p:spPr>
+          <a:xfrm>
+            <a:off x="4334256" y="4700016"/>
+            <a:ext cx="4480559" cy="923330"/>
+          </a:xfrm>
+          <a:prstGeom prst="rect">
+            <a:avLst/>
+          </a:prstGeom>
+          <a:solidFill>
+            <a:schemeClr val="accent1"/>
+          </a:solidFill>
+        </p:spPr>
+        <p:txBody>
+          <a:bodyPr wrap="square" rtlCol="0">
+            <a:spAutoFit/>
+          </a:bodyPr>
+          <a:lstStyle/>
+          <a:p>
+            <a:r>
+              <a:rPr lang="en-US" dirty="0" smtClean="0">
+                <a:solidFill>
+                  <a:schemeClr val="bg1"/>
+                </a:solidFill>
+              </a:rPr>
+              <a:t>If the penalty is high enough, the bias is increased &amp; some betas will have 0 slope, </a:t>
+            </a:r>
+            <a:r>
+              <a:rPr lang="en-US" dirty="0" err="1" smtClean="0">
+                <a:solidFill>
+                  <a:schemeClr val="bg1"/>
+                </a:solidFill>
+              </a:rPr>
+              <a:t>ie</a:t>
+            </a:r>
+            <a:r>
+              <a:rPr lang="en-US" dirty="0" smtClean="0">
+                <a:solidFill>
+                  <a:schemeClr val="bg1"/>
+                </a:solidFill>
+              </a:rPr>
+              <a:t> no impact on the model (beta = 0 * </a:t>
+            </a:r>
+            <a:r>
+              <a:rPr lang="en-US" dirty="0" err="1" smtClean="0">
+                <a:solidFill>
+                  <a:schemeClr val="bg1"/>
+                </a:solidFill>
+              </a:rPr>
+              <a:t>xValue</a:t>
+            </a:r>
+            <a:r>
+              <a:rPr lang="en-US" dirty="0" smtClean="0">
+                <a:solidFill>
+                  <a:schemeClr val="bg1"/>
+                </a:solidFill>
+              </a:rPr>
+              <a:t>)</a:t>
+            </a:r>
+            <a:endParaRPr lang="en-US" dirty="0">
+              <a:solidFill>
+                <a:schemeClr val="bg1"/>
+              </a:solidFill>
+            </a:endParaRPr>
+          </a:p>
+        </p:txBody>
+      </p:sp>
+      <p:cxnSp>
+        <p:nvCxnSpPr>
+          <p:cNvPr id="25" name="Straight Arrow Connector 24"/>
+          <p:cNvCxnSpPr>
+            <a:endCxn id="23" idx="1"/>
+          </p:cNvCxnSpPr>
+          <p:nvPr/>
+        </p:nvCxnSpPr>
+        <p:spPr>
+          <a:xfrm>
+            <a:off x="3803904" y="5047488"/>
+            <a:ext cx="530352" cy="114193"/>
+          </a:xfrm>
+          <a:prstGeom prst="straightConnector1">
+            <a:avLst/>
+          </a:prstGeom>
+          <a:ln>
+            <a:tailEnd type="triangle"/>
+          </a:ln>
+        </p:spPr>
+        <p:style>
+          <a:lnRef idx="1">
+            <a:schemeClr val="accent1"/>
+          </a:lnRef>
+          <a:fillRef idx="0">
+            <a:schemeClr val="accent1"/>
+          </a:fillRef>
+          <a:effectRef idx="0">
+            <a:schemeClr val="accent1"/>
+          </a:effectRef>
+          <a:fontRef idx="minor">
+            <a:schemeClr val="tx1"/>
+          </a:fontRef>
+        </p:style>
+      </p:cxnSp>
     </p:spTree>
     <p:extLst>
       <p:ext uri="{BB962C8B-B14F-4D97-AF65-F5344CB8AC3E}">
@@ -29728,6 +31021,13 @@
   <p:clrMapOvr>
     <a:masterClrMapping/>
   </p:clrMapOvr>
+  <p:timing>
+    <p:tnLst>
+      <p:par>
+        <p:cTn id="1" dur="indefinite" restart="never" nodeType="tmRoot"/>
+      </p:par>
+    </p:tnLst>
+  </p:timing>
 </p:sld>
 </file>
 
@@ -29753,7 +31053,7 @@
           <p:cNvPr id="2" name="Date Placeholder 1">
             <a:extLst>
               <a:ext uri="{FF2B5EF4-FFF2-40B4-BE49-F238E27FC236}">
-                <a16:creationId xmlns="" xmlns:a16="http://schemas.microsoft.com/office/drawing/2014/main" id="{74BA9DE6-3EE3-4485-A9AB-D058E33ED4F0}"/>
+                <a16:creationId xmlns:a16="http://schemas.microsoft.com/office/drawing/2014/main" xmlns="" id="{74BA9DE6-3EE3-4485-A9AB-D058E33ED4F0}"/>
               </a:ext>
             </a:extLst>
           </p:cNvPr>
@@ -29771,7 +31071,7 @@
           <a:p>
             <a:fld id="{6700A58B-DD98-43D0-B791-721480A02982}" type="datetime1">
               <a:rPr lang="en-US" smtClean="0"/>
-              <a:t>6/6/2019</a:t>
+              <a:t>6/19/2019</a:t>
             </a:fld>
             <a:endParaRPr lang="en-US"/>
           </a:p>
@@ -29782,7 +31082,7 @@
           <p:cNvPr id="3" name="Title 2">
             <a:extLst>
               <a:ext uri="{FF2B5EF4-FFF2-40B4-BE49-F238E27FC236}">
-                <a16:creationId xmlns="" xmlns:a16="http://schemas.microsoft.com/office/drawing/2014/main" id="{20443A4F-FBD6-4F42-BFF8-8F4DE125DB2A}"/>
+                <a16:creationId xmlns:a16="http://schemas.microsoft.com/office/drawing/2014/main" xmlns="" id="{20443A4F-FBD6-4F42-BFF8-8F4DE125DB2A}"/>
               </a:ext>
             </a:extLst>
           </p:cNvPr>
@@ -29811,7 +31111,7 @@
           <p:cNvPr id="4" name="Footer Placeholder 3">
             <a:extLst>
               <a:ext uri="{FF2B5EF4-FFF2-40B4-BE49-F238E27FC236}">
-                <a16:creationId xmlns="" xmlns:a16="http://schemas.microsoft.com/office/drawing/2014/main" id="{8624CF68-A7CB-43D7-9D1B-B883D62E72EC}"/>
+                <a16:creationId xmlns:a16="http://schemas.microsoft.com/office/drawing/2014/main" xmlns="" id="{8624CF68-A7CB-43D7-9D1B-B883D62E72EC}"/>
               </a:ext>
             </a:extLst>
           </p:cNvPr>
@@ -29840,7 +31140,7 @@
           <p:cNvPr id="5" name="Slide Number Placeholder 4">
             <a:extLst>
               <a:ext uri="{FF2B5EF4-FFF2-40B4-BE49-F238E27FC236}">
-                <a16:creationId xmlns="" xmlns:a16="http://schemas.microsoft.com/office/drawing/2014/main" id="{C91F7682-34A6-48C8-97CC-C2D3BD2B37FF}"/>
+                <a16:creationId xmlns:a16="http://schemas.microsoft.com/office/drawing/2014/main" xmlns="" id="{C91F7682-34A6-48C8-97CC-C2D3BD2B37FF}"/>
               </a:ext>
             </a:extLst>
           </p:cNvPr>
@@ -30972,6 +32272,126 @@
           </p:txBody>
         </p:sp>
       </p:grpSp>
+      <p:sp>
+        <p:nvSpPr>
+          <p:cNvPr id="8" name="TextBox 7"/>
+          <p:cNvSpPr txBox="1"/>
+          <p:nvPr/>
+        </p:nvSpPr>
+        <p:spPr>
+          <a:xfrm>
+            <a:off x="2542032" y="4483608"/>
+            <a:ext cx="1018227" cy="253916"/>
+          </a:xfrm>
+          <a:prstGeom prst="rect">
+            <a:avLst/>
+          </a:prstGeom>
+          <a:noFill/>
+        </p:spPr>
+        <p:txBody>
+          <a:bodyPr wrap="none" rtlCol="0">
+            <a:spAutoFit/>
+          </a:bodyPr>
+          <a:lstStyle/>
+          <a:p>
+            <a:r>
+              <a:rPr lang="en-US" sz="1050" dirty="0" smtClean="0"/>
+              <a:t>Training Words</a:t>
+            </a:r>
+            <a:endParaRPr lang="en-US" sz="1050" dirty="0"/>
+          </a:p>
+        </p:txBody>
+      </p:sp>
+      <p:sp>
+        <p:nvSpPr>
+          <p:cNvPr id="23" name="TextBox 22"/>
+          <p:cNvSpPr txBox="1"/>
+          <p:nvPr/>
+        </p:nvSpPr>
+        <p:spPr>
+          <a:xfrm>
+            <a:off x="1505712" y="4483608"/>
+            <a:ext cx="825867" cy="253916"/>
+          </a:xfrm>
+          <a:prstGeom prst="rect">
+            <a:avLst/>
+          </a:prstGeom>
+          <a:noFill/>
+        </p:spPr>
+        <p:txBody>
+          <a:bodyPr wrap="none" rtlCol="0">
+            <a:spAutoFit/>
+          </a:bodyPr>
+          <a:lstStyle/>
+          <a:p>
+            <a:r>
+              <a:rPr lang="en-US" sz="1050" dirty="0" smtClean="0"/>
+              <a:t>New Words</a:t>
+            </a:r>
+            <a:endParaRPr lang="en-US" sz="1050" dirty="0"/>
+          </a:p>
+        </p:txBody>
+      </p:sp>
+      <p:sp>
+        <p:nvSpPr>
+          <p:cNvPr id="24" name="TextBox 23"/>
+          <p:cNvSpPr txBox="1"/>
+          <p:nvPr/>
+        </p:nvSpPr>
+        <p:spPr>
+          <a:xfrm>
+            <a:off x="6790944" y="4434840"/>
+            <a:ext cx="1018227" cy="253916"/>
+          </a:xfrm>
+          <a:prstGeom prst="rect">
+            <a:avLst/>
+          </a:prstGeom>
+          <a:noFill/>
+        </p:spPr>
+        <p:txBody>
+          <a:bodyPr wrap="none" rtlCol="0">
+            <a:spAutoFit/>
+          </a:bodyPr>
+          <a:lstStyle/>
+          <a:p>
+            <a:r>
+              <a:rPr lang="en-US" sz="1050" dirty="0" smtClean="0"/>
+              <a:t>Training Words</a:t>
+            </a:r>
+            <a:endParaRPr lang="en-US" sz="1050" dirty="0"/>
+          </a:p>
+        </p:txBody>
+      </p:sp>
+      <p:sp>
+        <p:nvSpPr>
+          <p:cNvPr id="25" name="TextBox 24"/>
+          <p:cNvSpPr txBox="1"/>
+          <p:nvPr/>
+        </p:nvSpPr>
+        <p:spPr>
+          <a:xfrm>
+            <a:off x="5754624" y="4434840"/>
+            <a:ext cx="825867" cy="253916"/>
+          </a:xfrm>
+          <a:prstGeom prst="rect">
+            <a:avLst/>
+          </a:prstGeom>
+          <a:noFill/>
+        </p:spPr>
+        <p:txBody>
+          <a:bodyPr wrap="none" rtlCol="0">
+            <a:spAutoFit/>
+          </a:bodyPr>
+          <a:lstStyle/>
+          <a:p>
+            <a:r>
+              <a:rPr lang="en-US" sz="1050" dirty="0" smtClean="0"/>
+              <a:t>New Words</a:t>
+            </a:r>
+            <a:endParaRPr lang="en-US" sz="1050" dirty="0"/>
+          </a:p>
+        </p:txBody>
+      </p:sp>
     </p:spTree>
     <p:extLst>
       <p:ext uri="{BB962C8B-B14F-4D97-AF65-F5344CB8AC3E}">
@@ -30982,6 +32402,13 @@
   <p:clrMapOvr>
     <a:masterClrMapping/>
   </p:clrMapOvr>
+  <p:timing>
+    <p:tnLst>
+      <p:par>
+        <p:cTn id="1" dur="indefinite" restart="never" nodeType="tmRoot"/>
+      </p:par>
+    </p:tnLst>
+  </p:timing>
 </p:sld>
 </file>
 
@@ -31007,7 +32434,7 @@
           <p:cNvPr id="2" name="Date Placeholder 1">
             <a:extLst>
               <a:ext uri="{FF2B5EF4-FFF2-40B4-BE49-F238E27FC236}">
-                <a16:creationId xmlns="" xmlns:a16="http://schemas.microsoft.com/office/drawing/2014/main" id="{0ECBCC47-DB97-4E79-BEC2-52CA00A6970C}"/>
+                <a16:creationId xmlns:a16="http://schemas.microsoft.com/office/drawing/2014/main" xmlns="" id="{0ECBCC47-DB97-4E79-BEC2-52CA00A6970C}"/>
               </a:ext>
             </a:extLst>
           </p:cNvPr>
@@ -31025,7 +32452,7 @@
           <a:p>
             <a:fld id="{6700A58B-DD98-43D0-B791-721480A02982}" type="datetime1">
               <a:rPr lang="en-US" smtClean="0"/>
-              <a:t>6/6/2019</a:t>
+              <a:t>6/19/2019</a:t>
             </a:fld>
             <a:endParaRPr lang="en-US"/>
           </a:p>
@@ -31036,7 +32463,7 @@
           <p:cNvPr id="3" name="Title 2">
             <a:extLst>
               <a:ext uri="{FF2B5EF4-FFF2-40B4-BE49-F238E27FC236}">
-                <a16:creationId xmlns="" xmlns:a16="http://schemas.microsoft.com/office/drawing/2014/main" id="{4223978A-F10D-4B6E-A20D-4052DCEA77C6}"/>
+                <a16:creationId xmlns:a16="http://schemas.microsoft.com/office/drawing/2014/main" xmlns="" id="{4223978A-F10D-4B6E-A20D-4052DCEA77C6}"/>
               </a:ext>
             </a:extLst>
           </p:cNvPr>
@@ -31065,7 +32492,7 @@
           <p:cNvPr id="4" name="Footer Placeholder 3">
             <a:extLst>
               <a:ext uri="{FF2B5EF4-FFF2-40B4-BE49-F238E27FC236}">
-                <a16:creationId xmlns="" xmlns:a16="http://schemas.microsoft.com/office/drawing/2014/main" id="{22EFEB34-268C-4FD6-8EC2-2BE9C2455A52}"/>
+                <a16:creationId xmlns:a16="http://schemas.microsoft.com/office/drawing/2014/main" xmlns="" id="{22EFEB34-268C-4FD6-8EC2-2BE9C2455A52}"/>
               </a:ext>
             </a:extLst>
           </p:cNvPr>
@@ -31094,7 +32521,7 @@
           <p:cNvPr id="5" name="Slide Number Placeholder 4">
             <a:extLst>
               <a:ext uri="{FF2B5EF4-FFF2-40B4-BE49-F238E27FC236}">
-                <a16:creationId xmlns="" xmlns:a16="http://schemas.microsoft.com/office/drawing/2014/main" id="{A5E57934-964E-4CD1-A843-57326C5D2EDD}"/>
+                <a16:creationId xmlns:a16="http://schemas.microsoft.com/office/drawing/2014/main" xmlns="" id="{A5E57934-964E-4CD1-A843-57326C5D2EDD}"/>
               </a:ext>
             </a:extLst>
           </p:cNvPr>
@@ -31371,7 +32798,7 @@
           <p:cNvPr id="2" name="Date Placeholder 1">
             <a:extLst>
               <a:ext uri="{FF2B5EF4-FFF2-40B4-BE49-F238E27FC236}">
-                <a16:creationId xmlns="" xmlns:a16="http://schemas.microsoft.com/office/drawing/2014/main" id="{0ECBCC47-DB97-4E79-BEC2-52CA00A6970C}"/>
+                <a16:creationId xmlns:a16="http://schemas.microsoft.com/office/drawing/2014/main" xmlns="" id="{0ECBCC47-DB97-4E79-BEC2-52CA00A6970C}"/>
               </a:ext>
             </a:extLst>
           </p:cNvPr>
@@ -31389,7 +32816,7 @@
           <a:p>
             <a:fld id="{6700A58B-DD98-43D0-B791-721480A02982}" type="datetime1">
               <a:rPr lang="en-US" smtClean="0"/>
-              <a:t>6/6/2019</a:t>
+              <a:t>6/19/2019</a:t>
             </a:fld>
             <a:endParaRPr lang="en-US"/>
           </a:p>
@@ -31400,7 +32827,7 @@
           <p:cNvPr id="3" name="Title 2">
             <a:extLst>
               <a:ext uri="{FF2B5EF4-FFF2-40B4-BE49-F238E27FC236}">
-                <a16:creationId xmlns="" xmlns:a16="http://schemas.microsoft.com/office/drawing/2014/main" id="{4223978A-F10D-4B6E-A20D-4052DCEA77C6}"/>
+                <a16:creationId xmlns:a16="http://schemas.microsoft.com/office/drawing/2014/main" xmlns="" id="{4223978A-F10D-4B6E-A20D-4052DCEA77C6}"/>
               </a:ext>
             </a:extLst>
           </p:cNvPr>
@@ -31429,7 +32856,7 @@
           <p:cNvPr id="4" name="Footer Placeholder 3">
             <a:extLst>
               <a:ext uri="{FF2B5EF4-FFF2-40B4-BE49-F238E27FC236}">
-                <a16:creationId xmlns="" xmlns:a16="http://schemas.microsoft.com/office/drawing/2014/main" id="{22EFEB34-268C-4FD6-8EC2-2BE9C2455A52}"/>
+                <a16:creationId xmlns:a16="http://schemas.microsoft.com/office/drawing/2014/main" xmlns="" id="{22EFEB34-268C-4FD6-8EC2-2BE9C2455A52}"/>
               </a:ext>
             </a:extLst>
           </p:cNvPr>
@@ -31458,7 +32885,7 @@
           <p:cNvPr id="5" name="Slide Number Placeholder 4">
             <a:extLst>
               <a:ext uri="{FF2B5EF4-FFF2-40B4-BE49-F238E27FC236}">
-                <a16:creationId xmlns="" xmlns:a16="http://schemas.microsoft.com/office/drawing/2014/main" id="{A5E57934-964E-4CD1-A843-57326C5D2EDD}"/>
+                <a16:creationId xmlns:a16="http://schemas.microsoft.com/office/drawing/2014/main" xmlns="" id="{A5E57934-964E-4CD1-A843-57326C5D2EDD}"/>
               </a:ext>
             </a:extLst>
           </p:cNvPr>
@@ -32570,7 +33997,7 @@
           <p:cNvPr id="2" name="Date Placeholder 1">
             <a:extLst>
               <a:ext uri="{FF2B5EF4-FFF2-40B4-BE49-F238E27FC236}">
-                <a16:creationId xmlns="" xmlns:a16="http://schemas.microsoft.com/office/drawing/2014/main" id="{0ECBCC47-DB97-4E79-BEC2-52CA00A6970C}"/>
+                <a16:creationId xmlns:a16="http://schemas.microsoft.com/office/drawing/2014/main" xmlns="" id="{0ECBCC47-DB97-4E79-BEC2-52CA00A6970C}"/>
               </a:ext>
             </a:extLst>
           </p:cNvPr>
@@ -32588,7 +34015,7 @@
           <a:p>
             <a:fld id="{6700A58B-DD98-43D0-B791-721480A02982}" type="datetime1">
               <a:rPr lang="en-US" smtClean="0"/>
-              <a:t>6/6/2019</a:t>
+              <a:t>6/19/2019</a:t>
             </a:fld>
             <a:endParaRPr lang="en-US"/>
           </a:p>
@@ -32599,7 +34026,7 @@
           <p:cNvPr id="3" name="Title 2">
             <a:extLst>
               <a:ext uri="{FF2B5EF4-FFF2-40B4-BE49-F238E27FC236}">
-                <a16:creationId xmlns="" xmlns:a16="http://schemas.microsoft.com/office/drawing/2014/main" id="{4223978A-F10D-4B6E-A20D-4052DCEA77C6}"/>
+                <a16:creationId xmlns:a16="http://schemas.microsoft.com/office/drawing/2014/main" xmlns="" id="{4223978A-F10D-4B6E-A20D-4052DCEA77C6}"/>
               </a:ext>
             </a:extLst>
           </p:cNvPr>
@@ -32628,7 +34055,7 @@
           <p:cNvPr id="4" name="Footer Placeholder 3">
             <a:extLst>
               <a:ext uri="{FF2B5EF4-FFF2-40B4-BE49-F238E27FC236}">
-                <a16:creationId xmlns="" xmlns:a16="http://schemas.microsoft.com/office/drawing/2014/main" id="{22EFEB34-268C-4FD6-8EC2-2BE9C2455A52}"/>
+                <a16:creationId xmlns:a16="http://schemas.microsoft.com/office/drawing/2014/main" xmlns="" id="{22EFEB34-268C-4FD6-8EC2-2BE9C2455A52}"/>
               </a:ext>
             </a:extLst>
           </p:cNvPr>
@@ -32657,7 +34084,7 @@
           <p:cNvPr id="5" name="Slide Number Placeholder 4">
             <a:extLst>
               <a:ext uri="{FF2B5EF4-FFF2-40B4-BE49-F238E27FC236}">
-                <a16:creationId xmlns="" xmlns:a16="http://schemas.microsoft.com/office/drawing/2014/main" id="{A5E57934-964E-4CD1-A843-57326C5D2EDD}"/>
+                <a16:creationId xmlns:a16="http://schemas.microsoft.com/office/drawing/2014/main" xmlns="" id="{A5E57934-964E-4CD1-A843-57326C5D2EDD}"/>
               </a:ext>
             </a:extLst>
           </p:cNvPr>
@@ -32953,8 +34380,8 @@
         </p:nvSpPr>
         <p:spPr>
           <a:xfrm>
-            <a:off x="148406" y="5486614"/>
-            <a:ext cx="5615448" cy="400110"/>
+            <a:off x="130118" y="5194006"/>
+            <a:ext cx="5615448" cy="707886"/>
           </a:xfrm>
           <a:prstGeom prst="rect">
             <a:avLst/>
@@ -32969,7 +34396,17 @@
           <a:p>
             <a:r>
               <a:rPr lang="en-US" sz="2000" dirty="0" smtClean="0"/>
-              <a:t>False Positive Rate = </a:t>
+              <a:t>Specificity</a:t>
+            </a:r>
+          </a:p>
+          <a:p>
+            <a:r>
+              <a:rPr lang="en-US" sz="2000" dirty="0" smtClean="0"/>
+              <a:t>False </a:t>
+            </a:r>
+            <a:r>
+              <a:rPr lang="en-US" sz="2000" dirty="0" smtClean="0"/>
+              <a:t>Positive Rate = </a:t>
             </a:r>
             <a:r>
               <a:rPr lang="en-US" sz="2000" dirty="0" err="1" smtClean="0"/>
@@ -33216,7 +34653,7 @@
           <p:cNvPr id="2" name="Date Placeholder 1">
             <a:extLst>
               <a:ext uri="{FF2B5EF4-FFF2-40B4-BE49-F238E27FC236}">
-                <a16:creationId xmlns="" xmlns:a16="http://schemas.microsoft.com/office/drawing/2014/main" id="{0ECBCC47-DB97-4E79-BEC2-52CA00A6970C}"/>
+                <a16:creationId xmlns:a16="http://schemas.microsoft.com/office/drawing/2014/main" xmlns="" id="{0ECBCC47-DB97-4E79-BEC2-52CA00A6970C}"/>
               </a:ext>
             </a:extLst>
           </p:cNvPr>
@@ -33234,7 +34671,7 @@
           <a:p>
             <a:fld id="{6700A58B-DD98-43D0-B791-721480A02982}" type="datetime1">
               <a:rPr lang="en-US" smtClean="0"/>
-              <a:t>6/6/2019</a:t>
+              <a:t>6/19/2019</a:t>
             </a:fld>
             <a:endParaRPr lang="en-US"/>
           </a:p>
@@ -33245,7 +34682,7 @@
           <p:cNvPr id="3" name="Title 2">
             <a:extLst>
               <a:ext uri="{FF2B5EF4-FFF2-40B4-BE49-F238E27FC236}">
-                <a16:creationId xmlns="" xmlns:a16="http://schemas.microsoft.com/office/drawing/2014/main" id="{4223978A-F10D-4B6E-A20D-4052DCEA77C6}"/>
+                <a16:creationId xmlns:a16="http://schemas.microsoft.com/office/drawing/2014/main" xmlns="" id="{4223978A-F10D-4B6E-A20D-4052DCEA77C6}"/>
               </a:ext>
             </a:extLst>
           </p:cNvPr>
@@ -33274,7 +34711,7 @@
           <p:cNvPr id="4" name="Footer Placeholder 3">
             <a:extLst>
               <a:ext uri="{FF2B5EF4-FFF2-40B4-BE49-F238E27FC236}">
-                <a16:creationId xmlns="" xmlns:a16="http://schemas.microsoft.com/office/drawing/2014/main" id="{22EFEB34-268C-4FD6-8EC2-2BE9C2455A52}"/>
+                <a16:creationId xmlns:a16="http://schemas.microsoft.com/office/drawing/2014/main" xmlns="" id="{22EFEB34-268C-4FD6-8EC2-2BE9C2455A52}"/>
               </a:ext>
             </a:extLst>
           </p:cNvPr>
@@ -33303,7 +34740,7 @@
           <p:cNvPr id="5" name="Slide Number Placeholder 4">
             <a:extLst>
               <a:ext uri="{FF2B5EF4-FFF2-40B4-BE49-F238E27FC236}">
-                <a16:creationId xmlns="" xmlns:a16="http://schemas.microsoft.com/office/drawing/2014/main" id="{A5E57934-964E-4CD1-A843-57326C5D2EDD}"/>
+                <a16:creationId xmlns:a16="http://schemas.microsoft.com/office/drawing/2014/main" xmlns="" id="{A5E57934-964E-4CD1-A843-57326C5D2EDD}"/>
               </a:ext>
             </a:extLst>
           </p:cNvPr>
@@ -33336,10 +34773,10 @@
         </p:nvGrpSpPr>
         <p:grpSpPr>
           <a:xfrm>
-            <a:off x="5114334" y="2468880"/>
-            <a:ext cx="3389586" cy="2550861"/>
-            <a:chOff x="725214" y="3108960"/>
-            <a:chExt cx="3389586" cy="2550861"/>
+            <a:off x="5114334" y="2377440"/>
+            <a:ext cx="3389586" cy="2642301"/>
+            <a:chOff x="725214" y="3017520"/>
+            <a:chExt cx="3389586" cy="2642301"/>
           </a:xfrm>
         </p:grpSpPr>
         <p:cxnSp>
@@ -33350,8 +34787,8 @@
           </p:nvCxnSpPr>
           <p:spPr>
             <a:xfrm>
-              <a:off x="740979" y="3108960"/>
-              <a:ext cx="0" cy="2519330"/>
+              <a:off x="740979" y="3017520"/>
+              <a:ext cx="0" cy="2610770"/>
             </a:xfrm>
             <a:prstGeom prst="line">
               <a:avLst/>
@@ -34526,6 +35963,150 @@
           </a:fontRef>
         </p:style>
       </p:cxnSp>
+      <p:sp>
+        <p:nvSpPr>
+          <p:cNvPr id="8" name="TextBox 7"/>
+          <p:cNvSpPr txBox="1"/>
+          <p:nvPr/>
+        </p:nvSpPr>
+        <p:spPr>
+          <a:xfrm>
+            <a:off x="2487168" y="5907024"/>
+            <a:ext cx="1912831" cy="276999"/>
+          </a:xfrm>
+          <a:prstGeom prst="rect">
+            <a:avLst/>
+          </a:prstGeom>
+          <a:noFill/>
+        </p:spPr>
+        <p:txBody>
+          <a:bodyPr wrap="none" rtlCol="0">
+            <a:spAutoFit/>
+          </a:bodyPr>
+          <a:lstStyle/>
+          <a:p>
+            <a:r>
+              <a:rPr lang="en-US" sz="1200" dirty="0" smtClean="0">
+                <a:solidFill>
+                  <a:srgbClr val="FFC000"/>
+                </a:solidFill>
+              </a:rPr>
+              <a:t>Highly Sensitive not specific</a:t>
+            </a:r>
+            <a:endParaRPr lang="en-US" sz="1200" dirty="0">
+              <a:solidFill>
+                <a:srgbClr val="FFC000"/>
+              </a:solidFill>
+            </a:endParaRPr>
+          </a:p>
+        </p:txBody>
+      </p:sp>
+      <p:sp>
+        <p:nvSpPr>
+          <p:cNvPr id="37" name="TextBox 36"/>
+          <p:cNvSpPr txBox="1"/>
+          <p:nvPr/>
+        </p:nvSpPr>
+        <p:spPr>
+          <a:xfrm>
+            <a:off x="2511552" y="4029456"/>
+            <a:ext cx="1669175" cy="276999"/>
+          </a:xfrm>
+          <a:prstGeom prst="rect">
+            <a:avLst/>
+          </a:prstGeom>
+          <a:noFill/>
+        </p:spPr>
+        <p:txBody>
+          <a:bodyPr wrap="none" rtlCol="0">
+            <a:spAutoFit/>
+          </a:bodyPr>
+          <a:lstStyle/>
+          <a:p>
+            <a:r>
+              <a:rPr lang="en-US" sz="1200" dirty="0" smtClean="0">
+                <a:solidFill>
+                  <a:srgbClr val="FFC000"/>
+                </a:solidFill>
+              </a:rPr>
+              <a:t>Not sensitive or specific</a:t>
+            </a:r>
+            <a:endParaRPr lang="en-US" sz="1200" dirty="0">
+              <a:solidFill>
+                <a:srgbClr val="FFC000"/>
+              </a:solidFill>
+            </a:endParaRPr>
+          </a:p>
+        </p:txBody>
+      </p:sp>
+      <p:sp>
+        <p:nvSpPr>
+          <p:cNvPr id="12" name="TextBox 11"/>
+          <p:cNvSpPr txBox="1"/>
+          <p:nvPr/>
+        </p:nvSpPr>
+        <p:spPr>
+          <a:xfrm>
+            <a:off x="7223760" y="5321808"/>
+            <a:ext cx="1282723" cy="276999"/>
+          </a:xfrm>
+          <a:prstGeom prst="rect">
+            <a:avLst/>
+          </a:prstGeom>
+          <a:noFill/>
+        </p:spPr>
+        <p:txBody>
+          <a:bodyPr wrap="none" rtlCol="0">
+            <a:spAutoFit/>
+          </a:bodyPr>
+          <a:lstStyle/>
+          <a:p>
+            <a:r>
+              <a:rPr lang="en-US" sz="1200" i="1" dirty="0" smtClean="0"/>
+              <a:t>*not proportional</a:t>
+            </a:r>
+            <a:endParaRPr lang="en-US" sz="1200" i="1" dirty="0"/>
+          </a:p>
+        </p:txBody>
+      </p:sp>
+      <p:sp>
+        <p:nvSpPr>
+          <p:cNvPr id="38" name="TextBox 37"/>
+          <p:cNvSpPr txBox="1"/>
+          <p:nvPr/>
+        </p:nvSpPr>
+        <p:spPr>
+          <a:xfrm>
+            <a:off x="2554224" y="2261616"/>
+            <a:ext cx="2434193" cy="276999"/>
+          </a:xfrm>
+          <a:prstGeom prst="rect">
+            <a:avLst/>
+          </a:prstGeom>
+          <a:noFill/>
+        </p:spPr>
+        <p:txBody>
+          <a:bodyPr wrap="none" rtlCol="0">
+            <a:spAutoFit/>
+          </a:bodyPr>
+          <a:lstStyle/>
+          <a:p>
+            <a:r>
+              <a:rPr lang="en-US" sz="1200" dirty="0" smtClean="0">
+                <a:solidFill>
+                  <a:srgbClr val="FFC000"/>
+                </a:solidFill>
+              </a:rPr>
+              <a:t>More balanced, optimizing accuracy</a:t>
+            </a:r>
+            <a:endParaRPr lang="en-US" sz="1200" dirty="0">
+              <a:solidFill>
+                <a:srgbClr val="FFC000"/>
+              </a:solidFill>
+            </a:endParaRPr>
+          </a:p>
+        </p:txBody>
+      </p:sp>
     </p:spTree>
     <p:extLst>
       <p:ext uri="{BB962C8B-B14F-4D97-AF65-F5344CB8AC3E}">
@@ -34561,7 +36142,7 @@
           <p:cNvPr id="2" name="Date Placeholder 1">
             <a:extLst>
               <a:ext uri="{FF2B5EF4-FFF2-40B4-BE49-F238E27FC236}">
-                <a16:creationId xmlns="" xmlns:a16="http://schemas.microsoft.com/office/drawing/2014/main" id="{0ECBCC47-DB97-4E79-BEC2-52CA00A6970C}"/>
+                <a16:creationId xmlns:a16="http://schemas.microsoft.com/office/drawing/2014/main" xmlns="" id="{0ECBCC47-DB97-4E79-BEC2-52CA00A6970C}"/>
               </a:ext>
             </a:extLst>
           </p:cNvPr>
@@ -34579,7 +36160,7 @@
           <a:p>
             <a:fld id="{6700A58B-DD98-43D0-B791-721480A02982}" type="datetime1">
               <a:rPr lang="en-US" smtClean="0"/>
-              <a:t>6/6/2019</a:t>
+              <a:t>6/19/2019</a:t>
             </a:fld>
             <a:endParaRPr lang="en-US"/>
           </a:p>
@@ -34590,7 +36171,7 @@
           <p:cNvPr id="3" name="Title 2">
             <a:extLst>
               <a:ext uri="{FF2B5EF4-FFF2-40B4-BE49-F238E27FC236}">
-                <a16:creationId xmlns="" xmlns:a16="http://schemas.microsoft.com/office/drawing/2014/main" id="{4223978A-F10D-4B6E-A20D-4052DCEA77C6}"/>
+                <a16:creationId xmlns:a16="http://schemas.microsoft.com/office/drawing/2014/main" xmlns="" id="{4223978A-F10D-4B6E-A20D-4052DCEA77C6}"/>
               </a:ext>
             </a:extLst>
           </p:cNvPr>
@@ -34619,7 +36200,7 @@
           <p:cNvPr id="4" name="Footer Placeholder 3">
             <a:extLst>
               <a:ext uri="{FF2B5EF4-FFF2-40B4-BE49-F238E27FC236}">
-                <a16:creationId xmlns="" xmlns:a16="http://schemas.microsoft.com/office/drawing/2014/main" id="{22EFEB34-268C-4FD6-8EC2-2BE9C2455A52}"/>
+                <a16:creationId xmlns:a16="http://schemas.microsoft.com/office/drawing/2014/main" xmlns="" id="{22EFEB34-268C-4FD6-8EC2-2BE9C2455A52}"/>
               </a:ext>
             </a:extLst>
           </p:cNvPr>
@@ -34648,7 +36229,7 @@
           <p:cNvPr id="5" name="Slide Number Placeholder 4">
             <a:extLst>
               <a:ext uri="{FF2B5EF4-FFF2-40B4-BE49-F238E27FC236}">
-                <a16:creationId xmlns="" xmlns:a16="http://schemas.microsoft.com/office/drawing/2014/main" id="{A5E57934-964E-4CD1-A843-57326C5D2EDD}"/>
+                <a16:creationId xmlns:a16="http://schemas.microsoft.com/office/drawing/2014/main" xmlns="" id="{A5E57934-964E-4CD1-A843-57326C5D2EDD}"/>
               </a:ext>
             </a:extLst>
           </p:cNvPr>
@@ -35311,7 +36892,11 @@
             <a:pPr algn="ctr"/>
             <a:r>
               <a:rPr lang="en-US" sz="1600" dirty="0" smtClean="0"/>
-              <a:t>In binary classification the AUC (area under the curve) is a KPI based on the ROC</a:t>
+              <a:t>In binary classification the AUC (area under the curve) is </a:t>
+            </a:r>
+            <a:r>
+              <a:rPr lang="en-US" sz="1600" dirty="0" smtClean="0"/>
+              <a:t>a KPI</a:t>
             </a:r>
             <a:endParaRPr lang="en-US" sz="1600" dirty="0"/>
           </a:p>
@@ -35352,7 +36937,7 @@
           <p:cNvPr id="2" name="Date Placeholder 1">
             <a:extLst>
               <a:ext uri="{FF2B5EF4-FFF2-40B4-BE49-F238E27FC236}">
-                <a16:creationId xmlns="" xmlns:a16="http://schemas.microsoft.com/office/drawing/2014/main" id="{ECC9EAEF-AC39-4F46-A876-835A218CE916}"/>
+                <a16:creationId xmlns:a16="http://schemas.microsoft.com/office/drawing/2014/main" xmlns="" id="{ECC9EAEF-AC39-4F46-A876-835A218CE916}"/>
               </a:ext>
             </a:extLst>
           </p:cNvPr>
@@ -35370,7 +36955,7 @@
           <a:p>
             <a:fld id="{6700A58B-DD98-43D0-B791-721480A02982}" type="datetime1">
               <a:rPr lang="en-US" smtClean="0"/>
-              <a:t>6/6/2019</a:t>
+              <a:t>6/19/2019</a:t>
             </a:fld>
             <a:endParaRPr lang="en-US"/>
           </a:p>
@@ -35381,7 +36966,7 @@
           <p:cNvPr id="3" name="Title 2">
             <a:extLst>
               <a:ext uri="{FF2B5EF4-FFF2-40B4-BE49-F238E27FC236}">
-                <a16:creationId xmlns="" xmlns:a16="http://schemas.microsoft.com/office/drawing/2014/main" id="{C68D9455-329F-447E-98A3-DD3FB11137D9}"/>
+                <a16:creationId xmlns:a16="http://schemas.microsoft.com/office/drawing/2014/main" xmlns="" id="{C68D9455-329F-447E-98A3-DD3FB11137D9}"/>
               </a:ext>
             </a:extLst>
           </p:cNvPr>
@@ -35410,7 +36995,7 @@
           <p:cNvPr id="4" name="Footer Placeholder 3">
             <a:extLst>
               <a:ext uri="{FF2B5EF4-FFF2-40B4-BE49-F238E27FC236}">
-                <a16:creationId xmlns="" xmlns:a16="http://schemas.microsoft.com/office/drawing/2014/main" id="{AAF96DF4-DEB8-4A32-97BF-72315D909EE9}"/>
+                <a16:creationId xmlns:a16="http://schemas.microsoft.com/office/drawing/2014/main" xmlns="" id="{AAF96DF4-DEB8-4A32-97BF-72315D909EE9}"/>
               </a:ext>
             </a:extLst>
           </p:cNvPr>
@@ -35439,7 +37024,7 @@
           <p:cNvPr id="5" name="Slide Number Placeholder 4">
             <a:extLst>
               <a:ext uri="{FF2B5EF4-FFF2-40B4-BE49-F238E27FC236}">
-                <a16:creationId xmlns="" xmlns:a16="http://schemas.microsoft.com/office/drawing/2014/main" id="{296BF0B2-5E54-4380-8ECC-7D4A0500B1D2}"/>
+                <a16:creationId xmlns:a16="http://schemas.microsoft.com/office/drawing/2014/main" xmlns="" id="{296BF0B2-5E54-4380-8ECC-7D4A0500B1D2}"/>
               </a:ext>
             </a:extLst>
           </p:cNvPr>
@@ -35469,7 +37054,7 @@
           <p:cNvPr id="5122" name="Picture 2" descr="Image result for hospital  meme">
             <a:extLst>
               <a:ext uri="{FF2B5EF4-FFF2-40B4-BE49-F238E27FC236}">
-                <a16:creationId xmlns="" xmlns:a16="http://schemas.microsoft.com/office/drawing/2014/main" id="{51CC7F37-F786-4DE2-91E8-A86E347DECCD}"/>
+                <a16:creationId xmlns:a16="http://schemas.microsoft.com/office/drawing/2014/main" xmlns="" id="{51CC7F37-F786-4DE2-91E8-A86E347DECCD}"/>
               </a:ext>
             </a:extLst>
           </p:cNvPr>
@@ -35580,7 +37165,7 @@
           <a:p>
             <a:fld id="{6700A58B-DD98-43D0-B791-721480A02982}" type="datetime1">
               <a:rPr lang="en-US" smtClean="0"/>
-              <a:t>6/6/2019</a:t>
+              <a:t>6/19/2019</a:t>
             </a:fld>
             <a:endParaRPr lang="en-US"/>
           </a:p>
@@ -35714,7 +37299,7 @@
           <p:cNvPr id="5" name="Date Placeholder 3">
             <a:extLst>
               <a:ext uri="{FF2B5EF4-FFF2-40B4-BE49-F238E27FC236}">
-                <a16:creationId xmlns="" xmlns:a16="http://schemas.microsoft.com/office/drawing/2014/main" id="{8FCA8A2A-BA2A-4F59-BDF1-B1C7549B9048}"/>
+                <a16:creationId xmlns:a16="http://schemas.microsoft.com/office/drawing/2014/main" xmlns="" id="{8FCA8A2A-BA2A-4F59-BDF1-B1C7549B9048}"/>
               </a:ext>
             </a:extLst>
           </p:cNvPr>
@@ -35733,7 +37318,7 @@
             <a:fld id="{D753EFC8-4232-4598-94F6-94C0EBAFC469}" type="datetime1">
               <a:rPr lang="en-US" smtClean="0"/>
               <a:pPr/>
-              <a:t>6/6/2019</a:t>
+              <a:t>6/19/2019</a:t>
             </a:fld>
             <a:endParaRPr lang="en-US"/>
           </a:p>
@@ -35744,7 +37329,7 @@
           <p:cNvPr id="7" name="Footer Placeholder 5">
             <a:extLst>
               <a:ext uri="{FF2B5EF4-FFF2-40B4-BE49-F238E27FC236}">
-                <a16:creationId xmlns="" xmlns:a16="http://schemas.microsoft.com/office/drawing/2014/main" id="{CC81D18C-4058-4039-896D-D0DA6CD70C88}"/>
+                <a16:creationId xmlns:a16="http://schemas.microsoft.com/office/drawing/2014/main" xmlns="" id="{CC81D18C-4058-4039-896D-D0DA6CD70C88}"/>
               </a:ext>
             </a:extLst>
           </p:cNvPr>
@@ -35773,7 +37358,7 @@
           <p:cNvPr id="6" name="Slide Number Placeholder 4">
             <a:extLst>
               <a:ext uri="{FF2B5EF4-FFF2-40B4-BE49-F238E27FC236}">
-                <a16:creationId xmlns="" xmlns:a16="http://schemas.microsoft.com/office/drawing/2014/main" id="{67524C8B-E040-46C3-90CB-4F7DAB9FD551}"/>
+                <a16:creationId xmlns:a16="http://schemas.microsoft.com/office/drawing/2014/main" xmlns="" id="{67524C8B-E040-46C3-90CB-4F7DAB9FD551}"/>
               </a:ext>
             </a:extLst>
           </p:cNvPr>
@@ -36424,7 +38009,7 @@
           <p:cNvPr id="29" name="Content Placeholder 2">
             <a:extLst>
               <a:ext uri="{FF2B5EF4-FFF2-40B4-BE49-F238E27FC236}">
-                <a16:creationId xmlns="" xmlns:a16="http://schemas.microsoft.com/office/drawing/2014/main" id="{BF20F4D9-27DA-46A0-A9CB-0BBE713D0B9C}"/>
+                <a16:creationId xmlns:a16="http://schemas.microsoft.com/office/drawing/2014/main" xmlns="" id="{BF20F4D9-27DA-46A0-A9CB-0BBE713D0B9C}"/>
               </a:ext>
             </a:extLst>
           </p:cNvPr>
@@ -36677,7 +38262,7 @@
           <a:p>
             <a:fld id="{6700A58B-DD98-43D0-B791-721480A02982}" type="datetime1">
               <a:rPr lang="en-US" smtClean="0"/>
-              <a:t>6/6/2019</a:t>
+              <a:t>6/19/2019</a:t>
             </a:fld>
             <a:endParaRPr lang="en-US"/>
           </a:p>
@@ -36841,7 +38426,7 @@
           <a:p>
             <a:fld id="{6700A58B-DD98-43D0-B791-721480A02982}" type="datetime1">
               <a:rPr lang="en-US" smtClean="0"/>
-              <a:t>6/6/2019</a:t>
+              <a:t>6/19/2019</a:t>
             </a:fld>
             <a:endParaRPr lang="en-US"/>
           </a:p>
@@ -36980,7 +38565,7 @@
         <p:spPr>
           <a:xfrm>
             <a:off x="268007" y="3389586"/>
-            <a:ext cx="8671034" cy="2308324"/>
+            <a:ext cx="8671034" cy="2031325"/>
           </a:xfrm>
           <a:prstGeom prst="rect">
             <a:avLst/>
@@ -37040,7 +38625,15 @@
             </a:pPr>
             <a:r>
               <a:rPr lang="en-US" dirty="0" smtClean="0"/>
-              <a:t>30 multiple choice ~ 2pts </a:t>
+              <a:t>30 multiple choice </a:t>
+            </a:r>
+            <a:r>
+              <a:rPr lang="en-US" dirty="0" smtClean="0"/>
+              <a:t>; </a:t>
+            </a:r>
+            <a:r>
+              <a:rPr lang="en-US" dirty="0" smtClean="0"/>
+              <a:t>2pts </a:t>
             </a:r>
             <a:r>
               <a:rPr lang="en-US" dirty="0" err="1" smtClean="0"/>
@@ -37058,7 +38651,11 @@
             </a:pPr>
             <a:r>
               <a:rPr lang="en-US" dirty="0" smtClean="0"/>
-              <a:t>4 short response (1-2 sentences)  ~ 5pts </a:t>
+              <a:t>4 short response (1-2 sentences</a:t>
+            </a:r>
+            <a:r>
+              <a:rPr lang="en-US" dirty="0" smtClean="0"/>
+              <a:t>);  5pts </a:t>
             </a:r>
             <a:r>
               <a:rPr lang="en-US" dirty="0" err="1" smtClean="0"/>
@@ -37075,16 +38672,24 @@
               <a:buChar char="•"/>
             </a:pPr>
             <a:r>
+              <a:rPr lang="en-US" dirty="0"/>
+              <a:t>1</a:t>
+            </a:r>
+            <a:r>
               <a:rPr lang="en-US" dirty="0" smtClean="0"/>
-              <a:t>2 Code review sections (code is done, you explain steps being taken) ~ 10pts </a:t>
-            </a:r>
-            <a:r>
-              <a:rPr lang="en-US" dirty="0" err="1" smtClean="0"/>
-              <a:t>ea</a:t>
+              <a:t> </a:t>
             </a:r>
             <a:r>
               <a:rPr lang="en-US" dirty="0" smtClean="0"/>
-              <a:t> = 20pts</a:t>
+              <a:t>Code review sections (code is done, you explain steps being taken) </a:t>
+            </a:r>
+            <a:r>
+              <a:rPr lang="en-US" dirty="0" smtClean="0"/>
+              <a:t>= </a:t>
+            </a:r>
+            <a:r>
+              <a:rPr lang="en-US" dirty="0" smtClean="0"/>
+              <a:t>20pts</a:t>
             </a:r>
             <a:endParaRPr lang="en-US" dirty="0"/>
           </a:p>
@@ -37181,7 +38786,7 @@
           <p:cNvPr id="5" name="Date Placeholder 3">
             <a:extLst>
               <a:ext uri="{FF2B5EF4-FFF2-40B4-BE49-F238E27FC236}">
-                <a16:creationId xmlns="" xmlns:a16="http://schemas.microsoft.com/office/drawing/2014/main" id="{8FCA8A2A-BA2A-4F59-BDF1-B1C7549B9048}"/>
+                <a16:creationId xmlns:a16="http://schemas.microsoft.com/office/drawing/2014/main" xmlns="" id="{8FCA8A2A-BA2A-4F59-BDF1-B1C7549B9048}"/>
               </a:ext>
             </a:extLst>
           </p:cNvPr>
@@ -37200,7 +38805,7 @@
             <a:fld id="{D753EFC8-4232-4598-94F6-94C0EBAFC469}" type="datetime1">
               <a:rPr lang="en-US" smtClean="0"/>
               <a:pPr/>
-              <a:t>6/6/2019</a:t>
+              <a:t>6/19/2019</a:t>
             </a:fld>
             <a:endParaRPr lang="en-US"/>
           </a:p>
@@ -37211,7 +38816,7 @@
           <p:cNvPr id="7" name="Footer Placeholder 5">
             <a:extLst>
               <a:ext uri="{FF2B5EF4-FFF2-40B4-BE49-F238E27FC236}">
-                <a16:creationId xmlns="" xmlns:a16="http://schemas.microsoft.com/office/drawing/2014/main" id="{CC81D18C-4058-4039-896D-D0DA6CD70C88}"/>
+                <a16:creationId xmlns:a16="http://schemas.microsoft.com/office/drawing/2014/main" xmlns="" id="{CC81D18C-4058-4039-896D-D0DA6CD70C88}"/>
               </a:ext>
             </a:extLst>
           </p:cNvPr>
@@ -37240,7 +38845,7 @@
           <p:cNvPr id="6" name="Slide Number Placeholder 4">
             <a:extLst>
               <a:ext uri="{FF2B5EF4-FFF2-40B4-BE49-F238E27FC236}">
-                <a16:creationId xmlns="" xmlns:a16="http://schemas.microsoft.com/office/drawing/2014/main" id="{67524C8B-E040-46C3-90CB-4F7DAB9FD551}"/>
+                <a16:creationId xmlns:a16="http://schemas.microsoft.com/office/drawing/2014/main" xmlns="" id="{67524C8B-E040-46C3-90CB-4F7DAB9FD551}"/>
               </a:ext>
             </a:extLst>
           </p:cNvPr>
@@ -37921,7 +39526,7 @@
           <p:cNvPr id="29" name="Content Placeholder 2">
             <a:extLst>
               <a:ext uri="{FF2B5EF4-FFF2-40B4-BE49-F238E27FC236}">
-                <a16:creationId xmlns="" xmlns:a16="http://schemas.microsoft.com/office/drawing/2014/main" id="{BF20F4D9-27DA-46A0-A9CB-0BBE713D0B9C}"/>
+                <a16:creationId xmlns:a16="http://schemas.microsoft.com/office/drawing/2014/main" xmlns="" id="{BF20F4D9-27DA-46A0-A9CB-0BBE713D0B9C}"/>
               </a:ext>
             </a:extLst>
           </p:cNvPr>
@@ -38218,7 +39823,7 @@
           <p:cNvPr id="5" name="Date Placeholder 3">
             <a:extLst>
               <a:ext uri="{FF2B5EF4-FFF2-40B4-BE49-F238E27FC236}">
-                <a16:creationId xmlns="" xmlns:a16="http://schemas.microsoft.com/office/drawing/2014/main" id="{8FCA8A2A-BA2A-4F59-BDF1-B1C7549B9048}"/>
+                <a16:creationId xmlns:a16="http://schemas.microsoft.com/office/drawing/2014/main" xmlns="" id="{8FCA8A2A-BA2A-4F59-BDF1-B1C7549B9048}"/>
               </a:ext>
             </a:extLst>
           </p:cNvPr>
@@ -38237,7 +39842,7 @@
             <a:fld id="{D753EFC8-4232-4598-94F6-94C0EBAFC469}" type="datetime1">
               <a:rPr lang="en-US" smtClean="0"/>
               <a:pPr/>
-              <a:t>6/6/2019</a:t>
+              <a:t>6/19/2019</a:t>
             </a:fld>
             <a:endParaRPr lang="en-US"/>
           </a:p>
@@ -38248,7 +39853,7 @@
           <p:cNvPr id="7" name="Footer Placeholder 5">
             <a:extLst>
               <a:ext uri="{FF2B5EF4-FFF2-40B4-BE49-F238E27FC236}">
-                <a16:creationId xmlns="" xmlns:a16="http://schemas.microsoft.com/office/drawing/2014/main" id="{CC81D18C-4058-4039-896D-D0DA6CD70C88}"/>
+                <a16:creationId xmlns:a16="http://schemas.microsoft.com/office/drawing/2014/main" xmlns="" id="{CC81D18C-4058-4039-896D-D0DA6CD70C88}"/>
               </a:ext>
             </a:extLst>
           </p:cNvPr>
@@ -38277,7 +39882,7 @@
           <p:cNvPr id="6" name="Slide Number Placeholder 4">
             <a:extLst>
               <a:ext uri="{FF2B5EF4-FFF2-40B4-BE49-F238E27FC236}">
-                <a16:creationId xmlns="" xmlns:a16="http://schemas.microsoft.com/office/drawing/2014/main" id="{67524C8B-E040-46C3-90CB-4F7DAB9FD551}"/>
+                <a16:creationId xmlns:a16="http://schemas.microsoft.com/office/drawing/2014/main" xmlns="" id="{67524C8B-E040-46C3-90CB-4F7DAB9FD551}"/>
               </a:ext>
             </a:extLst>
           </p:cNvPr>
@@ -39021,7 +40626,7 @@
           <p:cNvPr id="29" name="Content Placeholder 2">
             <a:extLst>
               <a:ext uri="{FF2B5EF4-FFF2-40B4-BE49-F238E27FC236}">
-                <a16:creationId xmlns="" xmlns:a16="http://schemas.microsoft.com/office/drawing/2014/main" id="{BF20F4D9-27DA-46A0-A9CB-0BBE713D0B9C}"/>
+                <a16:creationId xmlns:a16="http://schemas.microsoft.com/office/drawing/2014/main" xmlns="" id="{BF20F4D9-27DA-46A0-A9CB-0BBE713D0B9C}"/>
               </a:ext>
             </a:extLst>
           </p:cNvPr>
@@ -39318,7 +40923,7 @@
           <p:cNvPr id="5" name="Date Placeholder 3">
             <a:extLst>
               <a:ext uri="{FF2B5EF4-FFF2-40B4-BE49-F238E27FC236}">
-                <a16:creationId xmlns="" xmlns:a16="http://schemas.microsoft.com/office/drawing/2014/main" id="{8FCA8A2A-BA2A-4F59-BDF1-B1C7549B9048}"/>
+                <a16:creationId xmlns:a16="http://schemas.microsoft.com/office/drawing/2014/main" xmlns="" id="{8FCA8A2A-BA2A-4F59-BDF1-B1C7549B9048}"/>
               </a:ext>
             </a:extLst>
           </p:cNvPr>
@@ -39337,7 +40942,7 @@
             <a:fld id="{D753EFC8-4232-4598-94F6-94C0EBAFC469}" type="datetime1">
               <a:rPr lang="en-US" smtClean="0"/>
               <a:pPr/>
-              <a:t>6/6/2019</a:t>
+              <a:t>6/19/2019</a:t>
             </a:fld>
             <a:endParaRPr lang="en-US"/>
           </a:p>
@@ -39348,7 +40953,7 @@
           <p:cNvPr id="7" name="Footer Placeholder 5">
             <a:extLst>
               <a:ext uri="{FF2B5EF4-FFF2-40B4-BE49-F238E27FC236}">
-                <a16:creationId xmlns="" xmlns:a16="http://schemas.microsoft.com/office/drawing/2014/main" id="{CC81D18C-4058-4039-896D-D0DA6CD70C88}"/>
+                <a16:creationId xmlns:a16="http://schemas.microsoft.com/office/drawing/2014/main" xmlns="" id="{CC81D18C-4058-4039-896D-D0DA6CD70C88}"/>
               </a:ext>
             </a:extLst>
           </p:cNvPr>
@@ -39377,7 +40982,7 @@
           <p:cNvPr id="6" name="Slide Number Placeholder 4">
             <a:extLst>
               <a:ext uri="{FF2B5EF4-FFF2-40B4-BE49-F238E27FC236}">
-                <a16:creationId xmlns="" xmlns:a16="http://schemas.microsoft.com/office/drawing/2014/main" id="{67524C8B-E040-46C3-90CB-4F7DAB9FD551}"/>
+                <a16:creationId xmlns:a16="http://schemas.microsoft.com/office/drawing/2014/main" xmlns="" id="{67524C8B-E040-46C3-90CB-4F7DAB9FD551}"/>
               </a:ext>
             </a:extLst>
           </p:cNvPr>
@@ -40154,7 +41759,7 @@
           <p:cNvPr id="29" name="Content Placeholder 2">
             <a:extLst>
               <a:ext uri="{FF2B5EF4-FFF2-40B4-BE49-F238E27FC236}">
-                <a16:creationId xmlns="" xmlns:a16="http://schemas.microsoft.com/office/drawing/2014/main" id="{BF20F4D9-27DA-46A0-A9CB-0BBE713D0B9C}"/>
+                <a16:creationId xmlns:a16="http://schemas.microsoft.com/office/drawing/2014/main" xmlns="" id="{BF20F4D9-27DA-46A0-A9CB-0BBE713D0B9C}"/>
               </a:ext>
             </a:extLst>
           </p:cNvPr>
@@ -40395,7 +42000,7 @@
           <p:cNvPr id="32" name="Date Placeholder 4">
             <a:extLst>
               <a:ext uri="{FF2B5EF4-FFF2-40B4-BE49-F238E27FC236}">
-                <a16:creationId xmlns="" xmlns:a16="http://schemas.microsoft.com/office/drawing/2014/main" id="{85B66C39-0CE5-450D-9865-91A8C3D24864}"/>
+                <a16:creationId xmlns:a16="http://schemas.microsoft.com/office/drawing/2014/main" xmlns="" id="{85B66C39-0CE5-450D-9865-91A8C3D24864}"/>
               </a:ext>
             </a:extLst>
           </p:cNvPr>
@@ -40414,7 +42019,7 @@
             <a:fld id="{9B19E99B-5349-415A-8E56-8E989211A366}" type="datetime1">
               <a:rPr lang="en-US" smtClean="0"/>
               <a:pPr/>
-              <a:t>6/6/2019</a:t>
+              <a:t>6/19/2019</a:t>
             </a:fld>
             <a:endParaRPr lang="en-US"/>
           </a:p>
@@ -40451,7 +42056,7 @@
           <p:cNvPr id="33" name="Footer Placeholder 5">
             <a:extLst>
               <a:ext uri="{FF2B5EF4-FFF2-40B4-BE49-F238E27FC236}">
-                <a16:creationId xmlns="" xmlns:a16="http://schemas.microsoft.com/office/drawing/2014/main" id="{34025AF9-D517-4374-858B-15C7F77DA078}"/>
+                <a16:creationId xmlns:a16="http://schemas.microsoft.com/office/drawing/2014/main" xmlns="" id="{34025AF9-D517-4374-858B-15C7F77DA078}"/>
               </a:ext>
             </a:extLst>
           </p:cNvPr>
@@ -40480,7 +42085,7 @@
           <p:cNvPr id="34" name="Slide Number Placeholder 6">
             <a:extLst>
               <a:ext uri="{FF2B5EF4-FFF2-40B4-BE49-F238E27FC236}">
-                <a16:creationId xmlns="" xmlns:a16="http://schemas.microsoft.com/office/drawing/2014/main" id="{49EBAA47-39C6-4528-94CE-7B820D1C7E6B}"/>
+                <a16:creationId xmlns:a16="http://schemas.microsoft.com/office/drawing/2014/main" xmlns="" id="{49EBAA47-39C6-4528-94CE-7B820D1C7E6B}"/>
               </a:ext>
             </a:extLst>
           </p:cNvPr>

--- a/D_Thursday/GSERM_Thursday_ElasticNet.pptx
+++ b/D_Thursday/GSERM_Thursday_ElasticNet.pptx
@@ -1231,18 +1231,18 @@
     </dgm:pt>
   </dgm:ptLst>
   <dgm:cxnLst>
+    <dgm:cxn modelId="{D0447430-E18B-473F-9087-B013AEE0E78A}" type="presOf" srcId="{76C31FE6-5829-4489-A402-945C32DE4741}" destId="{8EFE59FE-7F14-4698-9B8A-BE834E15010C}" srcOrd="0" destOrd="0" presId="urn:microsoft.com/office/officeart/2008/layout/RadialCluster"/>
+    <dgm:cxn modelId="{A7002C5F-88B1-4ACC-8329-9D655579EE97}" srcId="{1465EBEA-1279-4717-BD27-C7EE495077BF}" destId="{8E297FBB-70E8-484D-ADDA-349C5C5EC0DA}" srcOrd="0" destOrd="0" parTransId="{23DED236-7B76-43EA-AFA6-B4812BAB3BCB}" sibTransId="{B9E7B344-52DB-41A9-AAEF-106B6B018EB2}"/>
+    <dgm:cxn modelId="{69AC3E77-ABAE-45D3-84D5-F50844D5597C}" srcId="{8E297FBB-70E8-484D-ADDA-349C5C5EC0DA}" destId="{F0C3C22E-A72F-42E3-A5D8-EAA1324E493B}" srcOrd="0" destOrd="0" parTransId="{49654E44-832B-48D8-8A88-7432BEEA0E73}" sibTransId="{4B9BB6FB-1477-4FDE-A007-2D1D941AEBFD}"/>
+    <dgm:cxn modelId="{26E6FA02-9B15-4A58-94D1-3CB65B58C195}" srcId="{8E297FBB-70E8-484D-ADDA-349C5C5EC0DA}" destId="{F315DE48-E7DC-4B9D-AA90-BEEB45CC9F8B}" srcOrd="2" destOrd="0" parTransId="{6DE10D35-E2C0-4531-B887-4F26096BB81C}" sibTransId="{4453BA22-6599-45AB-8D06-B14386241D2E}"/>
+    <dgm:cxn modelId="{EBF33CBE-17BB-4239-85E4-990CC6B9B202}" type="presOf" srcId="{1465EBEA-1279-4717-BD27-C7EE495077BF}" destId="{A5FC397E-4FE7-4D3A-AB2C-094C077EECF4}" srcOrd="0" destOrd="0" presId="urn:microsoft.com/office/officeart/2008/layout/RadialCluster"/>
+    <dgm:cxn modelId="{C29415E2-9021-4BD8-9D56-9D9659A59193}" type="presOf" srcId="{49654E44-832B-48D8-8A88-7432BEEA0E73}" destId="{266CC23F-8EE7-4220-A778-40047914545C}" srcOrd="0" destOrd="0" presId="urn:microsoft.com/office/officeart/2008/layout/RadialCluster"/>
     <dgm:cxn modelId="{4C0C4893-76A7-413C-A1E4-D6DA7F0ACC7D}" type="presOf" srcId="{59C22A17-0850-49C4-8783-ED057382F21E}" destId="{C61EB7C8-4F12-44FC-8F53-5AADCCEF3A7B}" srcOrd="0" destOrd="0" presId="urn:microsoft.com/office/officeart/2008/layout/RadialCluster"/>
     <dgm:cxn modelId="{EAB95AC5-33EC-4191-823A-8FDF69FC2220}" type="presOf" srcId="{6DE10D35-E2C0-4531-B887-4F26096BB81C}" destId="{7365E4B8-67AF-4B74-B4DC-BE28DDEAAE6F}" srcOrd="0" destOrd="0" presId="urn:microsoft.com/office/officeart/2008/layout/RadialCluster"/>
-    <dgm:cxn modelId="{A7002C5F-88B1-4ACC-8329-9D655579EE97}" srcId="{1465EBEA-1279-4717-BD27-C7EE495077BF}" destId="{8E297FBB-70E8-484D-ADDA-349C5C5EC0DA}" srcOrd="0" destOrd="0" parTransId="{23DED236-7B76-43EA-AFA6-B4812BAB3BCB}" sibTransId="{B9E7B344-52DB-41A9-AAEF-106B6B018EB2}"/>
     <dgm:cxn modelId="{72FA942B-9893-486D-8C58-9313F146ED56}" type="presOf" srcId="{8E297FBB-70E8-484D-ADDA-349C5C5EC0DA}" destId="{999BCBA0-BD09-4951-8BEA-D7F0F8386C69}" srcOrd="0" destOrd="0" presId="urn:microsoft.com/office/officeart/2008/layout/RadialCluster"/>
+    <dgm:cxn modelId="{2F432543-80D3-497D-A9EB-2FAF5BB3BCF1}" srcId="{8E297FBB-70E8-484D-ADDA-349C5C5EC0DA}" destId="{76C31FE6-5829-4489-A402-945C32DE4741}" srcOrd="1" destOrd="0" parTransId="{59C22A17-0850-49C4-8783-ED057382F21E}" sibTransId="{F2B9525B-0B5E-4B84-A400-C71062C12E54}"/>
     <dgm:cxn modelId="{6DF40F96-250F-4D3C-8A46-52C9DAAF41A6}" type="presOf" srcId="{F0C3C22E-A72F-42E3-A5D8-EAA1324E493B}" destId="{27261355-E33A-4B4A-B454-3F0124F10E10}" srcOrd="0" destOrd="0" presId="urn:microsoft.com/office/officeart/2008/layout/RadialCluster"/>
-    <dgm:cxn modelId="{2F432543-80D3-497D-A9EB-2FAF5BB3BCF1}" srcId="{8E297FBB-70E8-484D-ADDA-349C5C5EC0DA}" destId="{76C31FE6-5829-4489-A402-945C32DE4741}" srcOrd="1" destOrd="0" parTransId="{59C22A17-0850-49C4-8783-ED057382F21E}" sibTransId="{F2B9525B-0B5E-4B84-A400-C71062C12E54}"/>
-    <dgm:cxn modelId="{69AC3E77-ABAE-45D3-84D5-F50844D5597C}" srcId="{8E297FBB-70E8-484D-ADDA-349C5C5EC0DA}" destId="{F0C3C22E-A72F-42E3-A5D8-EAA1324E493B}" srcOrd="0" destOrd="0" parTransId="{49654E44-832B-48D8-8A88-7432BEEA0E73}" sibTransId="{4B9BB6FB-1477-4FDE-A007-2D1D941AEBFD}"/>
-    <dgm:cxn modelId="{D0447430-E18B-473F-9087-B013AEE0E78A}" type="presOf" srcId="{76C31FE6-5829-4489-A402-945C32DE4741}" destId="{8EFE59FE-7F14-4698-9B8A-BE834E15010C}" srcOrd="0" destOrd="0" presId="urn:microsoft.com/office/officeart/2008/layout/RadialCluster"/>
     <dgm:cxn modelId="{D5622825-0DB4-48EA-AEB5-BCFA2E942A6E}" type="presOf" srcId="{F315DE48-E7DC-4B9D-AA90-BEEB45CC9F8B}" destId="{795AE095-0DDB-495C-B54B-B3F2F1A07408}" srcOrd="0" destOrd="0" presId="urn:microsoft.com/office/officeart/2008/layout/RadialCluster"/>
-    <dgm:cxn modelId="{EBF33CBE-17BB-4239-85E4-990CC6B9B202}" type="presOf" srcId="{1465EBEA-1279-4717-BD27-C7EE495077BF}" destId="{A5FC397E-4FE7-4D3A-AB2C-094C077EECF4}" srcOrd="0" destOrd="0" presId="urn:microsoft.com/office/officeart/2008/layout/RadialCluster"/>
-    <dgm:cxn modelId="{26E6FA02-9B15-4A58-94D1-3CB65B58C195}" srcId="{8E297FBB-70E8-484D-ADDA-349C5C5EC0DA}" destId="{F315DE48-E7DC-4B9D-AA90-BEEB45CC9F8B}" srcOrd="2" destOrd="0" parTransId="{6DE10D35-E2C0-4531-B887-4F26096BB81C}" sibTransId="{4453BA22-6599-45AB-8D06-B14386241D2E}"/>
-    <dgm:cxn modelId="{C29415E2-9021-4BD8-9D56-9D9659A59193}" type="presOf" srcId="{49654E44-832B-48D8-8A88-7432BEEA0E73}" destId="{266CC23F-8EE7-4220-A778-40047914545C}" srcOrd="0" destOrd="0" presId="urn:microsoft.com/office/officeart/2008/layout/RadialCluster"/>
     <dgm:cxn modelId="{8E748920-5F9C-40B9-A725-24CB01F8D230}" type="presParOf" srcId="{A5FC397E-4FE7-4D3A-AB2C-094C077EECF4}" destId="{1A9081B5-F627-460B-B42D-CA1BBAC2009F}" srcOrd="0" destOrd="0" presId="urn:microsoft.com/office/officeart/2008/layout/RadialCluster"/>
     <dgm:cxn modelId="{A4881FDB-E024-4F0D-B153-A3A8CB63E71F}" type="presParOf" srcId="{1A9081B5-F627-460B-B42D-CA1BBAC2009F}" destId="{999BCBA0-BD09-4951-8BEA-D7F0F8386C69}" srcOrd="0" destOrd="0" presId="urn:microsoft.com/office/officeart/2008/layout/RadialCluster"/>
     <dgm:cxn modelId="{715DA0BF-6C85-417D-B0C1-6F21BA85770D}" type="presParOf" srcId="{1A9081B5-F627-460B-B42D-CA1BBAC2009F}" destId="{266CC23F-8EE7-4220-A778-40047914545C}" srcOrd="1" destOrd="0" presId="urn:microsoft.com/office/officeart/2008/layout/RadialCluster"/>
@@ -5942,7 +5942,7 @@
           <a:p>
             <a:fld id="{B0C0A60C-850A-4EA4-9C14-A8FE98B94505}" type="datetimeFigureOut">
               <a:rPr lang="en-US" smtClean="0"/>
-              <a:t>6/19/2019</a:t>
+              <a:t>8/29/2019</a:t>
             </a:fld>
             <a:endParaRPr lang="en-US"/>
           </a:p>
@@ -8528,7 +8528,7 @@
           <a:p>
             <a:fld id="{5738B90E-0779-4C36-915C-6F05FCD89456}" type="datetime1">
               <a:rPr lang="en-US" smtClean="0"/>
-              <a:t>6/19/2019</a:t>
+              <a:t>8/29/2019</a:t>
             </a:fld>
             <a:endParaRPr lang="en-US"/>
           </a:p>
@@ -8725,7 +8725,7 @@
           <a:p>
             <a:fld id="{7B9EA29D-D431-42FE-B7B6-AAE4454C77D3}" type="datetime1">
               <a:rPr lang="en-US" smtClean="0"/>
-              <a:t>6/19/2019</a:t>
+              <a:t>8/29/2019</a:t>
             </a:fld>
             <a:endParaRPr lang="en-US"/>
           </a:p>
@@ -9080,7 +9080,7 @@
           <a:p>
             <a:fld id="{690D8A1E-EA8F-46C1-B891-AE0C00D9C314}" type="datetime1">
               <a:rPr lang="en-US" smtClean="0"/>
-              <a:t>6/19/2019</a:t>
+              <a:t>8/29/2019</a:t>
             </a:fld>
             <a:endParaRPr lang="en-US"/>
           </a:p>
@@ -9388,7 +9388,7 @@
           <a:p>
             <a:fld id="{D753EFC8-4232-4598-94F6-94C0EBAFC469}" type="datetime1">
               <a:rPr lang="en-US" smtClean="0"/>
-              <a:t>6/19/2019</a:t>
+              <a:t>8/29/2019</a:t>
             </a:fld>
             <a:endParaRPr lang="en-US"/>
           </a:p>
@@ -9717,7 +9717,7 @@
           <a:p>
             <a:fld id="{F3161074-1C18-4AE7-957D-F18524378C85}" type="datetime1">
               <a:rPr lang="en-US" smtClean="0"/>
-              <a:t>6/19/2019</a:t>
+              <a:t>8/29/2019</a:t>
             </a:fld>
             <a:endParaRPr lang="en-US"/>
           </a:p>
@@ -9970,7 +9970,7 @@
           <a:p>
             <a:fld id="{69BE256C-8D9A-4404-B47D-41A1AE514425}" type="datetime1">
               <a:rPr lang="en-US" smtClean="0"/>
-              <a:t>6/19/2019</a:t>
+              <a:t>8/29/2019</a:t>
             </a:fld>
             <a:endParaRPr lang="en-US"/>
           </a:p>
@@ -10418,7 +10418,7 @@
           <a:p>
             <a:fld id="{66CB2154-9035-4012-8189-BAAB61C5A5EE}" type="datetime1">
               <a:rPr lang="en-US" smtClean="0"/>
-              <a:t>6/19/2019</a:t>
+              <a:t>8/29/2019</a:t>
             </a:fld>
             <a:endParaRPr lang="en-US"/>
           </a:p>
@@ -10606,7 +10606,7 @@
           <a:p>
             <a:fld id="{6700A58B-DD98-43D0-B791-721480A02982}" type="datetime1">
               <a:rPr lang="en-US" smtClean="0"/>
-              <a:t>6/19/2019</a:t>
+              <a:t>8/29/2019</a:t>
             </a:fld>
             <a:endParaRPr lang="en-US"/>
           </a:p>
@@ -10812,7 +10812,7 @@
           <a:p>
             <a:fld id="{7DB6E382-4F61-4E24-BE1A-377EC83D0E3A}" type="datetime1">
               <a:rPr lang="en-US" smtClean="0"/>
-              <a:t>6/19/2019</a:t>
+              <a:t>8/29/2019</a:t>
             </a:fld>
             <a:endParaRPr lang="en-US"/>
           </a:p>
@@ -11218,7 +11218,7 @@
           <a:p>
             <a:fld id="{4142EED6-FC16-45B9-B8C4-2BC5DBA88325}" type="datetime1">
               <a:rPr lang="en-US" smtClean="0"/>
-              <a:t>6/19/2019</a:t>
+              <a:t>8/29/2019</a:t>
             </a:fld>
             <a:endParaRPr lang="en-US"/>
           </a:p>
@@ -11550,7 +11550,7 @@
           <a:p>
             <a:fld id="{DF59512B-4F1D-43D7-8819-2F53FEF69650}" type="datetime1">
               <a:rPr lang="en-US" smtClean="0"/>
-              <a:t>6/19/2019</a:t>
+              <a:t>8/29/2019</a:t>
             </a:fld>
             <a:endParaRPr lang="en-US"/>
           </a:p>
@@ -11840,7 +11840,7 @@
           <a:p>
             <a:fld id="{08437B94-E2BF-44DC-ADC5-B05FC9934E9D}" type="datetime1">
               <a:rPr lang="en-US" smtClean="0"/>
-              <a:t>6/19/2019</a:t>
+              <a:t>8/29/2019</a:t>
             </a:fld>
             <a:endParaRPr lang="en-US"/>
           </a:p>
@@ -12341,16 +12341,13 @@
           <a:lstStyle/>
           <a:p>
             <a:r>
-              <a:rPr lang="en-US"/>
-              <a:t>June 20, 2019</a:t>
-            </a:r>
-          </a:p>
-          <a:p>
-            <a:r>
-              <a:rPr lang="en-US"/>
-              <a:t> Ted Kwartler</a:t>
-            </a:r>
-            <a:endParaRPr lang="en-US" dirty="0"/>
+              <a:rPr lang="en-US" dirty="0" smtClean="0"/>
+              <a:t>Ted </a:t>
+            </a:r>
+            <a:r>
+              <a:rPr lang="en-US" dirty="0"/>
+              <a:t>Kwartler</a:t>
+            </a:r>
           </a:p>
         </p:txBody>
       </p:sp>
@@ -12372,7 +12369,7 @@
             <a:fld id="{5738B90E-0779-4C36-915C-6F05FCD89456}" type="datetime1">
               <a:rPr lang="en-US" smtClean="0"/>
               <a:pPr/>
-              <a:t>6/19/2019</a:t>
+              <a:t>8/29/2019</a:t>
             </a:fld>
             <a:endParaRPr lang="en-US"/>
           </a:p>
@@ -12460,7 +12457,7 @@
           <p:cNvPr id="33" name="Date Placeholder 4">
             <a:extLst>
               <a:ext uri="{FF2B5EF4-FFF2-40B4-BE49-F238E27FC236}">
-                <a16:creationId xmlns:a16="http://schemas.microsoft.com/office/drawing/2014/main" xmlns="" id="{48AD8924-F799-462A-8F21-C03801A5AECE}"/>
+                <a16:creationId xmlns="" xmlns:a16="http://schemas.microsoft.com/office/drawing/2014/main" id="{48AD8924-F799-462A-8F21-C03801A5AECE}"/>
               </a:ext>
             </a:extLst>
           </p:cNvPr>
@@ -12479,7 +12476,7 @@
             <a:fld id="{9B19E99B-5349-415A-8E56-8E989211A366}" type="datetime1">
               <a:rPr lang="en-US" smtClean="0"/>
               <a:pPr/>
-              <a:t>6/19/2019</a:t>
+              <a:t>8/29/2019</a:t>
             </a:fld>
             <a:endParaRPr lang="en-US"/>
           </a:p>
@@ -12512,7 +12509,7 @@
           <p:cNvPr id="34" name="Footer Placeholder 5">
             <a:extLst>
               <a:ext uri="{FF2B5EF4-FFF2-40B4-BE49-F238E27FC236}">
-                <a16:creationId xmlns:a16="http://schemas.microsoft.com/office/drawing/2014/main" xmlns="" id="{B38A4CE5-E84E-4B34-BAB1-8021C5ADF2ED}"/>
+                <a16:creationId xmlns="" xmlns:a16="http://schemas.microsoft.com/office/drawing/2014/main" id="{B38A4CE5-E84E-4B34-BAB1-8021C5ADF2ED}"/>
               </a:ext>
             </a:extLst>
           </p:cNvPr>
@@ -12541,7 +12538,7 @@
           <p:cNvPr id="35" name="Slide Number Placeholder 6">
             <a:extLst>
               <a:ext uri="{FF2B5EF4-FFF2-40B4-BE49-F238E27FC236}">
-                <a16:creationId xmlns:a16="http://schemas.microsoft.com/office/drawing/2014/main" xmlns="" id="{6234B450-33F5-4610-8807-E214E859A0F2}"/>
+                <a16:creationId xmlns="" xmlns:a16="http://schemas.microsoft.com/office/drawing/2014/main" id="{6234B450-33F5-4610-8807-E214E859A0F2}"/>
               </a:ext>
             </a:extLst>
           </p:cNvPr>
@@ -14160,7 +14157,7 @@
           <p:cNvPr id="35" name="Date Placeholder 4">
             <a:extLst>
               <a:ext uri="{FF2B5EF4-FFF2-40B4-BE49-F238E27FC236}">
-                <a16:creationId xmlns:a16="http://schemas.microsoft.com/office/drawing/2014/main" xmlns="" id="{FD08C2AC-0E28-4A96-AA74-5306E7FF307D}"/>
+                <a16:creationId xmlns="" xmlns:a16="http://schemas.microsoft.com/office/drawing/2014/main" id="{FD08C2AC-0E28-4A96-AA74-5306E7FF307D}"/>
               </a:ext>
             </a:extLst>
           </p:cNvPr>
@@ -14179,7 +14176,7 @@
             <a:fld id="{9B19E99B-5349-415A-8E56-8E989211A366}" type="datetime1">
               <a:rPr lang="en-US" smtClean="0"/>
               <a:pPr/>
-              <a:t>6/19/2019</a:t>
+              <a:t>8/29/2019</a:t>
             </a:fld>
             <a:endParaRPr lang="en-US"/>
           </a:p>
@@ -14212,7 +14209,7 @@
           <p:cNvPr id="36" name="Footer Placeholder 5">
             <a:extLst>
               <a:ext uri="{FF2B5EF4-FFF2-40B4-BE49-F238E27FC236}">
-                <a16:creationId xmlns:a16="http://schemas.microsoft.com/office/drawing/2014/main" xmlns="" id="{7D5631CB-9987-4DB0-821A-02DFE7F692A6}"/>
+                <a16:creationId xmlns="" xmlns:a16="http://schemas.microsoft.com/office/drawing/2014/main" id="{7D5631CB-9987-4DB0-821A-02DFE7F692A6}"/>
               </a:ext>
             </a:extLst>
           </p:cNvPr>
@@ -14241,7 +14238,7 @@
           <p:cNvPr id="37" name="Slide Number Placeholder 6">
             <a:extLst>
               <a:ext uri="{FF2B5EF4-FFF2-40B4-BE49-F238E27FC236}">
-                <a16:creationId xmlns:a16="http://schemas.microsoft.com/office/drawing/2014/main" xmlns="" id="{0A87C1F3-9045-4B4B-B1F4-6F059431F060}"/>
+                <a16:creationId xmlns="" xmlns:a16="http://schemas.microsoft.com/office/drawing/2014/main" id="{0A87C1F3-9045-4B4B-B1F4-6F059431F060}"/>
               </a:ext>
             </a:extLst>
           </p:cNvPr>
@@ -15546,7 +15543,7 @@
           <p:cNvPr id="2" name="Date Placeholder 1">
             <a:extLst>
               <a:ext uri="{FF2B5EF4-FFF2-40B4-BE49-F238E27FC236}">
-                <a16:creationId xmlns:a16="http://schemas.microsoft.com/office/drawing/2014/main" xmlns="" id="{82FC8292-8044-437F-8196-3A4E6FB338A5}"/>
+                <a16:creationId xmlns="" xmlns:a16="http://schemas.microsoft.com/office/drawing/2014/main" id="{82FC8292-8044-437F-8196-3A4E6FB338A5}"/>
               </a:ext>
             </a:extLst>
           </p:cNvPr>
@@ -15564,7 +15561,7 @@
           <a:p>
             <a:fld id="{6700A58B-DD98-43D0-B791-721480A02982}" type="datetime1">
               <a:rPr lang="en-US" smtClean="0"/>
-              <a:t>6/19/2019</a:t>
+              <a:t>8/29/2019</a:t>
             </a:fld>
             <a:endParaRPr lang="en-US"/>
           </a:p>
@@ -15575,7 +15572,7 @@
           <p:cNvPr id="3" name="Title 2">
             <a:extLst>
               <a:ext uri="{FF2B5EF4-FFF2-40B4-BE49-F238E27FC236}">
-                <a16:creationId xmlns:a16="http://schemas.microsoft.com/office/drawing/2014/main" xmlns="" id="{AD9A768F-B0FE-409E-A172-AB83EB956E59}"/>
+                <a16:creationId xmlns="" xmlns:a16="http://schemas.microsoft.com/office/drawing/2014/main" id="{AD9A768F-B0FE-409E-A172-AB83EB956E59}"/>
               </a:ext>
             </a:extLst>
           </p:cNvPr>
@@ -15603,7 +15600,7 @@
           <p:cNvPr id="4" name="Footer Placeholder 3">
             <a:extLst>
               <a:ext uri="{FF2B5EF4-FFF2-40B4-BE49-F238E27FC236}">
-                <a16:creationId xmlns:a16="http://schemas.microsoft.com/office/drawing/2014/main" xmlns="" id="{3C20BC96-3351-4904-A20A-CA87B459B270}"/>
+                <a16:creationId xmlns="" xmlns:a16="http://schemas.microsoft.com/office/drawing/2014/main" id="{3C20BC96-3351-4904-A20A-CA87B459B270}"/>
               </a:ext>
             </a:extLst>
           </p:cNvPr>
@@ -15632,7 +15629,7 @@
           <p:cNvPr id="5" name="Slide Number Placeholder 4">
             <a:extLst>
               <a:ext uri="{FF2B5EF4-FFF2-40B4-BE49-F238E27FC236}">
-                <a16:creationId xmlns:a16="http://schemas.microsoft.com/office/drawing/2014/main" xmlns="" id="{95BA0072-4294-40BF-B8D4-5068C6DB85C0}"/>
+                <a16:creationId xmlns="" xmlns:a16="http://schemas.microsoft.com/office/drawing/2014/main" id="{95BA0072-4294-40BF-B8D4-5068C6DB85C0}"/>
               </a:ext>
             </a:extLst>
           </p:cNvPr>
@@ -15692,7 +15689,7 @@
           <p:cNvPr id="2" name="Date Placeholder 1">
             <a:extLst>
               <a:ext uri="{FF2B5EF4-FFF2-40B4-BE49-F238E27FC236}">
-                <a16:creationId xmlns:a16="http://schemas.microsoft.com/office/drawing/2014/main" xmlns="" id="{C31C84E3-1F3D-4C86-A58B-30722E8E0A8E}"/>
+                <a16:creationId xmlns="" xmlns:a16="http://schemas.microsoft.com/office/drawing/2014/main" id="{C31C84E3-1F3D-4C86-A58B-30722E8E0A8E}"/>
               </a:ext>
             </a:extLst>
           </p:cNvPr>
@@ -15710,7 +15707,7 @@
           <a:p>
             <a:fld id="{6700A58B-DD98-43D0-B791-721480A02982}" type="datetime1">
               <a:rPr lang="en-US" smtClean="0"/>
-              <a:t>6/19/2019</a:t>
+              <a:t>8/29/2019</a:t>
             </a:fld>
             <a:endParaRPr lang="en-US"/>
           </a:p>
@@ -15721,7 +15718,7 @@
           <p:cNvPr id="3" name="Title 2">
             <a:extLst>
               <a:ext uri="{FF2B5EF4-FFF2-40B4-BE49-F238E27FC236}">
-                <a16:creationId xmlns:a16="http://schemas.microsoft.com/office/drawing/2014/main" xmlns="" id="{E468662B-EBAE-4D88-9D66-7D29AC864D3A}"/>
+                <a16:creationId xmlns="" xmlns:a16="http://schemas.microsoft.com/office/drawing/2014/main" id="{E468662B-EBAE-4D88-9D66-7D29AC864D3A}"/>
               </a:ext>
             </a:extLst>
           </p:cNvPr>
@@ -15746,7 +15743,7 @@
           <p:cNvPr id="4" name="Footer Placeholder 3">
             <a:extLst>
               <a:ext uri="{FF2B5EF4-FFF2-40B4-BE49-F238E27FC236}">
-                <a16:creationId xmlns:a16="http://schemas.microsoft.com/office/drawing/2014/main" xmlns="" id="{5ABAC1C3-AD39-412A-BF73-8858DEF08A8A}"/>
+                <a16:creationId xmlns="" xmlns:a16="http://schemas.microsoft.com/office/drawing/2014/main" id="{5ABAC1C3-AD39-412A-BF73-8858DEF08A8A}"/>
               </a:ext>
             </a:extLst>
           </p:cNvPr>
@@ -15775,7 +15772,7 @@
           <p:cNvPr id="5" name="Slide Number Placeholder 4">
             <a:extLst>
               <a:ext uri="{FF2B5EF4-FFF2-40B4-BE49-F238E27FC236}">
-                <a16:creationId xmlns:a16="http://schemas.microsoft.com/office/drawing/2014/main" xmlns="" id="{E043C3B8-CC28-4794-849F-9420A4DC162E}"/>
+                <a16:creationId xmlns="" xmlns:a16="http://schemas.microsoft.com/office/drawing/2014/main" id="{E043C3B8-CC28-4794-849F-9420A4DC162E}"/>
               </a:ext>
             </a:extLst>
           </p:cNvPr>
@@ -15805,7 +15802,7 @@
           <p:cNvPr id="3074" name="Picture 2" descr="Image result for overfitting meme">
             <a:extLst>
               <a:ext uri="{FF2B5EF4-FFF2-40B4-BE49-F238E27FC236}">
-                <a16:creationId xmlns:a16="http://schemas.microsoft.com/office/drawing/2014/main" xmlns="" id="{03CF62D9-8329-41BA-80A4-8051394B4653}"/>
+                <a16:creationId xmlns="" xmlns:a16="http://schemas.microsoft.com/office/drawing/2014/main" id="{03CF62D9-8329-41BA-80A4-8051394B4653}"/>
               </a:ext>
             </a:extLst>
           </p:cNvPr>
@@ -15895,7 +15892,7 @@
             <a:fld id="{6700A58B-DD98-43D0-B791-721480A02982}" type="datetime1">
               <a:rPr lang="en-US" smtClean="0"/>
               <a:pPr/>
-              <a:t>6/19/2019</a:t>
+              <a:t>8/29/2019</a:t>
             </a:fld>
             <a:endParaRPr lang="en-US"/>
           </a:p>
@@ -16255,7 +16252,7 @@
             <a:fld id="{6700A58B-DD98-43D0-B791-721480A02982}" type="datetime1">
               <a:rPr lang="en-US" smtClean="0"/>
               <a:pPr/>
-              <a:t>6/19/2019</a:t>
+              <a:t>8/29/2019</a:t>
             </a:fld>
             <a:endParaRPr lang="en-US"/>
           </a:p>
@@ -16693,7 +16690,7 @@
             <a:fld id="{6700A58B-DD98-43D0-B791-721480A02982}" type="datetime1">
               <a:rPr lang="en-US" smtClean="0"/>
               <a:pPr/>
-              <a:t>6/19/2019</a:t>
+              <a:t>8/29/2019</a:t>
             </a:fld>
             <a:endParaRPr lang="en-US"/>
           </a:p>
@@ -17937,7 +17934,7 @@
           <p:cNvPr id="14" name="Date Placeholder 4">
             <a:extLst>
               <a:ext uri="{FF2B5EF4-FFF2-40B4-BE49-F238E27FC236}">
-                <a16:creationId xmlns:a16="http://schemas.microsoft.com/office/drawing/2014/main" xmlns="" id="{63BE0015-3669-4B61-838B-4CD1B6B729E3}"/>
+                <a16:creationId xmlns="" xmlns:a16="http://schemas.microsoft.com/office/drawing/2014/main" id="{63BE0015-3669-4B61-838B-4CD1B6B729E3}"/>
               </a:ext>
             </a:extLst>
           </p:cNvPr>
@@ -17956,7 +17953,7 @@
             <a:fld id="{9B19E99B-5349-415A-8E56-8E989211A366}" type="datetime1">
               <a:rPr lang="en-US" smtClean="0"/>
               <a:pPr/>
-              <a:t>6/19/2019</a:t>
+              <a:t>8/29/2019</a:t>
             </a:fld>
             <a:endParaRPr lang="en-US"/>
           </a:p>
@@ -17967,7 +17964,7 @@
           <p:cNvPr id="15" name="Footer Placeholder 5">
             <a:extLst>
               <a:ext uri="{FF2B5EF4-FFF2-40B4-BE49-F238E27FC236}">
-                <a16:creationId xmlns:a16="http://schemas.microsoft.com/office/drawing/2014/main" xmlns="" id="{25041F19-D13B-42E7-BAA8-42A5CD27169D}"/>
+                <a16:creationId xmlns="" xmlns:a16="http://schemas.microsoft.com/office/drawing/2014/main" id="{25041F19-D13B-42E7-BAA8-42A5CD27169D}"/>
               </a:ext>
             </a:extLst>
           </p:cNvPr>
@@ -17996,7 +17993,7 @@
           <p:cNvPr id="16" name="Slide Number Placeholder 6">
             <a:extLst>
               <a:ext uri="{FF2B5EF4-FFF2-40B4-BE49-F238E27FC236}">
-                <a16:creationId xmlns:a16="http://schemas.microsoft.com/office/drawing/2014/main" xmlns="" id="{57FD63EC-965B-4FC7-B0F9-A4AECBAF08D6}"/>
+                <a16:creationId xmlns="" xmlns:a16="http://schemas.microsoft.com/office/drawing/2014/main" id="{57FD63EC-965B-4FC7-B0F9-A4AECBAF08D6}"/>
               </a:ext>
             </a:extLst>
           </p:cNvPr>
@@ -18422,7 +18419,7 @@
             <a:fld id="{6700A58B-DD98-43D0-B791-721480A02982}" type="datetime1">
               <a:rPr lang="en-US" smtClean="0"/>
               <a:pPr/>
-              <a:t>6/19/2019</a:t>
+              <a:t>8/29/2019</a:t>
             </a:fld>
             <a:endParaRPr lang="en-US"/>
           </a:p>
@@ -18655,7 +18652,7 @@
             <a:fld id="{6700A58B-DD98-43D0-B791-721480A02982}" type="datetime1">
               <a:rPr lang="en-US" smtClean="0"/>
               <a:pPr/>
-              <a:t>6/19/2019</a:t>
+              <a:t>8/29/2019</a:t>
             </a:fld>
             <a:endParaRPr lang="en-US"/>
           </a:p>
@@ -18840,7 +18837,7 @@
             <p:ph idx="1"/>
             <p:extLst>
               <p:ext uri="{D42A27DB-BD31-4B8C-83A1-F6EECF244321}">
-                <p14:modId xmlns:p14="http://schemas.microsoft.com/office/powerpoint/2010/main" val="4018194724"/>
+                <p14:modId xmlns:p14="http://schemas.microsoft.com/office/powerpoint/2010/main" val="1519847801"/>
               </p:ext>
             </p:extLst>
           </p:nvPr>
@@ -18859,21 +18856,21 @@
                 <a:gridCol w="1238445">
                   <a:extLst>
                     <a:ext uri="{9D8B030D-6E8A-4147-A177-3AD203B41FA5}">
-                      <a16:colId xmlns:a16="http://schemas.microsoft.com/office/drawing/2014/main" xmlns="" val="20000"/>
+                      <a16:colId xmlns="" xmlns:a16="http://schemas.microsoft.com/office/drawing/2014/main" val="20000"/>
                     </a:ext>
                   </a:extLst>
                 </a:gridCol>
                 <a:gridCol w="858274">
                   <a:extLst>
                     <a:ext uri="{9D8B030D-6E8A-4147-A177-3AD203B41FA5}">
-                      <a16:colId xmlns:a16="http://schemas.microsoft.com/office/drawing/2014/main" xmlns="" val="20001"/>
+                      <a16:colId xmlns="" xmlns:a16="http://schemas.microsoft.com/office/drawing/2014/main" val="20001"/>
                     </a:ext>
                   </a:extLst>
                 </a:gridCol>
                 <a:gridCol w="5790787">
                   <a:extLst>
                     <a:ext uri="{9D8B030D-6E8A-4147-A177-3AD203B41FA5}">
-                      <a16:colId xmlns:a16="http://schemas.microsoft.com/office/drawing/2014/main" xmlns="" val="20002"/>
+                      <a16:colId xmlns="" xmlns:a16="http://schemas.microsoft.com/office/drawing/2014/main" val="20002"/>
                     </a:ext>
                   </a:extLst>
                 </a:gridCol>
@@ -19029,27 +19026,7 @@
                           <a:effectLst/>
                           <a:latin typeface="Calibri" panose="020F0502020204030204" pitchFamily="34" charset="0"/>
                         </a:rPr>
-                        <a:t>Thursday- </a:t>
-                      </a:r>
-                      <a:r>
-                        <a:rPr lang="en-US" sz="2400" b="0" i="0" u="none" strike="noStrike" dirty="0">
-                          <a:solidFill>
-                            <a:schemeClr val="bg1"/>
-                          </a:solidFill>
-                          <a:effectLst/>
-                          <a:latin typeface="Calibri" panose="020F0502020204030204" pitchFamily="34" charset="0"/>
-                        </a:rPr>
-                        <a:t>June </a:t>
-                      </a:r>
-                      <a:r>
-                        <a:rPr lang="en-US" sz="2400" b="0" i="0" u="none" strike="noStrike" dirty="0" smtClean="0">
-                          <a:solidFill>
-                            <a:schemeClr val="bg1"/>
-                          </a:solidFill>
-                          <a:effectLst/>
-                          <a:latin typeface="Calibri" panose="020F0502020204030204" pitchFamily="34" charset="0"/>
-                        </a:rPr>
-                        <a:t>20</a:t>
+                        <a:t>Thursday</a:t>
                       </a:r>
                       <a:endParaRPr lang="en-US" sz="2400" b="0" i="0" u="none" strike="noStrike" dirty="0">
                         <a:solidFill>
@@ -19112,7 +19089,7 @@
                 </a:tc>
                 <a:extLst>
                   <a:ext uri="{0D108BD9-81ED-4DB2-BD59-A6C34878D82A}">
-                    <a16:rowId xmlns:a16="http://schemas.microsoft.com/office/drawing/2014/main" xmlns="" val="10000"/>
+                    <a16:rowId xmlns="" xmlns:a16="http://schemas.microsoft.com/office/drawing/2014/main" val="10000"/>
                   </a:ext>
                 </a:extLst>
               </a:tr>
@@ -19209,7 +19186,7 @@
                 </a:tc>
                 <a:extLst>
                   <a:ext uri="{0D108BD9-81ED-4DB2-BD59-A6C34878D82A}">
-                    <a16:rowId xmlns:a16="http://schemas.microsoft.com/office/drawing/2014/main" xmlns="" val="10001"/>
+                    <a16:rowId xmlns="" xmlns:a16="http://schemas.microsoft.com/office/drawing/2014/main" val="10001"/>
                   </a:ext>
                 </a:extLst>
               </a:tr>
@@ -19276,7 +19253,7 @@
                 </a:tc>
                 <a:extLst>
                   <a:ext uri="{0D108BD9-81ED-4DB2-BD59-A6C34878D82A}">
-                    <a16:rowId xmlns:a16="http://schemas.microsoft.com/office/drawing/2014/main" xmlns="" val="10002"/>
+                    <a16:rowId xmlns="" xmlns:a16="http://schemas.microsoft.com/office/drawing/2014/main" val="10002"/>
                   </a:ext>
                 </a:extLst>
               </a:tr>
@@ -19353,7 +19330,7 @@
                 </a:tc>
                 <a:extLst>
                   <a:ext uri="{0D108BD9-81ED-4DB2-BD59-A6C34878D82A}">
-                    <a16:rowId xmlns:a16="http://schemas.microsoft.com/office/drawing/2014/main" xmlns="" val="10003"/>
+                    <a16:rowId xmlns="" xmlns:a16="http://schemas.microsoft.com/office/drawing/2014/main" val="10003"/>
                   </a:ext>
                 </a:extLst>
               </a:tr>
@@ -19434,7 +19411,7 @@
                 </a:tc>
                 <a:extLst>
                   <a:ext uri="{0D108BD9-81ED-4DB2-BD59-A6C34878D82A}">
-                    <a16:rowId xmlns:a16="http://schemas.microsoft.com/office/drawing/2014/main" xmlns="" val="10004"/>
+                    <a16:rowId xmlns="" xmlns:a16="http://schemas.microsoft.com/office/drawing/2014/main" val="10004"/>
                   </a:ext>
                 </a:extLst>
               </a:tr>
@@ -19501,7 +19478,7 @@
                 </a:tc>
                 <a:extLst>
                   <a:ext uri="{0D108BD9-81ED-4DB2-BD59-A6C34878D82A}">
-                    <a16:rowId xmlns:a16="http://schemas.microsoft.com/office/drawing/2014/main" xmlns="" val="10006"/>
+                    <a16:rowId xmlns="" xmlns:a16="http://schemas.microsoft.com/office/drawing/2014/main" val="10006"/>
                   </a:ext>
                 </a:extLst>
               </a:tr>
@@ -19601,7 +19578,7 @@
                 </a:tc>
                 <a:extLst>
                   <a:ext uri="{0D108BD9-81ED-4DB2-BD59-A6C34878D82A}">
-                    <a16:rowId xmlns:a16="http://schemas.microsoft.com/office/drawing/2014/main" xmlns="" val="10007"/>
+                    <a16:rowId xmlns="" xmlns:a16="http://schemas.microsoft.com/office/drawing/2014/main" val="10007"/>
                   </a:ext>
                 </a:extLst>
               </a:tr>
@@ -19675,7 +19652,7 @@
                 </a:tc>
                 <a:extLst>
                   <a:ext uri="{0D108BD9-81ED-4DB2-BD59-A6C34878D82A}">
-                    <a16:rowId xmlns:a16="http://schemas.microsoft.com/office/drawing/2014/main" xmlns="" val="10008"/>
+                    <a16:rowId xmlns="" xmlns:a16="http://schemas.microsoft.com/office/drawing/2014/main" val="10008"/>
                   </a:ext>
                 </a:extLst>
               </a:tr>
@@ -19700,7 +19677,7 @@
           <a:p>
             <a:fld id="{9B19E99B-5349-415A-8E56-8E989211A366}" type="datetime1">
               <a:rPr lang="en-US" smtClean="0"/>
-              <a:t>6/19/2019</a:t>
+              <a:t>8/29/2019</a:t>
             </a:fld>
             <a:endParaRPr lang="en-US"/>
           </a:p>
@@ -19809,7 +19786,7 @@
           <p:cNvPr id="8" name="Date Placeholder 4">
             <a:extLst>
               <a:ext uri="{FF2B5EF4-FFF2-40B4-BE49-F238E27FC236}">
-                <a16:creationId xmlns:a16="http://schemas.microsoft.com/office/drawing/2014/main" xmlns="" id="{426A7D0B-55AC-40B0-AF34-184DF41C8C1A}"/>
+                <a16:creationId xmlns="" xmlns:a16="http://schemas.microsoft.com/office/drawing/2014/main" id="{426A7D0B-55AC-40B0-AF34-184DF41C8C1A}"/>
               </a:ext>
             </a:extLst>
           </p:cNvPr>
@@ -19828,7 +19805,7 @@
             <a:fld id="{9B19E99B-5349-415A-8E56-8E989211A366}" type="datetime1">
               <a:rPr lang="en-US" smtClean="0"/>
               <a:pPr/>
-              <a:t>6/19/2019</a:t>
+              <a:t>8/29/2019</a:t>
             </a:fld>
             <a:endParaRPr lang="en-US"/>
           </a:p>
@@ -19862,7 +19839,7 @@
           <p:cNvPr id="9" name="Footer Placeholder 5">
             <a:extLst>
               <a:ext uri="{FF2B5EF4-FFF2-40B4-BE49-F238E27FC236}">
-                <a16:creationId xmlns:a16="http://schemas.microsoft.com/office/drawing/2014/main" xmlns="" id="{7882EB1D-E4F6-43E0-AE5A-D73ABBA4AB01}"/>
+                <a16:creationId xmlns="" xmlns:a16="http://schemas.microsoft.com/office/drawing/2014/main" id="{7882EB1D-E4F6-43E0-AE5A-D73ABBA4AB01}"/>
               </a:ext>
             </a:extLst>
           </p:cNvPr>
@@ -19891,7 +19868,7 @@
           <p:cNvPr id="10" name="Slide Number Placeholder 6">
             <a:extLst>
               <a:ext uri="{FF2B5EF4-FFF2-40B4-BE49-F238E27FC236}">
-                <a16:creationId xmlns:a16="http://schemas.microsoft.com/office/drawing/2014/main" xmlns="" id="{E4654999-DD13-4EEC-8244-871A0499901E}"/>
+                <a16:creationId xmlns="" xmlns:a16="http://schemas.microsoft.com/office/drawing/2014/main" id="{E4654999-DD13-4EEC-8244-871A0499901E}"/>
               </a:ext>
             </a:extLst>
           </p:cNvPr>
@@ -19997,7 +19974,7 @@
             <a:fld id="{6700A58B-DD98-43D0-B791-721480A02982}" type="datetime1">
               <a:rPr lang="en-US" smtClean="0"/>
               <a:pPr/>
-              <a:t>6/19/2019</a:t>
+              <a:t>8/29/2019</a:t>
             </a:fld>
             <a:endParaRPr lang="en-US"/>
           </a:p>
@@ -20384,7 +20361,7 @@
             <a:fld id="{6700A58B-DD98-43D0-B791-721480A02982}" type="datetime1">
               <a:rPr lang="en-US" smtClean="0"/>
               <a:pPr/>
-              <a:t>6/19/2019</a:t>
+              <a:t>8/29/2019</a:t>
             </a:fld>
             <a:endParaRPr lang="en-US"/>
           </a:p>
@@ -21075,7 +21052,7 @@
             <a:fld id="{6700A58B-DD98-43D0-B791-721480A02982}" type="datetime1">
               <a:rPr lang="en-US" smtClean="0"/>
               <a:pPr/>
-              <a:t>6/19/2019</a:t>
+              <a:t>8/29/2019</a:t>
             </a:fld>
             <a:endParaRPr lang="en-US"/>
           </a:p>
@@ -21306,7 +21283,7 @@
           <p:cNvPr id="2" name="Date Placeholder 1">
             <a:extLst>
               <a:ext uri="{FF2B5EF4-FFF2-40B4-BE49-F238E27FC236}">
-                <a16:creationId xmlns:a16="http://schemas.microsoft.com/office/drawing/2014/main" xmlns="" id="{6AC338A7-2631-4CAB-8FD1-FA2B9EFBDFF3}"/>
+                <a16:creationId xmlns="" xmlns:a16="http://schemas.microsoft.com/office/drawing/2014/main" id="{6AC338A7-2631-4CAB-8FD1-FA2B9EFBDFF3}"/>
               </a:ext>
             </a:extLst>
           </p:cNvPr>
@@ -21324,7 +21301,7 @@
           <a:p>
             <a:fld id="{6700A58B-DD98-43D0-B791-721480A02982}" type="datetime1">
               <a:rPr lang="en-US" smtClean="0"/>
-              <a:t>6/19/2019</a:t>
+              <a:t>8/29/2019</a:t>
             </a:fld>
             <a:endParaRPr lang="en-US"/>
           </a:p>
@@ -21335,7 +21312,7 @@
           <p:cNvPr id="3" name="Title 2">
             <a:extLst>
               <a:ext uri="{FF2B5EF4-FFF2-40B4-BE49-F238E27FC236}">
-                <a16:creationId xmlns:a16="http://schemas.microsoft.com/office/drawing/2014/main" xmlns="" id="{0ED96815-0C83-42CE-AC07-527ACA7FAD64}"/>
+                <a16:creationId xmlns="" xmlns:a16="http://schemas.microsoft.com/office/drawing/2014/main" id="{0ED96815-0C83-42CE-AC07-527ACA7FAD64}"/>
               </a:ext>
             </a:extLst>
           </p:cNvPr>
@@ -21363,7 +21340,7 @@
           <p:cNvPr id="4" name="Footer Placeholder 3">
             <a:extLst>
               <a:ext uri="{FF2B5EF4-FFF2-40B4-BE49-F238E27FC236}">
-                <a16:creationId xmlns:a16="http://schemas.microsoft.com/office/drawing/2014/main" xmlns="" id="{0712987C-E3A6-42DD-AFFF-EB8A2EBC4971}"/>
+                <a16:creationId xmlns="" xmlns:a16="http://schemas.microsoft.com/office/drawing/2014/main" id="{0712987C-E3A6-42DD-AFFF-EB8A2EBC4971}"/>
               </a:ext>
             </a:extLst>
           </p:cNvPr>
@@ -21392,7 +21369,7 @@
           <p:cNvPr id="5" name="Slide Number Placeholder 4">
             <a:extLst>
               <a:ext uri="{FF2B5EF4-FFF2-40B4-BE49-F238E27FC236}">
-                <a16:creationId xmlns:a16="http://schemas.microsoft.com/office/drawing/2014/main" xmlns="" id="{5FAE7633-B0A8-4E26-B238-66B7D58C336F}"/>
+                <a16:creationId xmlns="" xmlns:a16="http://schemas.microsoft.com/office/drawing/2014/main" id="{5FAE7633-B0A8-4E26-B238-66B7D58C336F}"/>
               </a:ext>
             </a:extLst>
           </p:cNvPr>
@@ -21489,7 +21466,7 @@
             <a:fld id="{6700A58B-DD98-43D0-B791-721480A02982}" type="datetime1">
               <a:rPr lang="en-US" smtClean="0"/>
               <a:pPr/>
-              <a:t>6/19/2019</a:t>
+              <a:t>8/29/2019</a:t>
             </a:fld>
             <a:endParaRPr lang="en-US"/>
           </a:p>
@@ -21755,7 +21732,7 @@
             <a:fld id="{6700A58B-DD98-43D0-B791-721480A02982}" type="datetime1">
               <a:rPr lang="en-US" smtClean="0"/>
               <a:pPr/>
-              <a:t>6/19/2019</a:t>
+              <a:t>8/29/2019</a:t>
             </a:fld>
             <a:endParaRPr lang="en-US"/>
           </a:p>
@@ -22021,7 +21998,7 @@
             <a:fld id="{6700A58B-DD98-43D0-B791-721480A02982}" type="datetime1">
               <a:rPr lang="en-US" smtClean="0"/>
               <a:pPr/>
-              <a:t>6/19/2019</a:t>
+              <a:t>8/29/2019</a:t>
             </a:fld>
             <a:endParaRPr lang="en-US"/>
           </a:p>
@@ -22257,7 +22234,7 @@
           <p:cNvPr id="2" name="Date Placeholder 1">
             <a:extLst>
               <a:ext uri="{FF2B5EF4-FFF2-40B4-BE49-F238E27FC236}">
-                <a16:creationId xmlns:a16="http://schemas.microsoft.com/office/drawing/2014/main" xmlns="" id="{6A53CFAE-EEED-446B-A092-4331B16A9A65}"/>
+                <a16:creationId xmlns="" xmlns:a16="http://schemas.microsoft.com/office/drawing/2014/main" id="{6A53CFAE-EEED-446B-A092-4331B16A9A65}"/>
               </a:ext>
             </a:extLst>
           </p:cNvPr>
@@ -22275,7 +22252,7 @@
           <a:p>
             <a:fld id="{6700A58B-DD98-43D0-B791-721480A02982}" type="datetime1">
               <a:rPr lang="en-US" smtClean="0"/>
-              <a:t>6/19/2019</a:t>
+              <a:t>8/29/2019</a:t>
             </a:fld>
             <a:endParaRPr lang="en-US"/>
           </a:p>
@@ -22286,7 +22263,7 @@
           <p:cNvPr id="3" name="Title 2">
             <a:extLst>
               <a:ext uri="{FF2B5EF4-FFF2-40B4-BE49-F238E27FC236}">
-                <a16:creationId xmlns:a16="http://schemas.microsoft.com/office/drawing/2014/main" xmlns="" id="{42CA9E5E-FF6A-479E-BE28-0287B9A66C5B}"/>
+                <a16:creationId xmlns="" xmlns:a16="http://schemas.microsoft.com/office/drawing/2014/main" id="{42CA9E5E-FF6A-479E-BE28-0287B9A66C5B}"/>
               </a:ext>
             </a:extLst>
           </p:cNvPr>
@@ -22327,7 +22304,7 @@
           <p:cNvPr id="4" name="Footer Placeholder 3">
             <a:extLst>
               <a:ext uri="{FF2B5EF4-FFF2-40B4-BE49-F238E27FC236}">
-                <a16:creationId xmlns:a16="http://schemas.microsoft.com/office/drawing/2014/main" xmlns="" id="{C9592735-A0D6-4362-95F6-F32CB9403F38}"/>
+                <a16:creationId xmlns="" xmlns:a16="http://schemas.microsoft.com/office/drawing/2014/main" id="{C9592735-A0D6-4362-95F6-F32CB9403F38}"/>
               </a:ext>
             </a:extLst>
           </p:cNvPr>
@@ -22356,7 +22333,7 @@
           <p:cNvPr id="5" name="Slide Number Placeholder 4">
             <a:extLst>
               <a:ext uri="{FF2B5EF4-FFF2-40B4-BE49-F238E27FC236}">
-                <a16:creationId xmlns:a16="http://schemas.microsoft.com/office/drawing/2014/main" xmlns="" id="{0C1E0AE7-CAC9-47B9-A274-B44A13B541F4}"/>
+                <a16:creationId xmlns="" xmlns:a16="http://schemas.microsoft.com/office/drawing/2014/main" id="{0C1E0AE7-CAC9-47B9-A274-B44A13B541F4}"/>
               </a:ext>
             </a:extLst>
           </p:cNvPr>
@@ -22386,7 +22363,7 @@
           <p:cNvPr id="2050" name="Picture 2" descr="Image result for regression meme">
             <a:extLst>
               <a:ext uri="{FF2B5EF4-FFF2-40B4-BE49-F238E27FC236}">
-                <a16:creationId xmlns:a16="http://schemas.microsoft.com/office/drawing/2014/main" xmlns="" id="{2F1D0213-E5E0-4BFE-84DE-1A11D925540E}"/>
+                <a16:creationId xmlns="" xmlns:a16="http://schemas.microsoft.com/office/drawing/2014/main" id="{2F1D0213-E5E0-4BFE-84DE-1A11D925540E}"/>
               </a:ext>
             </a:extLst>
           </p:cNvPr>
@@ -22485,7 +22462,7 @@
           <p:cNvPr id="27" name="Date Placeholder 4">
             <a:extLst>
               <a:ext uri="{FF2B5EF4-FFF2-40B4-BE49-F238E27FC236}">
-                <a16:creationId xmlns:a16="http://schemas.microsoft.com/office/drawing/2014/main" xmlns="" id="{BF6F864E-EC48-4E08-B7F3-6E907D5C4353}"/>
+                <a16:creationId xmlns="" xmlns:a16="http://schemas.microsoft.com/office/drawing/2014/main" id="{BF6F864E-EC48-4E08-B7F3-6E907D5C4353}"/>
               </a:ext>
             </a:extLst>
           </p:cNvPr>
@@ -22504,7 +22481,7 @@
             <a:fld id="{9B19E99B-5349-415A-8E56-8E989211A366}" type="datetime1">
               <a:rPr lang="en-US" smtClean="0"/>
               <a:pPr/>
-              <a:t>6/19/2019</a:t>
+              <a:t>8/29/2019</a:t>
             </a:fld>
             <a:endParaRPr lang="en-US"/>
           </a:p>
@@ -22515,7 +22492,7 @@
           <p:cNvPr id="28" name="Footer Placeholder 5">
             <a:extLst>
               <a:ext uri="{FF2B5EF4-FFF2-40B4-BE49-F238E27FC236}">
-                <a16:creationId xmlns:a16="http://schemas.microsoft.com/office/drawing/2014/main" xmlns="" id="{A23A7B91-306A-41EF-AC4A-BFA66F36C7D9}"/>
+                <a16:creationId xmlns="" xmlns:a16="http://schemas.microsoft.com/office/drawing/2014/main" id="{A23A7B91-306A-41EF-AC4A-BFA66F36C7D9}"/>
               </a:ext>
             </a:extLst>
           </p:cNvPr>
@@ -22544,7 +22521,7 @@
           <p:cNvPr id="29" name="Slide Number Placeholder 6">
             <a:extLst>
               <a:ext uri="{FF2B5EF4-FFF2-40B4-BE49-F238E27FC236}">
-                <a16:creationId xmlns:a16="http://schemas.microsoft.com/office/drawing/2014/main" xmlns="" id="{7E8E2364-DAEF-4A72-9EA2-853378ECF81A}"/>
+                <a16:creationId xmlns="" xmlns:a16="http://schemas.microsoft.com/office/drawing/2014/main" id="{7E8E2364-DAEF-4A72-9EA2-853378ECF81A}"/>
               </a:ext>
             </a:extLst>
           </p:cNvPr>
@@ -23451,7 +23428,7 @@
             <a:fld id="{6700A58B-DD98-43D0-B791-721480A02982}" type="datetime1">
               <a:rPr lang="en-US" smtClean="0"/>
               <a:pPr/>
-              <a:t>6/19/2019</a:t>
+              <a:t>8/29/2019</a:t>
             </a:fld>
             <a:endParaRPr lang="en-US"/>
           </a:p>
@@ -24662,7 +24639,7 @@
           <p:cNvPr id="8" name="Date Placeholder 4">
             <a:extLst>
               <a:ext uri="{FF2B5EF4-FFF2-40B4-BE49-F238E27FC236}">
-                <a16:creationId xmlns:a16="http://schemas.microsoft.com/office/drawing/2014/main" xmlns="" id="{2A65B911-9982-4A89-9B53-F535584EE6ED}"/>
+                <a16:creationId xmlns="" xmlns:a16="http://schemas.microsoft.com/office/drawing/2014/main" id="{2A65B911-9982-4A89-9B53-F535584EE6ED}"/>
               </a:ext>
             </a:extLst>
           </p:cNvPr>
@@ -24681,7 +24658,7 @@
             <a:fld id="{9B19E99B-5349-415A-8E56-8E989211A366}" type="datetime1">
               <a:rPr lang="en-US" smtClean="0"/>
               <a:pPr/>
-              <a:t>6/19/2019</a:t>
+              <a:t>8/29/2019</a:t>
             </a:fld>
             <a:endParaRPr lang="en-US"/>
           </a:p>
@@ -24715,7 +24692,7 @@
           <p:cNvPr id="9" name="Footer Placeholder 5">
             <a:extLst>
               <a:ext uri="{FF2B5EF4-FFF2-40B4-BE49-F238E27FC236}">
-                <a16:creationId xmlns:a16="http://schemas.microsoft.com/office/drawing/2014/main" xmlns="" id="{A380AF3B-4CCA-4756-901C-4F89996B352B}"/>
+                <a16:creationId xmlns="" xmlns:a16="http://schemas.microsoft.com/office/drawing/2014/main" id="{A380AF3B-4CCA-4756-901C-4F89996B352B}"/>
               </a:ext>
             </a:extLst>
           </p:cNvPr>
@@ -24744,7 +24721,7 @@
           <p:cNvPr id="10" name="Slide Number Placeholder 6">
             <a:extLst>
               <a:ext uri="{FF2B5EF4-FFF2-40B4-BE49-F238E27FC236}">
-                <a16:creationId xmlns:a16="http://schemas.microsoft.com/office/drawing/2014/main" xmlns="" id="{3CA6B3B4-818A-47FC-85CE-C6388340FAE1}"/>
+                <a16:creationId xmlns="" xmlns:a16="http://schemas.microsoft.com/office/drawing/2014/main" id="{3CA6B3B4-818A-47FC-85CE-C6388340FAE1}"/>
               </a:ext>
             </a:extLst>
           </p:cNvPr>
@@ -25086,7 +25063,7 @@
           <p:cNvPr id="11" name="Date Placeholder 4">
             <a:extLst>
               <a:ext uri="{FF2B5EF4-FFF2-40B4-BE49-F238E27FC236}">
-                <a16:creationId xmlns:a16="http://schemas.microsoft.com/office/drawing/2014/main" xmlns="" id="{D4843871-DD57-49EE-8EA2-9C7012BEDA14}"/>
+                <a16:creationId xmlns="" xmlns:a16="http://schemas.microsoft.com/office/drawing/2014/main" id="{D4843871-DD57-49EE-8EA2-9C7012BEDA14}"/>
               </a:ext>
             </a:extLst>
           </p:cNvPr>
@@ -25105,7 +25082,7 @@
             <a:fld id="{9B19E99B-5349-415A-8E56-8E989211A366}" type="datetime1">
               <a:rPr lang="en-US" smtClean="0"/>
               <a:pPr/>
-              <a:t>6/19/2019</a:t>
+              <a:t>8/29/2019</a:t>
             </a:fld>
             <a:endParaRPr lang="en-US"/>
           </a:p>
@@ -25139,7 +25116,7 @@
           <p:cNvPr id="12" name="Footer Placeholder 5">
             <a:extLst>
               <a:ext uri="{FF2B5EF4-FFF2-40B4-BE49-F238E27FC236}">
-                <a16:creationId xmlns:a16="http://schemas.microsoft.com/office/drawing/2014/main" xmlns="" id="{4DBA96E0-A9ED-461D-BA8F-0898E3B96987}"/>
+                <a16:creationId xmlns="" xmlns:a16="http://schemas.microsoft.com/office/drawing/2014/main" id="{4DBA96E0-A9ED-461D-BA8F-0898E3B96987}"/>
               </a:ext>
             </a:extLst>
           </p:cNvPr>
@@ -25168,7 +25145,7 @@
           <p:cNvPr id="13" name="Slide Number Placeholder 6">
             <a:extLst>
               <a:ext uri="{FF2B5EF4-FFF2-40B4-BE49-F238E27FC236}">
-                <a16:creationId xmlns:a16="http://schemas.microsoft.com/office/drawing/2014/main" xmlns="" id="{79FF8EFC-2D5B-483F-B22E-995CB252AFE4}"/>
+                <a16:creationId xmlns="" xmlns:a16="http://schemas.microsoft.com/office/drawing/2014/main" id="{79FF8EFC-2D5B-483F-B22E-995CB252AFE4}"/>
               </a:ext>
             </a:extLst>
           </p:cNvPr>
@@ -25304,7 +25281,7 @@
           <p:cNvPr id="12" name="Date Placeholder 4">
             <a:extLst>
               <a:ext uri="{FF2B5EF4-FFF2-40B4-BE49-F238E27FC236}">
-                <a16:creationId xmlns:a16="http://schemas.microsoft.com/office/drawing/2014/main" xmlns="" id="{62125963-ACAB-4657-A16F-BEB01B8C7CB4}"/>
+                <a16:creationId xmlns="" xmlns:a16="http://schemas.microsoft.com/office/drawing/2014/main" id="{62125963-ACAB-4657-A16F-BEB01B8C7CB4}"/>
               </a:ext>
             </a:extLst>
           </p:cNvPr>
@@ -25323,7 +25300,7 @@
             <a:fld id="{9B19E99B-5349-415A-8E56-8E989211A366}" type="datetime1">
               <a:rPr lang="en-US" smtClean="0"/>
               <a:pPr/>
-              <a:t>6/19/2019</a:t>
+              <a:t>8/29/2019</a:t>
             </a:fld>
             <a:endParaRPr lang="en-US"/>
           </a:p>
@@ -25357,7 +25334,7 @@
           <p:cNvPr id="13" name="Footer Placeholder 5">
             <a:extLst>
               <a:ext uri="{FF2B5EF4-FFF2-40B4-BE49-F238E27FC236}">
-                <a16:creationId xmlns:a16="http://schemas.microsoft.com/office/drawing/2014/main" xmlns="" id="{E1DE0E99-225C-41F0-8428-177D6B604D9B}"/>
+                <a16:creationId xmlns="" xmlns:a16="http://schemas.microsoft.com/office/drawing/2014/main" id="{E1DE0E99-225C-41F0-8428-177D6B604D9B}"/>
               </a:ext>
             </a:extLst>
           </p:cNvPr>
@@ -25386,7 +25363,7 @@
           <p:cNvPr id="14" name="Slide Number Placeholder 6">
             <a:extLst>
               <a:ext uri="{FF2B5EF4-FFF2-40B4-BE49-F238E27FC236}">
-                <a16:creationId xmlns:a16="http://schemas.microsoft.com/office/drawing/2014/main" xmlns="" id="{55B7368E-28D8-4125-9A7F-3CBA8ABD943A}"/>
+                <a16:creationId xmlns="" xmlns:a16="http://schemas.microsoft.com/office/drawing/2014/main" id="{55B7368E-28D8-4125-9A7F-3CBA8ABD943A}"/>
               </a:ext>
             </a:extLst>
           </p:cNvPr>
@@ -25630,7 +25607,7 @@
           <p:cNvPr id="14" name="Date Placeholder 4">
             <a:extLst>
               <a:ext uri="{FF2B5EF4-FFF2-40B4-BE49-F238E27FC236}">
-                <a16:creationId xmlns:a16="http://schemas.microsoft.com/office/drawing/2014/main" xmlns="" id="{6C57D140-CB2D-43E9-B930-4847B406A7F2}"/>
+                <a16:creationId xmlns="" xmlns:a16="http://schemas.microsoft.com/office/drawing/2014/main" id="{6C57D140-CB2D-43E9-B930-4847B406A7F2}"/>
               </a:ext>
             </a:extLst>
           </p:cNvPr>
@@ -25649,7 +25626,7 @@
             <a:fld id="{9B19E99B-5349-415A-8E56-8E989211A366}" type="datetime1">
               <a:rPr lang="en-US" smtClean="0"/>
               <a:pPr/>
-              <a:t>6/19/2019</a:t>
+              <a:t>8/29/2019</a:t>
             </a:fld>
             <a:endParaRPr lang="en-US"/>
           </a:p>
@@ -25660,7 +25637,7 @@
           <p:cNvPr id="18" name="Title 17">
             <a:extLst>
               <a:ext uri="{FF2B5EF4-FFF2-40B4-BE49-F238E27FC236}">
-                <a16:creationId xmlns:a16="http://schemas.microsoft.com/office/drawing/2014/main" xmlns="" id="{5D31558E-2632-44A4-A6D7-C3BB76AF7EF7}"/>
+                <a16:creationId xmlns="" xmlns:a16="http://schemas.microsoft.com/office/drawing/2014/main" id="{5D31558E-2632-44A4-A6D7-C3BB76AF7EF7}"/>
               </a:ext>
             </a:extLst>
           </p:cNvPr>
@@ -25685,7 +25662,7 @@
           <p:cNvPr id="15" name="Footer Placeholder 5">
             <a:extLst>
               <a:ext uri="{FF2B5EF4-FFF2-40B4-BE49-F238E27FC236}">
-                <a16:creationId xmlns:a16="http://schemas.microsoft.com/office/drawing/2014/main" xmlns="" id="{CC962340-904A-4174-837D-ADE8E072F4BD}"/>
+                <a16:creationId xmlns="" xmlns:a16="http://schemas.microsoft.com/office/drawing/2014/main" id="{CC962340-904A-4174-837D-ADE8E072F4BD}"/>
               </a:ext>
             </a:extLst>
           </p:cNvPr>
@@ -25714,7 +25691,7 @@
           <p:cNvPr id="16" name="Slide Number Placeholder 6">
             <a:extLst>
               <a:ext uri="{FF2B5EF4-FFF2-40B4-BE49-F238E27FC236}">
-                <a16:creationId xmlns:a16="http://schemas.microsoft.com/office/drawing/2014/main" xmlns="" id="{A9AC2CB2-130D-485E-9A4E-D6F286DCAA7C}"/>
+                <a16:creationId xmlns="" xmlns:a16="http://schemas.microsoft.com/office/drawing/2014/main" id="{A9AC2CB2-130D-485E-9A4E-D6F286DCAA7C}"/>
               </a:ext>
             </a:extLst>
           </p:cNvPr>
@@ -26007,7 +25984,7 @@
             <a:fld id="{6700A58B-DD98-43D0-B791-721480A02982}" type="datetime1">
               <a:rPr lang="en-US" smtClean="0"/>
               <a:pPr/>
-              <a:t>6/19/2019</a:t>
+              <a:t>8/29/2019</a:t>
             </a:fld>
             <a:endParaRPr lang="en-US"/>
           </a:p>
@@ -26529,7 +26506,7 @@
             <a:fld id="{6700A58B-DD98-43D0-B791-721480A02982}" type="datetime1">
               <a:rPr lang="en-US" smtClean="0"/>
               <a:pPr/>
-              <a:t>6/19/2019</a:t>
+              <a:t>8/29/2019</a:t>
             </a:fld>
             <a:endParaRPr lang="en-US"/>
           </a:p>
@@ -26703,7 +26680,7 @@
           <p:cNvPr id="2" name="Date Placeholder 1">
             <a:extLst>
               <a:ext uri="{FF2B5EF4-FFF2-40B4-BE49-F238E27FC236}">
-                <a16:creationId xmlns:a16="http://schemas.microsoft.com/office/drawing/2014/main" xmlns="" id="{584AB8AA-287A-4F43-B280-22ADBC0BC683}"/>
+                <a16:creationId xmlns="" xmlns:a16="http://schemas.microsoft.com/office/drawing/2014/main" id="{584AB8AA-287A-4F43-B280-22ADBC0BC683}"/>
               </a:ext>
             </a:extLst>
           </p:cNvPr>
@@ -26721,7 +26698,7 @@
           <a:p>
             <a:fld id="{6700A58B-DD98-43D0-B791-721480A02982}" type="datetime1">
               <a:rPr lang="en-US" smtClean="0"/>
-              <a:t>6/19/2019</a:t>
+              <a:t>8/29/2019</a:t>
             </a:fld>
             <a:endParaRPr lang="en-US"/>
           </a:p>
@@ -26732,7 +26709,7 @@
           <p:cNvPr id="3" name="Title 2">
             <a:extLst>
               <a:ext uri="{FF2B5EF4-FFF2-40B4-BE49-F238E27FC236}">
-                <a16:creationId xmlns:a16="http://schemas.microsoft.com/office/drawing/2014/main" xmlns="" id="{5A91EA20-A3BE-4327-B75E-B8492FAC52AF}"/>
+                <a16:creationId xmlns="" xmlns:a16="http://schemas.microsoft.com/office/drawing/2014/main" id="{5A91EA20-A3BE-4327-B75E-B8492FAC52AF}"/>
               </a:ext>
             </a:extLst>
           </p:cNvPr>
@@ -26761,7 +26738,7 @@
           <p:cNvPr id="4" name="Footer Placeholder 3">
             <a:extLst>
               <a:ext uri="{FF2B5EF4-FFF2-40B4-BE49-F238E27FC236}">
-                <a16:creationId xmlns:a16="http://schemas.microsoft.com/office/drawing/2014/main" xmlns="" id="{FD119BF5-385F-4EE6-8C99-0D051D044909}"/>
+                <a16:creationId xmlns="" xmlns:a16="http://schemas.microsoft.com/office/drawing/2014/main" id="{FD119BF5-385F-4EE6-8C99-0D051D044909}"/>
               </a:ext>
             </a:extLst>
           </p:cNvPr>
@@ -26790,7 +26767,7 @@
           <p:cNvPr id="5" name="Slide Number Placeholder 4">
             <a:extLst>
               <a:ext uri="{FF2B5EF4-FFF2-40B4-BE49-F238E27FC236}">
-                <a16:creationId xmlns:a16="http://schemas.microsoft.com/office/drawing/2014/main" xmlns="" id="{D3901687-B018-483D-AFD3-D8B5D669ECB7}"/>
+                <a16:creationId xmlns="" xmlns:a16="http://schemas.microsoft.com/office/drawing/2014/main" id="{D3901687-B018-483D-AFD3-D8B5D669ECB7}"/>
               </a:ext>
             </a:extLst>
           </p:cNvPr>
@@ -26820,7 +26797,7 @@
           <p:cNvPr id="4100" name="Picture 4" descr="Image result for logistic regression meme">
             <a:extLst>
               <a:ext uri="{FF2B5EF4-FFF2-40B4-BE49-F238E27FC236}">
-                <a16:creationId xmlns:a16="http://schemas.microsoft.com/office/drawing/2014/main" xmlns="" id="{C6366623-2697-4C05-99E4-C1A7E38B23AC}"/>
+                <a16:creationId xmlns="" xmlns:a16="http://schemas.microsoft.com/office/drawing/2014/main" id="{C6366623-2697-4C05-99E4-C1A7E38B23AC}"/>
               </a:ext>
             </a:extLst>
           </p:cNvPr>
@@ -26934,7 +26911,11 @@
           </p:cNvGraphicFramePr>
           <p:nvPr>
             <p:ph idx="1"/>
-            <p:extLst/>
+            <p:extLst>
+              <p:ext uri="{D42A27DB-BD31-4B8C-83A1-F6EECF244321}">
+                <p14:modId xmlns:p14="http://schemas.microsoft.com/office/powerpoint/2010/main" val="287737321"/>
+              </p:ext>
+            </p:extLst>
           </p:nvPr>
         </p:nvGraphicFramePr>
         <p:xfrm>
@@ -26951,21 +26932,21 @@
                 <a:gridCol w="1238445">
                   <a:extLst>
                     <a:ext uri="{9D8B030D-6E8A-4147-A177-3AD203B41FA5}">
-                      <a16:colId xmlns:a16="http://schemas.microsoft.com/office/drawing/2014/main" xmlns="" val="20000"/>
+                      <a16:colId xmlns="" xmlns:a16="http://schemas.microsoft.com/office/drawing/2014/main" val="20000"/>
                     </a:ext>
                   </a:extLst>
                 </a:gridCol>
                 <a:gridCol w="858274">
                   <a:extLst>
                     <a:ext uri="{9D8B030D-6E8A-4147-A177-3AD203B41FA5}">
-                      <a16:colId xmlns:a16="http://schemas.microsoft.com/office/drawing/2014/main" xmlns="" val="20001"/>
+                      <a16:colId xmlns="" xmlns:a16="http://schemas.microsoft.com/office/drawing/2014/main" val="20001"/>
                     </a:ext>
                   </a:extLst>
                 </a:gridCol>
                 <a:gridCol w="5790787">
                   <a:extLst>
                     <a:ext uri="{9D8B030D-6E8A-4147-A177-3AD203B41FA5}">
-                      <a16:colId xmlns:a16="http://schemas.microsoft.com/office/drawing/2014/main" xmlns="" val="20002"/>
+                      <a16:colId xmlns="" xmlns:a16="http://schemas.microsoft.com/office/drawing/2014/main" val="20002"/>
                     </a:ext>
                   </a:extLst>
                 </a:gridCol>
@@ -27121,27 +27102,7 @@
                           <a:effectLst/>
                           <a:latin typeface="Calibri" panose="020F0502020204030204" pitchFamily="34" charset="0"/>
                         </a:rPr>
-                        <a:t>Thursday- </a:t>
-                      </a:r>
-                      <a:r>
-                        <a:rPr lang="en-US" sz="2400" b="0" i="0" u="none" strike="noStrike" dirty="0">
-                          <a:solidFill>
-                            <a:schemeClr val="bg1"/>
-                          </a:solidFill>
-                          <a:effectLst/>
-                          <a:latin typeface="Calibri" panose="020F0502020204030204" pitchFamily="34" charset="0"/>
-                        </a:rPr>
-                        <a:t>June </a:t>
-                      </a:r>
-                      <a:r>
-                        <a:rPr lang="en-US" sz="2400" b="0" i="0" u="none" strike="noStrike" dirty="0" smtClean="0">
-                          <a:solidFill>
-                            <a:schemeClr val="bg1"/>
-                          </a:solidFill>
-                          <a:effectLst/>
-                          <a:latin typeface="Calibri" panose="020F0502020204030204" pitchFamily="34" charset="0"/>
-                        </a:rPr>
-                        <a:t>20</a:t>
+                        <a:t>Thursday</a:t>
                       </a:r>
                       <a:endParaRPr lang="en-US" sz="2400" b="0" i="0" u="none" strike="noStrike" dirty="0">
                         <a:solidFill>
@@ -27204,7 +27165,7 @@
                 </a:tc>
                 <a:extLst>
                   <a:ext uri="{0D108BD9-81ED-4DB2-BD59-A6C34878D82A}">
-                    <a16:rowId xmlns:a16="http://schemas.microsoft.com/office/drawing/2014/main" xmlns="" val="10000"/>
+                    <a16:rowId xmlns="" xmlns:a16="http://schemas.microsoft.com/office/drawing/2014/main" val="10000"/>
                   </a:ext>
                 </a:extLst>
               </a:tr>
@@ -27301,7 +27262,7 @@
                 </a:tc>
                 <a:extLst>
                   <a:ext uri="{0D108BD9-81ED-4DB2-BD59-A6C34878D82A}">
-                    <a16:rowId xmlns:a16="http://schemas.microsoft.com/office/drawing/2014/main" xmlns="" val="10001"/>
+                    <a16:rowId xmlns="" xmlns:a16="http://schemas.microsoft.com/office/drawing/2014/main" val="10001"/>
                   </a:ext>
                 </a:extLst>
               </a:tr>
@@ -27368,7 +27329,7 @@
                 </a:tc>
                 <a:extLst>
                   <a:ext uri="{0D108BD9-81ED-4DB2-BD59-A6C34878D82A}">
-                    <a16:rowId xmlns:a16="http://schemas.microsoft.com/office/drawing/2014/main" xmlns="" val="10002"/>
+                    <a16:rowId xmlns="" xmlns:a16="http://schemas.microsoft.com/office/drawing/2014/main" val="10002"/>
                   </a:ext>
                 </a:extLst>
               </a:tr>
@@ -27445,7 +27406,7 @@
                 </a:tc>
                 <a:extLst>
                   <a:ext uri="{0D108BD9-81ED-4DB2-BD59-A6C34878D82A}">
-                    <a16:rowId xmlns:a16="http://schemas.microsoft.com/office/drawing/2014/main" xmlns="" val="10003"/>
+                    <a16:rowId xmlns="" xmlns:a16="http://schemas.microsoft.com/office/drawing/2014/main" val="10003"/>
                   </a:ext>
                 </a:extLst>
               </a:tr>
@@ -27526,7 +27487,7 @@
                 </a:tc>
                 <a:extLst>
                   <a:ext uri="{0D108BD9-81ED-4DB2-BD59-A6C34878D82A}">
-                    <a16:rowId xmlns:a16="http://schemas.microsoft.com/office/drawing/2014/main" xmlns="" val="10004"/>
+                    <a16:rowId xmlns="" xmlns:a16="http://schemas.microsoft.com/office/drawing/2014/main" val="10004"/>
                   </a:ext>
                 </a:extLst>
               </a:tr>
@@ -27593,7 +27554,7 @@
                 </a:tc>
                 <a:extLst>
                   <a:ext uri="{0D108BD9-81ED-4DB2-BD59-A6C34878D82A}">
-                    <a16:rowId xmlns:a16="http://schemas.microsoft.com/office/drawing/2014/main" xmlns="" val="10006"/>
+                    <a16:rowId xmlns="" xmlns:a16="http://schemas.microsoft.com/office/drawing/2014/main" val="10006"/>
                   </a:ext>
                 </a:extLst>
               </a:tr>
@@ -27693,7 +27654,7 @@
                 </a:tc>
                 <a:extLst>
                   <a:ext uri="{0D108BD9-81ED-4DB2-BD59-A6C34878D82A}">
-                    <a16:rowId xmlns:a16="http://schemas.microsoft.com/office/drawing/2014/main" xmlns="" val="10007"/>
+                    <a16:rowId xmlns="" xmlns:a16="http://schemas.microsoft.com/office/drawing/2014/main" val="10007"/>
                   </a:ext>
                 </a:extLst>
               </a:tr>
@@ -27767,7 +27728,7 @@
                 </a:tc>
                 <a:extLst>
                   <a:ext uri="{0D108BD9-81ED-4DB2-BD59-A6C34878D82A}">
-                    <a16:rowId xmlns:a16="http://schemas.microsoft.com/office/drawing/2014/main" xmlns="" val="10008"/>
+                    <a16:rowId xmlns="" xmlns:a16="http://schemas.microsoft.com/office/drawing/2014/main" val="10008"/>
                   </a:ext>
                 </a:extLst>
               </a:tr>
@@ -27792,7 +27753,7 @@
           <a:p>
             <a:fld id="{9B19E99B-5349-415A-8E56-8E989211A366}" type="datetime1">
               <a:rPr lang="en-US" smtClean="0"/>
-              <a:t>6/19/2019</a:t>
+              <a:t>8/29/2019</a:t>
             </a:fld>
             <a:endParaRPr lang="en-US"/>
           </a:p>
@@ -27878,7 +27839,7 @@
           <p:cNvPr id="2" name="Date Placeholder 1">
             <a:extLst>
               <a:ext uri="{FF2B5EF4-FFF2-40B4-BE49-F238E27FC236}">
-                <a16:creationId xmlns:a16="http://schemas.microsoft.com/office/drawing/2014/main" xmlns="" id="{F72DAF68-B4C5-4D69-ACE4-452A6ACBD808}"/>
+                <a16:creationId xmlns="" xmlns:a16="http://schemas.microsoft.com/office/drawing/2014/main" id="{F72DAF68-B4C5-4D69-ACE4-452A6ACBD808}"/>
               </a:ext>
             </a:extLst>
           </p:cNvPr>
@@ -27896,7 +27857,7 @@
           <a:p>
             <a:fld id="{6700A58B-DD98-43D0-B791-721480A02982}" type="datetime1">
               <a:rPr lang="en-US" smtClean="0"/>
-              <a:t>6/19/2019</a:t>
+              <a:t>8/29/2019</a:t>
             </a:fld>
             <a:endParaRPr lang="en-US"/>
           </a:p>
@@ -27907,7 +27868,7 @@
           <p:cNvPr id="3" name="Title 2">
             <a:extLst>
               <a:ext uri="{FF2B5EF4-FFF2-40B4-BE49-F238E27FC236}">
-                <a16:creationId xmlns:a16="http://schemas.microsoft.com/office/drawing/2014/main" xmlns="" id="{32D1F69B-21CE-4D6E-89A5-02C6ED01FC53}"/>
+                <a16:creationId xmlns="" xmlns:a16="http://schemas.microsoft.com/office/drawing/2014/main" id="{32D1F69B-21CE-4D6E-89A5-02C6ED01FC53}"/>
               </a:ext>
             </a:extLst>
           </p:cNvPr>
@@ -27935,7 +27896,7 @@
           <p:cNvPr id="4" name="Footer Placeholder 3">
             <a:extLst>
               <a:ext uri="{FF2B5EF4-FFF2-40B4-BE49-F238E27FC236}">
-                <a16:creationId xmlns:a16="http://schemas.microsoft.com/office/drawing/2014/main" xmlns="" id="{06AF423E-4F2F-4588-9135-C2A5917EC606}"/>
+                <a16:creationId xmlns="" xmlns:a16="http://schemas.microsoft.com/office/drawing/2014/main" id="{06AF423E-4F2F-4588-9135-C2A5917EC606}"/>
               </a:ext>
             </a:extLst>
           </p:cNvPr>
@@ -27964,7 +27925,7 @@
           <p:cNvPr id="5" name="Slide Number Placeholder 4">
             <a:extLst>
               <a:ext uri="{FF2B5EF4-FFF2-40B4-BE49-F238E27FC236}">
-                <a16:creationId xmlns:a16="http://schemas.microsoft.com/office/drawing/2014/main" xmlns="" id="{4C4BCF21-A0BB-4E8F-8938-9E3E7D0E0550}"/>
+                <a16:creationId xmlns="" xmlns:a16="http://schemas.microsoft.com/office/drawing/2014/main" id="{4C4BCF21-A0BB-4E8F-8938-9E3E7D0E0550}"/>
               </a:ext>
             </a:extLst>
           </p:cNvPr>
@@ -27994,7 +27955,7 @@
           <p:cNvPr id="6" name="TextBox 5">
             <a:extLst>
               <a:ext uri="{FF2B5EF4-FFF2-40B4-BE49-F238E27FC236}">
-                <a16:creationId xmlns:a16="http://schemas.microsoft.com/office/drawing/2014/main" xmlns="" id="{68FF8A2F-2916-4367-A5DA-51726A6A39C1}"/>
+                <a16:creationId xmlns="" xmlns:a16="http://schemas.microsoft.com/office/drawing/2014/main" id="{68FF8A2F-2916-4367-A5DA-51726A6A39C1}"/>
               </a:ext>
             </a:extLst>
           </p:cNvPr>
@@ -28107,7 +28068,7 @@
           <p:cNvPr id="2" name="Date Placeholder 1">
             <a:extLst>
               <a:ext uri="{FF2B5EF4-FFF2-40B4-BE49-F238E27FC236}">
-                <a16:creationId xmlns:a16="http://schemas.microsoft.com/office/drawing/2014/main" xmlns="" id="{22B22776-A38F-49A5-BB26-5D9674C103AC}"/>
+                <a16:creationId xmlns="" xmlns:a16="http://schemas.microsoft.com/office/drawing/2014/main" id="{22B22776-A38F-49A5-BB26-5D9674C103AC}"/>
               </a:ext>
             </a:extLst>
           </p:cNvPr>
@@ -28125,7 +28086,7 @@
           <a:p>
             <a:fld id="{6700A58B-DD98-43D0-B791-721480A02982}" type="datetime1">
               <a:rPr lang="en-US" smtClean="0"/>
-              <a:t>6/19/2019</a:t>
+              <a:t>8/29/2019</a:t>
             </a:fld>
             <a:endParaRPr lang="en-US"/>
           </a:p>
@@ -28136,7 +28097,7 @@
           <p:cNvPr id="3" name="Title 2">
             <a:extLst>
               <a:ext uri="{FF2B5EF4-FFF2-40B4-BE49-F238E27FC236}">
-                <a16:creationId xmlns:a16="http://schemas.microsoft.com/office/drawing/2014/main" xmlns="" id="{39988D48-8216-465C-83C2-8A7495E78ECF}"/>
+                <a16:creationId xmlns="" xmlns:a16="http://schemas.microsoft.com/office/drawing/2014/main" id="{39988D48-8216-465C-83C2-8A7495E78ECF}"/>
               </a:ext>
             </a:extLst>
           </p:cNvPr>
@@ -28165,7 +28126,7 @@
           <p:cNvPr id="4" name="Footer Placeholder 3">
             <a:extLst>
               <a:ext uri="{FF2B5EF4-FFF2-40B4-BE49-F238E27FC236}">
-                <a16:creationId xmlns:a16="http://schemas.microsoft.com/office/drawing/2014/main" xmlns="" id="{BCD156DB-1790-45BC-B356-942101765088}"/>
+                <a16:creationId xmlns="" xmlns:a16="http://schemas.microsoft.com/office/drawing/2014/main" id="{BCD156DB-1790-45BC-B356-942101765088}"/>
               </a:ext>
             </a:extLst>
           </p:cNvPr>
@@ -28194,7 +28155,7 @@
           <p:cNvPr id="5" name="Slide Number Placeholder 4">
             <a:extLst>
               <a:ext uri="{FF2B5EF4-FFF2-40B4-BE49-F238E27FC236}">
-                <a16:creationId xmlns:a16="http://schemas.microsoft.com/office/drawing/2014/main" xmlns="" id="{213E6CFE-F5DD-4A8C-A9F2-13B5C90794AD}"/>
+                <a16:creationId xmlns="" xmlns:a16="http://schemas.microsoft.com/office/drawing/2014/main" id="{213E6CFE-F5DD-4A8C-A9F2-13B5C90794AD}"/>
               </a:ext>
             </a:extLst>
           </p:cNvPr>
@@ -28352,7 +28313,7 @@
           <p:cNvPr id="5" name="Date Placeholder 3">
             <a:extLst>
               <a:ext uri="{FF2B5EF4-FFF2-40B4-BE49-F238E27FC236}">
-                <a16:creationId xmlns:a16="http://schemas.microsoft.com/office/drawing/2014/main" xmlns="" id="{8FCA8A2A-BA2A-4F59-BDF1-B1C7549B9048}"/>
+                <a16:creationId xmlns="" xmlns:a16="http://schemas.microsoft.com/office/drawing/2014/main" id="{8FCA8A2A-BA2A-4F59-BDF1-B1C7549B9048}"/>
               </a:ext>
             </a:extLst>
           </p:cNvPr>
@@ -28371,7 +28332,7 @@
             <a:fld id="{D753EFC8-4232-4598-94F6-94C0EBAFC469}" type="datetime1">
               <a:rPr lang="en-US" smtClean="0"/>
               <a:pPr/>
-              <a:t>6/19/2019</a:t>
+              <a:t>8/29/2019</a:t>
             </a:fld>
             <a:endParaRPr lang="en-US"/>
           </a:p>
@@ -28382,7 +28343,7 @@
           <p:cNvPr id="7" name="Footer Placeholder 5">
             <a:extLst>
               <a:ext uri="{FF2B5EF4-FFF2-40B4-BE49-F238E27FC236}">
-                <a16:creationId xmlns:a16="http://schemas.microsoft.com/office/drawing/2014/main" xmlns="" id="{CC81D18C-4058-4039-896D-D0DA6CD70C88}"/>
+                <a16:creationId xmlns="" xmlns:a16="http://schemas.microsoft.com/office/drawing/2014/main" id="{CC81D18C-4058-4039-896D-D0DA6CD70C88}"/>
               </a:ext>
             </a:extLst>
           </p:cNvPr>
@@ -28411,7 +28372,7 @@
           <p:cNvPr id="6" name="Slide Number Placeholder 4">
             <a:extLst>
               <a:ext uri="{FF2B5EF4-FFF2-40B4-BE49-F238E27FC236}">
-                <a16:creationId xmlns:a16="http://schemas.microsoft.com/office/drawing/2014/main" xmlns="" id="{67524C8B-E040-46C3-90CB-4F7DAB9FD551}"/>
+                <a16:creationId xmlns="" xmlns:a16="http://schemas.microsoft.com/office/drawing/2014/main" id="{67524C8B-E040-46C3-90CB-4F7DAB9FD551}"/>
               </a:ext>
             </a:extLst>
           </p:cNvPr>
@@ -28999,7 +28960,7 @@
           <p:cNvPr id="29" name="Content Placeholder 2">
             <a:extLst>
               <a:ext uri="{FF2B5EF4-FFF2-40B4-BE49-F238E27FC236}">
-                <a16:creationId xmlns:a16="http://schemas.microsoft.com/office/drawing/2014/main" xmlns="" id="{BF20F4D9-27DA-46A0-A9CB-0BBE713D0B9C}"/>
+                <a16:creationId xmlns="" xmlns:a16="http://schemas.microsoft.com/office/drawing/2014/main" id="{BF20F4D9-27DA-46A0-A9CB-0BBE713D0B9C}"/>
               </a:ext>
             </a:extLst>
           </p:cNvPr>
@@ -29240,7 +29201,7 @@
           <p:cNvPr id="2" name="Date Placeholder 1">
             <a:extLst>
               <a:ext uri="{FF2B5EF4-FFF2-40B4-BE49-F238E27FC236}">
-                <a16:creationId xmlns:a16="http://schemas.microsoft.com/office/drawing/2014/main" xmlns="" id="{76EB1F80-EF41-45DF-94B5-1A90D613467C}"/>
+                <a16:creationId xmlns="" xmlns:a16="http://schemas.microsoft.com/office/drawing/2014/main" id="{76EB1F80-EF41-45DF-94B5-1A90D613467C}"/>
               </a:ext>
             </a:extLst>
           </p:cNvPr>
@@ -29258,7 +29219,7 @@
           <a:p>
             <a:fld id="{6700A58B-DD98-43D0-B791-721480A02982}" type="datetime1">
               <a:rPr lang="en-US" smtClean="0"/>
-              <a:t>6/19/2019</a:t>
+              <a:t>8/29/2019</a:t>
             </a:fld>
             <a:endParaRPr lang="en-US"/>
           </a:p>
@@ -29269,7 +29230,7 @@
           <p:cNvPr id="3" name="Title 2">
             <a:extLst>
               <a:ext uri="{FF2B5EF4-FFF2-40B4-BE49-F238E27FC236}">
-                <a16:creationId xmlns:a16="http://schemas.microsoft.com/office/drawing/2014/main" xmlns="" id="{1D13627B-A987-4678-9B2D-D1DBC63C001E}"/>
+                <a16:creationId xmlns="" xmlns:a16="http://schemas.microsoft.com/office/drawing/2014/main" id="{1D13627B-A987-4678-9B2D-D1DBC63C001E}"/>
               </a:ext>
             </a:extLst>
           </p:cNvPr>
@@ -29307,7 +29268,7 @@
           <p:cNvPr id="4" name="Footer Placeholder 3">
             <a:extLst>
               <a:ext uri="{FF2B5EF4-FFF2-40B4-BE49-F238E27FC236}">
-                <a16:creationId xmlns:a16="http://schemas.microsoft.com/office/drawing/2014/main" xmlns="" id="{435B1935-7795-420A-BE49-6F7ADB60F035}"/>
+                <a16:creationId xmlns="" xmlns:a16="http://schemas.microsoft.com/office/drawing/2014/main" id="{435B1935-7795-420A-BE49-6F7ADB60F035}"/>
               </a:ext>
             </a:extLst>
           </p:cNvPr>
@@ -29336,7 +29297,7 @@
           <p:cNvPr id="5" name="Slide Number Placeholder 4">
             <a:extLst>
               <a:ext uri="{FF2B5EF4-FFF2-40B4-BE49-F238E27FC236}">
-                <a16:creationId xmlns:a16="http://schemas.microsoft.com/office/drawing/2014/main" xmlns="" id="{626A5F67-E6FE-4028-BE8E-4AF0FCCAD1E3}"/>
+                <a16:creationId xmlns="" xmlns:a16="http://schemas.microsoft.com/office/drawing/2014/main" id="{626A5F67-E6FE-4028-BE8E-4AF0FCCAD1E3}"/>
               </a:ext>
             </a:extLst>
           </p:cNvPr>
@@ -29737,15 +29698,7 @@
             <a:pPr algn="ctr"/>
             <a:r>
               <a:rPr lang="en-US" u="sng" dirty="0" smtClean="0"/>
-              <a:t>Biased Fit </a:t>
-            </a:r>
-            <a:r>
-              <a:rPr lang="en-US" u="sng" dirty="0" smtClean="0"/>
-              <a:t>generalizes </a:t>
-            </a:r>
-            <a:r>
-              <a:rPr lang="en-US" u="sng" dirty="0" smtClean="0"/>
-              <a:t>to new data points better therefore less variance</a:t>
+              <a:t>Biased Fit generalizes to new data points better therefore less variance</a:t>
             </a:r>
             <a:endParaRPr lang="en-US" u="sng" dirty="0"/>
           </a:p>
@@ -30181,7 +30134,7 @@
           <p:cNvPr id="2" name="Date Placeholder 1">
             <a:extLst>
               <a:ext uri="{FF2B5EF4-FFF2-40B4-BE49-F238E27FC236}">
-                <a16:creationId xmlns:a16="http://schemas.microsoft.com/office/drawing/2014/main" xmlns="" id="{76EB1F80-EF41-45DF-94B5-1A90D613467C}"/>
+                <a16:creationId xmlns="" xmlns:a16="http://schemas.microsoft.com/office/drawing/2014/main" id="{76EB1F80-EF41-45DF-94B5-1A90D613467C}"/>
               </a:ext>
             </a:extLst>
           </p:cNvPr>
@@ -30199,7 +30152,7 @@
           <a:p>
             <a:fld id="{6700A58B-DD98-43D0-B791-721480A02982}" type="datetime1">
               <a:rPr lang="en-US" smtClean="0"/>
-              <a:t>6/19/2019</a:t>
+              <a:t>8/29/2019</a:t>
             </a:fld>
             <a:endParaRPr lang="en-US"/>
           </a:p>
@@ -30210,7 +30163,7 @@
           <p:cNvPr id="3" name="Title 2">
             <a:extLst>
               <a:ext uri="{FF2B5EF4-FFF2-40B4-BE49-F238E27FC236}">
-                <a16:creationId xmlns:a16="http://schemas.microsoft.com/office/drawing/2014/main" xmlns="" id="{1D13627B-A987-4678-9B2D-D1DBC63C001E}"/>
+                <a16:creationId xmlns="" xmlns:a16="http://schemas.microsoft.com/office/drawing/2014/main" id="{1D13627B-A987-4678-9B2D-D1DBC63C001E}"/>
               </a:ext>
             </a:extLst>
           </p:cNvPr>
@@ -30243,7 +30196,7 @@
           <p:cNvPr id="4" name="Footer Placeholder 3">
             <a:extLst>
               <a:ext uri="{FF2B5EF4-FFF2-40B4-BE49-F238E27FC236}">
-                <a16:creationId xmlns:a16="http://schemas.microsoft.com/office/drawing/2014/main" xmlns="" id="{435B1935-7795-420A-BE49-6F7ADB60F035}"/>
+                <a16:creationId xmlns="" xmlns:a16="http://schemas.microsoft.com/office/drawing/2014/main" id="{435B1935-7795-420A-BE49-6F7ADB60F035}"/>
               </a:ext>
             </a:extLst>
           </p:cNvPr>
@@ -30272,7 +30225,7 @@
           <p:cNvPr id="5" name="Slide Number Placeholder 4">
             <a:extLst>
               <a:ext uri="{FF2B5EF4-FFF2-40B4-BE49-F238E27FC236}">
-                <a16:creationId xmlns:a16="http://schemas.microsoft.com/office/drawing/2014/main" xmlns="" id="{626A5F67-E6FE-4028-BE8E-4AF0FCCAD1E3}"/>
+                <a16:creationId xmlns="" xmlns:a16="http://schemas.microsoft.com/office/drawing/2014/main" id="{626A5F67-E6FE-4028-BE8E-4AF0FCCAD1E3}"/>
               </a:ext>
             </a:extLst>
           </p:cNvPr>
@@ -31053,7 +31006,7 @@
           <p:cNvPr id="2" name="Date Placeholder 1">
             <a:extLst>
               <a:ext uri="{FF2B5EF4-FFF2-40B4-BE49-F238E27FC236}">
-                <a16:creationId xmlns:a16="http://schemas.microsoft.com/office/drawing/2014/main" xmlns="" id="{74BA9DE6-3EE3-4485-A9AB-D058E33ED4F0}"/>
+                <a16:creationId xmlns="" xmlns:a16="http://schemas.microsoft.com/office/drawing/2014/main" id="{74BA9DE6-3EE3-4485-A9AB-D058E33ED4F0}"/>
               </a:ext>
             </a:extLst>
           </p:cNvPr>
@@ -31071,7 +31024,7 @@
           <a:p>
             <a:fld id="{6700A58B-DD98-43D0-B791-721480A02982}" type="datetime1">
               <a:rPr lang="en-US" smtClean="0"/>
-              <a:t>6/19/2019</a:t>
+              <a:t>8/29/2019</a:t>
             </a:fld>
             <a:endParaRPr lang="en-US"/>
           </a:p>
@@ -31082,7 +31035,7 @@
           <p:cNvPr id="3" name="Title 2">
             <a:extLst>
               <a:ext uri="{FF2B5EF4-FFF2-40B4-BE49-F238E27FC236}">
-                <a16:creationId xmlns:a16="http://schemas.microsoft.com/office/drawing/2014/main" xmlns="" id="{20443A4F-FBD6-4F42-BFF8-8F4DE125DB2A}"/>
+                <a16:creationId xmlns="" xmlns:a16="http://schemas.microsoft.com/office/drawing/2014/main" id="{20443A4F-FBD6-4F42-BFF8-8F4DE125DB2A}"/>
               </a:ext>
             </a:extLst>
           </p:cNvPr>
@@ -31111,7 +31064,7 @@
           <p:cNvPr id="4" name="Footer Placeholder 3">
             <a:extLst>
               <a:ext uri="{FF2B5EF4-FFF2-40B4-BE49-F238E27FC236}">
-                <a16:creationId xmlns:a16="http://schemas.microsoft.com/office/drawing/2014/main" xmlns="" id="{8624CF68-A7CB-43D7-9D1B-B883D62E72EC}"/>
+                <a16:creationId xmlns="" xmlns:a16="http://schemas.microsoft.com/office/drawing/2014/main" id="{8624CF68-A7CB-43D7-9D1B-B883D62E72EC}"/>
               </a:ext>
             </a:extLst>
           </p:cNvPr>
@@ -31140,7 +31093,7 @@
           <p:cNvPr id="5" name="Slide Number Placeholder 4">
             <a:extLst>
               <a:ext uri="{FF2B5EF4-FFF2-40B4-BE49-F238E27FC236}">
-                <a16:creationId xmlns:a16="http://schemas.microsoft.com/office/drawing/2014/main" xmlns="" id="{C91F7682-34A6-48C8-97CC-C2D3BD2B37FF}"/>
+                <a16:creationId xmlns="" xmlns:a16="http://schemas.microsoft.com/office/drawing/2014/main" id="{C91F7682-34A6-48C8-97CC-C2D3BD2B37FF}"/>
               </a:ext>
             </a:extLst>
           </p:cNvPr>
@@ -32434,7 +32387,7 @@
           <p:cNvPr id="2" name="Date Placeholder 1">
             <a:extLst>
               <a:ext uri="{FF2B5EF4-FFF2-40B4-BE49-F238E27FC236}">
-                <a16:creationId xmlns:a16="http://schemas.microsoft.com/office/drawing/2014/main" xmlns="" id="{0ECBCC47-DB97-4E79-BEC2-52CA00A6970C}"/>
+                <a16:creationId xmlns="" xmlns:a16="http://schemas.microsoft.com/office/drawing/2014/main" id="{0ECBCC47-DB97-4E79-BEC2-52CA00A6970C}"/>
               </a:ext>
             </a:extLst>
           </p:cNvPr>
@@ -32452,7 +32405,7 @@
           <a:p>
             <a:fld id="{6700A58B-DD98-43D0-B791-721480A02982}" type="datetime1">
               <a:rPr lang="en-US" smtClean="0"/>
-              <a:t>6/19/2019</a:t>
+              <a:t>8/29/2019</a:t>
             </a:fld>
             <a:endParaRPr lang="en-US"/>
           </a:p>
@@ -32463,7 +32416,7 @@
           <p:cNvPr id="3" name="Title 2">
             <a:extLst>
               <a:ext uri="{FF2B5EF4-FFF2-40B4-BE49-F238E27FC236}">
-                <a16:creationId xmlns:a16="http://schemas.microsoft.com/office/drawing/2014/main" xmlns="" id="{4223978A-F10D-4B6E-A20D-4052DCEA77C6}"/>
+                <a16:creationId xmlns="" xmlns:a16="http://schemas.microsoft.com/office/drawing/2014/main" id="{4223978A-F10D-4B6E-A20D-4052DCEA77C6}"/>
               </a:ext>
             </a:extLst>
           </p:cNvPr>
@@ -32492,7 +32445,7 @@
           <p:cNvPr id="4" name="Footer Placeholder 3">
             <a:extLst>
               <a:ext uri="{FF2B5EF4-FFF2-40B4-BE49-F238E27FC236}">
-                <a16:creationId xmlns:a16="http://schemas.microsoft.com/office/drawing/2014/main" xmlns="" id="{22EFEB34-268C-4FD6-8EC2-2BE9C2455A52}"/>
+                <a16:creationId xmlns="" xmlns:a16="http://schemas.microsoft.com/office/drawing/2014/main" id="{22EFEB34-268C-4FD6-8EC2-2BE9C2455A52}"/>
               </a:ext>
             </a:extLst>
           </p:cNvPr>
@@ -32521,7 +32474,7 @@
           <p:cNvPr id="5" name="Slide Number Placeholder 4">
             <a:extLst>
               <a:ext uri="{FF2B5EF4-FFF2-40B4-BE49-F238E27FC236}">
-                <a16:creationId xmlns:a16="http://schemas.microsoft.com/office/drawing/2014/main" xmlns="" id="{A5E57934-964E-4CD1-A843-57326C5D2EDD}"/>
+                <a16:creationId xmlns="" xmlns:a16="http://schemas.microsoft.com/office/drawing/2014/main" id="{A5E57934-964E-4CD1-A843-57326C5D2EDD}"/>
               </a:ext>
             </a:extLst>
           </p:cNvPr>
@@ -32798,7 +32751,7 @@
           <p:cNvPr id="2" name="Date Placeholder 1">
             <a:extLst>
               <a:ext uri="{FF2B5EF4-FFF2-40B4-BE49-F238E27FC236}">
-                <a16:creationId xmlns:a16="http://schemas.microsoft.com/office/drawing/2014/main" xmlns="" id="{0ECBCC47-DB97-4E79-BEC2-52CA00A6970C}"/>
+                <a16:creationId xmlns="" xmlns:a16="http://schemas.microsoft.com/office/drawing/2014/main" id="{0ECBCC47-DB97-4E79-BEC2-52CA00A6970C}"/>
               </a:ext>
             </a:extLst>
           </p:cNvPr>
@@ -32816,7 +32769,7 @@
           <a:p>
             <a:fld id="{6700A58B-DD98-43D0-B791-721480A02982}" type="datetime1">
               <a:rPr lang="en-US" smtClean="0"/>
-              <a:t>6/19/2019</a:t>
+              <a:t>8/29/2019</a:t>
             </a:fld>
             <a:endParaRPr lang="en-US"/>
           </a:p>
@@ -32827,7 +32780,7 @@
           <p:cNvPr id="3" name="Title 2">
             <a:extLst>
               <a:ext uri="{FF2B5EF4-FFF2-40B4-BE49-F238E27FC236}">
-                <a16:creationId xmlns:a16="http://schemas.microsoft.com/office/drawing/2014/main" xmlns="" id="{4223978A-F10D-4B6E-A20D-4052DCEA77C6}"/>
+                <a16:creationId xmlns="" xmlns:a16="http://schemas.microsoft.com/office/drawing/2014/main" id="{4223978A-F10D-4B6E-A20D-4052DCEA77C6}"/>
               </a:ext>
             </a:extLst>
           </p:cNvPr>
@@ -32856,7 +32809,7 @@
           <p:cNvPr id="4" name="Footer Placeholder 3">
             <a:extLst>
               <a:ext uri="{FF2B5EF4-FFF2-40B4-BE49-F238E27FC236}">
-                <a16:creationId xmlns:a16="http://schemas.microsoft.com/office/drawing/2014/main" xmlns="" id="{22EFEB34-268C-4FD6-8EC2-2BE9C2455A52}"/>
+                <a16:creationId xmlns="" xmlns:a16="http://schemas.microsoft.com/office/drawing/2014/main" id="{22EFEB34-268C-4FD6-8EC2-2BE9C2455A52}"/>
               </a:ext>
             </a:extLst>
           </p:cNvPr>
@@ -32885,7 +32838,7 @@
           <p:cNvPr id="5" name="Slide Number Placeholder 4">
             <a:extLst>
               <a:ext uri="{FF2B5EF4-FFF2-40B4-BE49-F238E27FC236}">
-                <a16:creationId xmlns:a16="http://schemas.microsoft.com/office/drawing/2014/main" xmlns="" id="{A5E57934-964E-4CD1-A843-57326C5D2EDD}"/>
+                <a16:creationId xmlns="" xmlns:a16="http://schemas.microsoft.com/office/drawing/2014/main" id="{A5E57934-964E-4CD1-A843-57326C5D2EDD}"/>
               </a:ext>
             </a:extLst>
           </p:cNvPr>
@@ -33997,7 +33950,7 @@
           <p:cNvPr id="2" name="Date Placeholder 1">
             <a:extLst>
               <a:ext uri="{FF2B5EF4-FFF2-40B4-BE49-F238E27FC236}">
-                <a16:creationId xmlns:a16="http://schemas.microsoft.com/office/drawing/2014/main" xmlns="" id="{0ECBCC47-DB97-4E79-BEC2-52CA00A6970C}"/>
+                <a16:creationId xmlns="" xmlns:a16="http://schemas.microsoft.com/office/drawing/2014/main" id="{0ECBCC47-DB97-4E79-BEC2-52CA00A6970C}"/>
               </a:ext>
             </a:extLst>
           </p:cNvPr>
@@ -34015,7 +33968,7 @@
           <a:p>
             <a:fld id="{6700A58B-DD98-43D0-B791-721480A02982}" type="datetime1">
               <a:rPr lang="en-US" smtClean="0"/>
-              <a:t>6/19/2019</a:t>
+              <a:t>8/29/2019</a:t>
             </a:fld>
             <a:endParaRPr lang="en-US"/>
           </a:p>
@@ -34026,7 +33979,7 @@
           <p:cNvPr id="3" name="Title 2">
             <a:extLst>
               <a:ext uri="{FF2B5EF4-FFF2-40B4-BE49-F238E27FC236}">
-                <a16:creationId xmlns:a16="http://schemas.microsoft.com/office/drawing/2014/main" xmlns="" id="{4223978A-F10D-4B6E-A20D-4052DCEA77C6}"/>
+                <a16:creationId xmlns="" xmlns:a16="http://schemas.microsoft.com/office/drawing/2014/main" id="{4223978A-F10D-4B6E-A20D-4052DCEA77C6}"/>
               </a:ext>
             </a:extLst>
           </p:cNvPr>
@@ -34055,7 +34008,7 @@
           <p:cNvPr id="4" name="Footer Placeholder 3">
             <a:extLst>
               <a:ext uri="{FF2B5EF4-FFF2-40B4-BE49-F238E27FC236}">
-                <a16:creationId xmlns:a16="http://schemas.microsoft.com/office/drawing/2014/main" xmlns="" id="{22EFEB34-268C-4FD6-8EC2-2BE9C2455A52}"/>
+                <a16:creationId xmlns="" xmlns:a16="http://schemas.microsoft.com/office/drawing/2014/main" id="{22EFEB34-268C-4FD6-8EC2-2BE9C2455A52}"/>
               </a:ext>
             </a:extLst>
           </p:cNvPr>
@@ -34084,7 +34037,7 @@
           <p:cNvPr id="5" name="Slide Number Placeholder 4">
             <a:extLst>
               <a:ext uri="{FF2B5EF4-FFF2-40B4-BE49-F238E27FC236}">
-                <a16:creationId xmlns:a16="http://schemas.microsoft.com/office/drawing/2014/main" xmlns="" id="{A5E57934-964E-4CD1-A843-57326C5D2EDD}"/>
+                <a16:creationId xmlns="" xmlns:a16="http://schemas.microsoft.com/office/drawing/2014/main" id="{A5E57934-964E-4CD1-A843-57326C5D2EDD}"/>
               </a:ext>
             </a:extLst>
           </p:cNvPr>
@@ -34402,11 +34355,7 @@
           <a:p>
             <a:r>
               <a:rPr lang="en-US" sz="2000" dirty="0" smtClean="0"/>
-              <a:t>False </a:t>
-            </a:r>
-            <a:r>
-              <a:rPr lang="en-US" sz="2000" dirty="0" smtClean="0"/>
-              <a:t>Positive Rate = </a:t>
+              <a:t>False Positive Rate = </a:t>
             </a:r>
             <a:r>
               <a:rPr lang="en-US" sz="2000" dirty="0" err="1" smtClean="0"/>
@@ -34653,7 +34602,7 @@
           <p:cNvPr id="2" name="Date Placeholder 1">
             <a:extLst>
               <a:ext uri="{FF2B5EF4-FFF2-40B4-BE49-F238E27FC236}">
-                <a16:creationId xmlns:a16="http://schemas.microsoft.com/office/drawing/2014/main" xmlns="" id="{0ECBCC47-DB97-4E79-BEC2-52CA00A6970C}"/>
+                <a16:creationId xmlns="" xmlns:a16="http://schemas.microsoft.com/office/drawing/2014/main" id="{0ECBCC47-DB97-4E79-BEC2-52CA00A6970C}"/>
               </a:ext>
             </a:extLst>
           </p:cNvPr>
@@ -34671,7 +34620,7 @@
           <a:p>
             <a:fld id="{6700A58B-DD98-43D0-B791-721480A02982}" type="datetime1">
               <a:rPr lang="en-US" smtClean="0"/>
-              <a:t>6/19/2019</a:t>
+              <a:t>8/29/2019</a:t>
             </a:fld>
             <a:endParaRPr lang="en-US"/>
           </a:p>
@@ -34682,7 +34631,7 @@
           <p:cNvPr id="3" name="Title 2">
             <a:extLst>
               <a:ext uri="{FF2B5EF4-FFF2-40B4-BE49-F238E27FC236}">
-                <a16:creationId xmlns:a16="http://schemas.microsoft.com/office/drawing/2014/main" xmlns="" id="{4223978A-F10D-4B6E-A20D-4052DCEA77C6}"/>
+                <a16:creationId xmlns="" xmlns:a16="http://schemas.microsoft.com/office/drawing/2014/main" id="{4223978A-F10D-4B6E-A20D-4052DCEA77C6}"/>
               </a:ext>
             </a:extLst>
           </p:cNvPr>
@@ -34711,7 +34660,7 @@
           <p:cNvPr id="4" name="Footer Placeholder 3">
             <a:extLst>
               <a:ext uri="{FF2B5EF4-FFF2-40B4-BE49-F238E27FC236}">
-                <a16:creationId xmlns:a16="http://schemas.microsoft.com/office/drawing/2014/main" xmlns="" id="{22EFEB34-268C-4FD6-8EC2-2BE9C2455A52}"/>
+                <a16:creationId xmlns="" xmlns:a16="http://schemas.microsoft.com/office/drawing/2014/main" id="{22EFEB34-268C-4FD6-8EC2-2BE9C2455A52}"/>
               </a:ext>
             </a:extLst>
           </p:cNvPr>
@@ -34740,7 +34689,7 @@
           <p:cNvPr id="5" name="Slide Number Placeholder 4">
             <a:extLst>
               <a:ext uri="{FF2B5EF4-FFF2-40B4-BE49-F238E27FC236}">
-                <a16:creationId xmlns:a16="http://schemas.microsoft.com/office/drawing/2014/main" xmlns="" id="{A5E57934-964E-4CD1-A843-57326C5D2EDD}"/>
+                <a16:creationId xmlns="" xmlns:a16="http://schemas.microsoft.com/office/drawing/2014/main" id="{A5E57934-964E-4CD1-A843-57326C5D2EDD}"/>
               </a:ext>
             </a:extLst>
           </p:cNvPr>
@@ -36142,7 +36091,7 @@
           <p:cNvPr id="2" name="Date Placeholder 1">
             <a:extLst>
               <a:ext uri="{FF2B5EF4-FFF2-40B4-BE49-F238E27FC236}">
-                <a16:creationId xmlns:a16="http://schemas.microsoft.com/office/drawing/2014/main" xmlns="" id="{0ECBCC47-DB97-4E79-BEC2-52CA00A6970C}"/>
+                <a16:creationId xmlns="" xmlns:a16="http://schemas.microsoft.com/office/drawing/2014/main" id="{0ECBCC47-DB97-4E79-BEC2-52CA00A6970C}"/>
               </a:ext>
             </a:extLst>
           </p:cNvPr>
@@ -36160,7 +36109,7 @@
           <a:p>
             <a:fld id="{6700A58B-DD98-43D0-B791-721480A02982}" type="datetime1">
               <a:rPr lang="en-US" smtClean="0"/>
-              <a:t>6/19/2019</a:t>
+              <a:t>8/29/2019</a:t>
             </a:fld>
             <a:endParaRPr lang="en-US"/>
           </a:p>
@@ -36171,7 +36120,7 @@
           <p:cNvPr id="3" name="Title 2">
             <a:extLst>
               <a:ext uri="{FF2B5EF4-FFF2-40B4-BE49-F238E27FC236}">
-                <a16:creationId xmlns:a16="http://schemas.microsoft.com/office/drawing/2014/main" xmlns="" id="{4223978A-F10D-4B6E-A20D-4052DCEA77C6}"/>
+                <a16:creationId xmlns="" xmlns:a16="http://schemas.microsoft.com/office/drawing/2014/main" id="{4223978A-F10D-4B6E-A20D-4052DCEA77C6}"/>
               </a:ext>
             </a:extLst>
           </p:cNvPr>
@@ -36200,7 +36149,7 @@
           <p:cNvPr id="4" name="Footer Placeholder 3">
             <a:extLst>
               <a:ext uri="{FF2B5EF4-FFF2-40B4-BE49-F238E27FC236}">
-                <a16:creationId xmlns:a16="http://schemas.microsoft.com/office/drawing/2014/main" xmlns="" id="{22EFEB34-268C-4FD6-8EC2-2BE9C2455A52}"/>
+                <a16:creationId xmlns="" xmlns:a16="http://schemas.microsoft.com/office/drawing/2014/main" id="{22EFEB34-268C-4FD6-8EC2-2BE9C2455A52}"/>
               </a:ext>
             </a:extLst>
           </p:cNvPr>
@@ -36229,7 +36178,7 @@
           <p:cNvPr id="5" name="Slide Number Placeholder 4">
             <a:extLst>
               <a:ext uri="{FF2B5EF4-FFF2-40B4-BE49-F238E27FC236}">
-                <a16:creationId xmlns:a16="http://schemas.microsoft.com/office/drawing/2014/main" xmlns="" id="{A5E57934-964E-4CD1-A843-57326C5D2EDD}"/>
+                <a16:creationId xmlns="" xmlns:a16="http://schemas.microsoft.com/office/drawing/2014/main" id="{A5E57934-964E-4CD1-A843-57326C5D2EDD}"/>
               </a:ext>
             </a:extLst>
           </p:cNvPr>
@@ -36892,11 +36841,7 @@
             <a:pPr algn="ctr"/>
             <a:r>
               <a:rPr lang="en-US" sz="1600" dirty="0" smtClean="0"/>
-              <a:t>In binary classification the AUC (area under the curve) is </a:t>
-            </a:r>
-            <a:r>
-              <a:rPr lang="en-US" sz="1600" dirty="0" smtClean="0"/>
-              <a:t>a KPI</a:t>
+              <a:t>In binary classification the AUC (area under the curve) is a KPI</a:t>
             </a:r>
             <a:endParaRPr lang="en-US" sz="1600" dirty="0"/>
           </a:p>
@@ -36937,7 +36882,7 @@
           <p:cNvPr id="2" name="Date Placeholder 1">
             <a:extLst>
               <a:ext uri="{FF2B5EF4-FFF2-40B4-BE49-F238E27FC236}">
-                <a16:creationId xmlns:a16="http://schemas.microsoft.com/office/drawing/2014/main" xmlns="" id="{ECC9EAEF-AC39-4F46-A876-835A218CE916}"/>
+                <a16:creationId xmlns="" xmlns:a16="http://schemas.microsoft.com/office/drawing/2014/main" id="{ECC9EAEF-AC39-4F46-A876-835A218CE916}"/>
               </a:ext>
             </a:extLst>
           </p:cNvPr>
@@ -36955,7 +36900,7 @@
           <a:p>
             <a:fld id="{6700A58B-DD98-43D0-B791-721480A02982}" type="datetime1">
               <a:rPr lang="en-US" smtClean="0"/>
-              <a:t>6/19/2019</a:t>
+              <a:t>8/29/2019</a:t>
             </a:fld>
             <a:endParaRPr lang="en-US"/>
           </a:p>
@@ -36966,7 +36911,7 @@
           <p:cNvPr id="3" name="Title 2">
             <a:extLst>
               <a:ext uri="{FF2B5EF4-FFF2-40B4-BE49-F238E27FC236}">
-                <a16:creationId xmlns:a16="http://schemas.microsoft.com/office/drawing/2014/main" xmlns="" id="{C68D9455-329F-447E-98A3-DD3FB11137D9}"/>
+                <a16:creationId xmlns="" xmlns:a16="http://schemas.microsoft.com/office/drawing/2014/main" id="{C68D9455-329F-447E-98A3-DD3FB11137D9}"/>
               </a:ext>
             </a:extLst>
           </p:cNvPr>
@@ -36995,7 +36940,7 @@
           <p:cNvPr id="4" name="Footer Placeholder 3">
             <a:extLst>
               <a:ext uri="{FF2B5EF4-FFF2-40B4-BE49-F238E27FC236}">
-                <a16:creationId xmlns:a16="http://schemas.microsoft.com/office/drawing/2014/main" xmlns="" id="{AAF96DF4-DEB8-4A32-97BF-72315D909EE9}"/>
+                <a16:creationId xmlns="" xmlns:a16="http://schemas.microsoft.com/office/drawing/2014/main" id="{AAF96DF4-DEB8-4A32-97BF-72315D909EE9}"/>
               </a:ext>
             </a:extLst>
           </p:cNvPr>
@@ -37024,7 +36969,7 @@
           <p:cNvPr id="5" name="Slide Number Placeholder 4">
             <a:extLst>
               <a:ext uri="{FF2B5EF4-FFF2-40B4-BE49-F238E27FC236}">
-                <a16:creationId xmlns:a16="http://schemas.microsoft.com/office/drawing/2014/main" xmlns="" id="{296BF0B2-5E54-4380-8ECC-7D4A0500B1D2}"/>
+                <a16:creationId xmlns="" xmlns:a16="http://schemas.microsoft.com/office/drawing/2014/main" id="{296BF0B2-5E54-4380-8ECC-7D4A0500B1D2}"/>
               </a:ext>
             </a:extLst>
           </p:cNvPr>
@@ -37054,7 +36999,7 @@
           <p:cNvPr id="5122" name="Picture 2" descr="Image result for hospital  meme">
             <a:extLst>
               <a:ext uri="{FF2B5EF4-FFF2-40B4-BE49-F238E27FC236}">
-                <a16:creationId xmlns:a16="http://schemas.microsoft.com/office/drawing/2014/main" xmlns="" id="{51CC7F37-F786-4DE2-91E8-A86E347DECCD}"/>
+                <a16:creationId xmlns="" xmlns:a16="http://schemas.microsoft.com/office/drawing/2014/main" id="{51CC7F37-F786-4DE2-91E8-A86E347DECCD}"/>
               </a:ext>
             </a:extLst>
           </p:cNvPr>
@@ -37165,7 +37110,7 @@
           <a:p>
             <a:fld id="{6700A58B-DD98-43D0-B791-721480A02982}" type="datetime1">
               <a:rPr lang="en-US" smtClean="0"/>
-              <a:t>6/19/2019</a:t>
+              <a:t>8/29/2019</a:t>
             </a:fld>
             <a:endParaRPr lang="en-US"/>
           </a:p>
@@ -37299,7 +37244,7 @@
           <p:cNvPr id="5" name="Date Placeholder 3">
             <a:extLst>
               <a:ext uri="{FF2B5EF4-FFF2-40B4-BE49-F238E27FC236}">
-                <a16:creationId xmlns:a16="http://schemas.microsoft.com/office/drawing/2014/main" xmlns="" id="{8FCA8A2A-BA2A-4F59-BDF1-B1C7549B9048}"/>
+                <a16:creationId xmlns="" xmlns:a16="http://schemas.microsoft.com/office/drawing/2014/main" id="{8FCA8A2A-BA2A-4F59-BDF1-B1C7549B9048}"/>
               </a:ext>
             </a:extLst>
           </p:cNvPr>
@@ -37318,7 +37263,7 @@
             <a:fld id="{D753EFC8-4232-4598-94F6-94C0EBAFC469}" type="datetime1">
               <a:rPr lang="en-US" smtClean="0"/>
               <a:pPr/>
-              <a:t>6/19/2019</a:t>
+              <a:t>8/29/2019</a:t>
             </a:fld>
             <a:endParaRPr lang="en-US"/>
           </a:p>
@@ -37329,7 +37274,7 @@
           <p:cNvPr id="7" name="Footer Placeholder 5">
             <a:extLst>
               <a:ext uri="{FF2B5EF4-FFF2-40B4-BE49-F238E27FC236}">
-                <a16:creationId xmlns:a16="http://schemas.microsoft.com/office/drawing/2014/main" xmlns="" id="{CC81D18C-4058-4039-896D-D0DA6CD70C88}"/>
+                <a16:creationId xmlns="" xmlns:a16="http://schemas.microsoft.com/office/drawing/2014/main" id="{CC81D18C-4058-4039-896D-D0DA6CD70C88}"/>
               </a:ext>
             </a:extLst>
           </p:cNvPr>
@@ -37358,7 +37303,7 @@
           <p:cNvPr id="6" name="Slide Number Placeholder 4">
             <a:extLst>
               <a:ext uri="{FF2B5EF4-FFF2-40B4-BE49-F238E27FC236}">
-                <a16:creationId xmlns:a16="http://schemas.microsoft.com/office/drawing/2014/main" xmlns="" id="{67524C8B-E040-46C3-90CB-4F7DAB9FD551}"/>
+                <a16:creationId xmlns="" xmlns:a16="http://schemas.microsoft.com/office/drawing/2014/main" id="{67524C8B-E040-46C3-90CB-4F7DAB9FD551}"/>
               </a:ext>
             </a:extLst>
           </p:cNvPr>
@@ -38009,7 +37954,7 @@
           <p:cNvPr id="29" name="Content Placeholder 2">
             <a:extLst>
               <a:ext uri="{FF2B5EF4-FFF2-40B4-BE49-F238E27FC236}">
-                <a16:creationId xmlns:a16="http://schemas.microsoft.com/office/drawing/2014/main" xmlns="" id="{BF20F4D9-27DA-46A0-A9CB-0BBE713D0B9C}"/>
+                <a16:creationId xmlns="" xmlns:a16="http://schemas.microsoft.com/office/drawing/2014/main" id="{BF20F4D9-27DA-46A0-A9CB-0BBE713D0B9C}"/>
               </a:ext>
             </a:extLst>
           </p:cNvPr>
@@ -38262,7 +38207,7 @@
           <a:p>
             <a:fld id="{6700A58B-DD98-43D0-B791-721480A02982}" type="datetime1">
               <a:rPr lang="en-US" smtClean="0"/>
-              <a:t>6/19/2019</a:t>
+              <a:t>8/29/2019</a:t>
             </a:fld>
             <a:endParaRPr lang="en-US"/>
           </a:p>
@@ -38426,7 +38371,7 @@
           <a:p>
             <a:fld id="{6700A58B-DD98-43D0-B791-721480A02982}" type="datetime1">
               <a:rPr lang="en-US" smtClean="0"/>
-              <a:t>6/19/2019</a:t>
+              <a:t>8/29/2019</a:t>
             </a:fld>
             <a:endParaRPr lang="en-US"/>
           </a:p>
@@ -38565,7 +38510,7 @@
         <p:spPr>
           <a:xfrm>
             <a:off x="268007" y="3389586"/>
-            <a:ext cx="8671034" cy="2031325"/>
+            <a:ext cx="8671034" cy="2308324"/>
           </a:xfrm>
           <a:prstGeom prst="rect">
             <a:avLst/>
@@ -38600,7 +38545,11 @@
             </a:pPr>
             <a:r>
               <a:rPr lang="en-US" dirty="0" smtClean="0"/>
-              <a:t>You may handwrite a notecard as a refresher, no phones, books </a:t>
+              <a:t>You may handwrite a notecard as a refresher, no </a:t>
+            </a:r>
+            <a:r>
+              <a:rPr lang="en-US" dirty="0" smtClean="0"/>
+              <a:t>phones except as calculator, no books </a:t>
             </a:r>
             <a:r>
               <a:rPr lang="en-US" dirty="0" err="1" smtClean="0"/>
@@ -38625,15 +38574,7 @@
             </a:pPr>
             <a:r>
               <a:rPr lang="en-US" dirty="0" smtClean="0"/>
-              <a:t>30 multiple choice </a:t>
-            </a:r>
-            <a:r>
-              <a:rPr lang="en-US" dirty="0" smtClean="0"/>
-              <a:t>; </a:t>
-            </a:r>
-            <a:r>
-              <a:rPr lang="en-US" dirty="0" smtClean="0"/>
-              <a:t>2pts </a:t>
+              <a:t>30 multiple choice ; 2pts </a:t>
             </a:r>
             <a:r>
               <a:rPr lang="en-US" dirty="0" err="1" smtClean="0"/>
@@ -38651,11 +38592,7 @@
             </a:pPr>
             <a:r>
               <a:rPr lang="en-US" dirty="0" smtClean="0"/>
-              <a:t>4 short response (1-2 sentences</a:t>
-            </a:r>
-            <a:r>
-              <a:rPr lang="en-US" dirty="0" smtClean="0"/>
-              <a:t>);  5pts </a:t>
+              <a:t>4 short response (1-2 sentences);  5pts </a:t>
             </a:r>
             <a:r>
               <a:rPr lang="en-US" dirty="0" err="1" smtClean="0"/>
@@ -38677,19 +38614,7 @@
             </a:r>
             <a:r>
               <a:rPr lang="en-US" dirty="0" smtClean="0"/>
-              <a:t> </a:t>
-            </a:r>
-            <a:r>
-              <a:rPr lang="en-US" dirty="0" smtClean="0"/>
-              <a:t>Code review sections (code is done, you explain steps being taken) </a:t>
-            </a:r>
-            <a:r>
-              <a:rPr lang="en-US" dirty="0" smtClean="0"/>
-              <a:t>= </a:t>
-            </a:r>
-            <a:r>
-              <a:rPr lang="en-US" dirty="0" smtClean="0"/>
-              <a:t>20pts</a:t>
+              <a:t> Code review sections (code is done, you explain steps being taken) = 20pts</a:t>
             </a:r>
             <a:endParaRPr lang="en-US" dirty="0"/>
           </a:p>
@@ -38786,7 +38711,7 @@
           <p:cNvPr id="5" name="Date Placeholder 3">
             <a:extLst>
               <a:ext uri="{FF2B5EF4-FFF2-40B4-BE49-F238E27FC236}">
-                <a16:creationId xmlns:a16="http://schemas.microsoft.com/office/drawing/2014/main" xmlns="" id="{8FCA8A2A-BA2A-4F59-BDF1-B1C7549B9048}"/>
+                <a16:creationId xmlns="" xmlns:a16="http://schemas.microsoft.com/office/drawing/2014/main" id="{8FCA8A2A-BA2A-4F59-BDF1-B1C7549B9048}"/>
               </a:ext>
             </a:extLst>
           </p:cNvPr>
@@ -38805,7 +38730,7 @@
             <a:fld id="{D753EFC8-4232-4598-94F6-94C0EBAFC469}" type="datetime1">
               <a:rPr lang="en-US" smtClean="0"/>
               <a:pPr/>
-              <a:t>6/19/2019</a:t>
+              <a:t>8/29/2019</a:t>
             </a:fld>
             <a:endParaRPr lang="en-US"/>
           </a:p>
@@ -38816,7 +38741,7 @@
           <p:cNvPr id="7" name="Footer Placeholder 5">
             <a:extLst>
               <a:ext uri="{FF2B5EF4-FFF2-40B4-BE49-F238E27FC236}">
-                <a16:creationId xmlns:a16="http://schemas.microsoft.com/office/drawing/2014/main" xmlns="" id="{CC81D18C-4058-4039-896D-D0DA6CD70C88}"/>
+                <a16:creationId xmlns="" xmlns:a16="http://schemas.microsoft.com/office/drawing/2014/main" id="{CC81D18C-4058-4039-896D-D0DA6CD70C88}"/>
               </a:ext>
             </a:extLst>
           </p:cNvPr>
@@ -38845,7 +38770,7 @@
           <p:cNvPr id="6" name="Slide Number Placeholder 4">
             <a:extLst>
               <a:ext uri="{FF2B5EF4-FFF2-40B4-BE49-F238E27FC236}">
-                <a16:creationId xmlns:a16="http://schemas.microsoft.com/office/drawing/2014/main" xmlns="" id="{67524C8B-E040-46C3-90CB-4F7DAB9FD551}"/>
+                <a16:creationId xmlns="" xmlns:a16="http://schemas.microsoft.com/office/drawing/2014/main" id="{67524C8B-E040-46C3-90CB-4F7DAB9FD551}"/>
               </a:ext>
             </a:extLst>
           </p:cNvPr>
@@ -39526,7 +39451,7 @@
           <p:cNvPr id="29" name="Content Placeholder 2">
             <a:extLst>
               <a:ext uri="{FF2B5EF4-FFF2-40B4-BE49-F238E27FC236}">
-                <a16:creationId xmlns:a16="http://schemas.microsoft.com/office/drawing/2014/main" xmlns="" id="{BF20F4D9-27DA-46A0-A9CB-0BBE713D0B9C}"/>
+                <a16:creationId xmlns="" xmlns:a16="http://schemas.microsoft.com/office/drawing/2014/main" id="{BF20F4D9-27DA-46A0-A9CB-0BBE713D0B9C}"/>
               </a:ext>
             </a:extLst>
           </p:cNvPr>
@@ -39823,7 +39748,7 @@
           <p:cNvPr id="5" name="Date Placeholder 3">
             <a:extLst>
               <a:ext uri="{FF2B5EF4-FFF2-40B4-BE49-F238E27FC236}">
-                <a16:creationId xmlns:a16="http://schemas.microsoft.com/office/drawing/2014/main" xmlns="" id="{8FCA8A2A-BA2A-4F59-BDF1-B1C7549B9048}"/>
+                <a16:creationId xmlns="" xmlns:a16="http://schemas.microsoft.com/office/drawing/2014/main" id="{8FCA8A2A-BA2A-4F59-BDF1-B1C7549B9048}"/>
               </a:ext>
             </a:extLst>
           </p:cNvPr>
@@ -39842,7 +39767,7 @@
             <a:fld id="{D753EFC8-4232-4598-94F6-94C0EBAFC469}" type="datetime1">
               <a:rPr lang="en-US" smtClean="0"/>
               <a:pPr/>
-              <a:t>6/19/2019</a:t>
+              <a:t>8/29/2019</a:t>
             </a:fld>
             <a:endParaRPr lang="en-US"/>
           </a:p>
@@ -39853,7 +39778,7 @@
           <p:cNvPr id="7" name="Footer Placeholder 5">
             <a:extLst>
               <a:ext uri="{FF2B5EF4-FFF2-40B4-BE49-F238E27FC236}">
-                <a16:creationId xmlns:a16="http://schemas.microsoft.com/office/drawing/2014/main" xmlns="" id="{CC81D18C-4058-4039-896D-D0DA6CD70C88}"/>
+                <a16:creationId xmlns="" xmlns:a16="http://schemas.microsoft.com/office/drawing/2014/main" id="{CC81D18C-4058-4039-896D-D0DA6CD70C88}"/>
               </a:ext>
             </a:extLst>
           </p:cNvPr>
@@ -39882,7 +39807,7 @@
           <p:cNvPr id="6" name="Slide Number Placeholder 4">
             <a:extLst>
               <a:ext uri="{FF2B5EF4-FFF2-40B4-BE49-F238E27FC236}">
-                <a16:creationId xmlns:a16="http://schemas.microsoft.com/office/drawing/2014/main" xmlns="" id="{67524C8B-E040-46C3-90CB-4F7DAB9FD551}"/>
+                <a16:creationId xmlns="" xmlns:a16="http://schemas.microsoft.com/office/drawing/2014/main" id="{67524C8B-E040-46C3-90CB-4F7DAB9FD551}"/>
               </a:ext>
             </a:extLst>
           </p:cNvPr>
@@ -40626,7 +40551,7 @@
           <p:cNvPr id="29" name="Content Placeholder 2">
             <a:extLst>
               <a:ext uri="{FF2B5EF4-FFF2-40B4-BE49-F238E27FC236}">
-                <a16:creationId xmlns:a16="http://schemas.microsoft.com/office/drawing/2014/main" xmlns="" id="{BF20F4D9-27DA-46A0-A9CB-0BBE713D0B9C}"/>
+                <a16:creationId xmlns="" xmlns:a16="http://schemas.microsoft.com/office/drawing/2014/main" id="{BF20F4D9-27DA-46A0-A9CB-0BBE713D0B9C}"/>
               </a:ext>
             </a:extLst>
           </p:cNvPr>
@@ -40923,7 +40848,7 @@
           <p:cNvPr id="5" name="Date Placeholder 3">
             <a:extLst>
               <a:ext uri="{FF2B5EF4-FFF2-40B4-BE49-F238E27FC236}">
-                <a16:creationId xmlns:a16="http://schemas.microsoft.com/office/drawing/2014/main" xmlns="" id="{8FCA8A2A-BA2A-4F59-BDF1-B1C7549B9048}"/>
+                <a16:creationId xmlns="" xmlns:a16="http://schemas.microsoft.com/office/drawing/2014/main" id="{8FCA8A2A-BA2A-4F59-BDF1-B1C7549B9048}"/>
               </a:ext>
             </a:extLst>
           </p:cNvPr>
@@ -40942,7 +40867,7 @@
             <a:fld id="{D753EFC8-4232-4598-94F6-94C0EBAFC469}" type="datetime1">
               <a:rPr lang="en-US" smtClean="0"/>
               <a:pPr/>
-              <a:t>6/19/2019</a:t>
+              <a:t>8/29/2019</a:t>
             </a:fld>
             <a:endParaRPr lang="en-US"/>
           </a:p>
@@ -40953,7 +40878,7 @@
           <p:cNvPr id="7" name="Footer Placeholder 5">
             <a:extLst>
               <a:ext uri="{FF2B5EF4-FFF2-40B4-BE49-F238E27FC236}">
-                <a16:creationId xmlns:a16="http://schemas.microsoft.com/office/drawing/2014/main" xmlns="" id="{CC81D18C-4058-4039-896D-D0DA6CD70C88}"/>
+                <a16:creationId xmlns="" xmlns:a16="http://schemas.microsoft.com/office/drawing/2014/main" id="{CC81D18C-4058-4039-896D-D0DA6CD70C88}"/>
               </a:ext>
             </a:extLst>
           </p:cNvPr>
@@ -40982,7 +40907,7 @@
           <p:cNvPr id="6" name="Slide Number Placeholder 4">
             <a:extLst>
               <a:ext uri="{FF2B5EF4-FFF2-40B4-BE49-F238E27FC236}">
-                <a16:creationId xmlns:a16="http://schemas.microsoft.com/office/drawing/2014/main" xmlns="" id="{67524C8B-E040-46C3-90CB-4F7DAB9FD551}"/>
+                <a16:creationId xmlns="" xmlns:a16="http://schemas.microsoft.com/office/drawing/2014/main" id="{67524C8B-E040-46C3-90CB-4F7DAB9FD551}"/>
               </a:ext>
             </a:extLst>
           </p:cNvPr>
@@ -41759,7 +41684,7 @@
           <p:cNvPr id="29" name="Content Placeholder 2">
             <a:extLst>
               <a:ext uri="{FF2B5EF4-FFF2-40B4-BE49-F238E27FC236}">
-                <a16:creationId xmlns:a16="http://schemas.microsoft.com/office/drawing/2014/main" xmlns="" id="{BF20F4D9-27DA-46A0-A9CB-0BBE713D0B9C}"/>
+                <a16:creationId xmlns="" xmlns:a16="http://schemas.microsoft.com/office/drawing/2014/main" id="{BF20F4D9-27DA-46A0-A9CB-0BBE713D0B9C}"/>
               </a:ext>
             </a:extLst>
           </p:cNvPr>
@@ -42000,7 +41925,7 @@
           <p:cNvPr id="32" name="Date Placeholder 4">
             <a:extLst>
               <a:ext uri="{FF2B5EF4-FFF2-40B4-BE49-F238E27FC236}">
-                <a16:creationId xmlns:a16="http://schemas.microsoft.com/office/drawing/2014/main" xmlns="" id="{85B66C39-0CE5-450D-9865-91A8C3D24864}"/>
+                <a16:creationId xmlns="" xmlns:a16="http://schemas.microsoft.com/office/drawing/2014/main" id="{85B66C39-0CE5-450D-9865-91A8C3D24864}"/>
               </a:ext>
             </a:extLst>
           </p:cNvPr>
@@ -42019,7 +41944,7 @@
             <a:fld id="{9B19E99B-5349-415A-8E56-8E989211A366}" type="datetime1">
               <a:rPr lang="en-US" smtClean="0"/>
               <a:pPr/>
-              <a:t>6/19/2019</a:t>
+              <a:t>8/29/2019</a:t>
             </a:fld>
             <a:endParaRPr lang="en-US"/>
           </a:p>
@@ -42056,7 +41981,7 @@
           <p:cNvPr id="33" name="Footer Placeholder 5">
             <a:extLst>
               <a:ext uri="{FF2B5EF4-FFF2-40B4-BE49-F238E27FC236}">
-                <a16:creationId xmlns:a16="http://schemas.microsoft.com/office/drawing/2014/main" xmlns="" id="{34025AF9-D517-4374-858B-15C7F77DA078}"/>
+                <a16:creationId xmlns="" xmlns:a16="http://schemas.microsoft.com/office/drawing/2014/main" id="{34025AF9-D517-4374-858B-15C7F77DA078}"/>
               </a:ext>
             </a:extLst>
           </p:cNvPr>
@@ -42085,7 +42010,7 @@
           <p:cNvPr id="34" name="Slide Number Placeholder 6">
             <a:extLst>
               <a:ext uri="{FF2B5EF4-FFF2-40B4-BE49-F238E27FC236}">
-                <a16:creationId xmlns:a16="http://schemas.microsoft.com/office/drawing/2014/main" xmlns="" id="{49EBAA47-39C6-4528-94CE-7B820D1C7E6B}"/>
+                <a16:creationId xmlns="" xmlns:a16="http://schemas.microsoft.com/office/drawing/2014/main" id="{49EBAA47-39C6-4528-94CE-7B820D1C7E6B}"/>
               </a:ext>
             </a:extLst>
           </p:cNvPr>
